--- a/achieveit-docs/week8/演示文档_G03.pptx
+++ b/achieveit-docs/week8/演示文档_G03.pptx
@@ -9,8 +9,16 @@
     <p:sldId id="257" r:id="rId3"/>
     <p:sldId id="258" r:id="rId4"/>
     <p:sldId id="259" r:id="rId5"/>
-    <p:sldId id="260" r:id="rId6"/>
-    <p:sldId id="261" r:id="rId7"/>
+    <p:sldId id="269" r:id="rId6"/>
+    <p:sldId id="260" r:id="rId7"/>
+    <p:sldId id="261" r:id="rId8"/>
+    <p:sldId id="268" r:id="rId9"/>
+    <p:sldId id="267" r:id="rId10"/>
+    <p:sldId id="263" r:id="rId11"/>
+    <p:sldId id="266" r:id="rId12"/>
+    <p:sldId id="262" r:id="rId13"/>
+    <p:sldId id="264" r:id="rId14"/>
+    <p:sldId id="265" r:id="rId15"/>
   </p:sldIdLst>
   <p:sldSz cx="12192000" cy="6858000"/>
   <p:notesSz cx="6858000" cy="9144000"/>
@@ -280,7 +288,7 @@
           <a:p>
             <a:fld id="{1160EA64-D806-43AC-9DF2-F8C432F32B4C}" type="datetimeFigureOut">
               <a:rPr lang="en-US" dirty="0"/>
-              <a:t>4/16/20</a:t>
+              <a:t>4/20/20</a:t>
             </a:fld>
             <a:endParaRPr lang="en-US" dirty="0"/>
           </a:p>
@@ -446,7 +454,7 @@
           <a:p>
             <a:fld id="{E9F9C37B-1D36-470B-8223-D6C91242EC14}" type="datetimeFigureOut">
               <a:rPr lang="en-US" dirty="0"/>
-              <a:t>4/16/20</a:t>
+              <a:t>4/20/20</a:t>
             </a:fld>
             <a:endParaRPr lang="en-US" dirty="0"/>
           </a:p>
@@ -621,7 +629,7 @@
           <a:p>
             <a:fld id="{67C6F52A-A82B-47A2-A83A-8C4C91F2D59F}" type="datetimeFigureOut">
               <a:rPr lang="en-US" dirty="0"/>
-              <a:t>4/16/20</a:t>
+              <a:t>4/20/20</a:t>
             </a:fld>
             <a:endParaRPr lang="en-US" dirty="0"/>
           </a:p>
@@ -786,7 +794,7 @@
           <a:p>
             <a:fld id="{F070A7B3-6521-4DCA-87E5-044747A908C1}" type="datetimeFigureOut">
               <a:rPr lang="en-US" dirty="0"/>
-              <a:t>4/16/20</a:t>
+              <a:t>4/20/20</a:t>
             </a:fld>
             <a:endParaRPr lang="en-US" dirty="0"/>
           </a:p>
@@ -1050,7 +1058,7 @@
           <a:p>
             <a:fld id="{1160EA64-D806-43AC-9DF2-F8C432F32B4C}" type="datetimeFigureOut">
               <a:rPr lang="en-US" dirty="0"/>
-              <a:t>4/16/20</a:t>
+              <a:t>4/20/20</a:t>
             </a:fld>
             <a:endParaRPr lang="en-US" dirty="0"/>
           </a:p>
@@ -1278,7 +1286,7 @@
           <a:p>
             <a:fld id="{AB134690-1557-4C89-A502-4959FE7FAD70}" type="datetimeFigureOut">
               <a:rPr lang="en-US" dirty="0"/>
-              <a:t>4/16/20</a:t>
+              <a:t>4/20/20</a:t>
             </a:fld>
             <a:endParaRPr lang="en-US" dirty="0"/>
           </a:p>
@@ -1632,7 +1640,7 @@
           <a:p>
             <a:fld id="{4F7D4976-E339-4826-83B7-FBD03F55ECF8}" type="datetimeFigureOut">
               <a:rPr lang="en-US" dirty="0"/>
-              <a:t>4/16/20</a:t>
+              <a:t>4/20/20</a:t>
             </a:fld>
             <a:endParaRPr lang="en-US" dirty="0"/>
           </a:p>
@@ -1768,7 +1776,7 @@
           <a:p>
             <a:fld id="{E1037C31-9E7A-4F99-8774-A0E530DE1A42}" type="datetimeFigureOut">
               <a:rPr lang="en-US" dirty="0"/>
-              <a:t>4/16/20</a:t>
+              <a:t>4/20/20</a:t>
             </a:fld>
             <a:endParaRPr lang="en-US" dirty="0"/>
           </a:p>
@@ -1858,7 +1866,7 @@
           <a:p>
             <a:fld id="{C278504F-A551-4DE0-9316-4DCD1D8CC752}" type="datetimeFigureOut">
               <a:rPr lang="en-US" dirty="0"/>
-              <a:t>4/16/20</a:t>
+              <a:t>4/20/20</a:t>
             </a:fld>
             <a:endParaRPr lang="en-US" dirty="0"/>
           </a:p>
@@ -2210,7 +2218,7 @@
           <a:p>
             <a:fld id="{D1BE4249-C0D0-4B06-8692-E8BB871AF643}" type="datetimeFigureOut">
               <a:rPr lang="en-US" dirty="0"/>
-              <a:t>4/16/20</a:t>
+              <a:t>4/20/20</a:t>
             </a:fld>
             <a:endParaRPr lang="en-US" dirty="0"/>
           </a:p>
@@ -2562,7 +2570,7 @@
           <a:p>
             <a:fld id="{042B0DB6-F5C7-45FB-8CF3-31B45F9C2DAC}" type="datetimeFigureOut">
               <a:rPr lang="en-US" dirty="0"/>
-              <a:t>4/16/20</a:t>
+              <a:t>4/20/20</a:t>
             </a:fld>
             <a:endParaRPr lang="en-US" dirty="0"/>
           </a:p>
@@ -2799,7 +2807,7 @@
           <a:p>
             <a:fld id="{1160EA64-D806-43AC-9DF2-F8C432F32B4C}" type="datetimeFigureOut">
               <a:rPr lang="en-US" dirty="0"/>
-              <a:t>4/16/20</a:t>
+              <a:t>4/20/20</a:t>
             </a:fld>
             <a:endParaRPr lang="en-US" dirty="0"/>
           </a:p>
@@ -3333,6 +3341,7122 @@
 </p:sld>
 </file>
 
+<file path=ppt/slides/slide10.xml><?xml version="1.0" encoding="utf-8"?>
+<p:sld xmlns:a="http://schemas.openxmlformats.org/drawingml/2006/main" xmlns:r="http://schemas.openxmlformats.org/officeDocument/2006/relationships" xmlns:p="http://schemas.openxmlformats.org/presentationml/2006/main">
+  <p:cSld>
+    <p:bg>
+      <p:bgPr>
+        <a:noFill/>
+        <a:effectLst/>
+      </p:bgPr>
+    </p:bg>
+    <p:spTree>
+      <p:nvGrpSpPr>
+        <p:cNvPr id="1" name=""/>
+        <p:cNvGrpSpPr/>
+        <p:nvPr/>
+      </p:nvGrpSpPr>
+      <p:grpSpPr>
+        <a:xfrm>
+          <a:off x="0" y="0"/>
+          <a:ext cx="0" cy="0"/>
+          <a:chOff x="0" y="0"/>
+          <a:chExt cx="0" cy="0"/>
+        </a:xfrm>
+      </p:grpSpPr>
+      <p:sp>
+        <p:nvSpPr>
+          <p:cNvPr id="2" name="Title 1">
+            <a:extLst>
+              <a:ext uri="{FF2B5EF4-FFF2-40B4-BE49-F238E27FC236}">
+                <a16:creationId xmlns:a16="http://schemas.microsoft.com/office/drawing/2014/main" id="{361B705D-8AD2-7542-B85C-317C11162F88}"/>
+              </a:ext>
+            </a:extLst>
+          </p:cNvPr>
+          <p:cNvSpPr>
+            <a:spLocks noGrp="1"/>
+          </p:cNvSpPr>
+          <p:nvPr>
+            <p:ph type="title"/>
+          </p:nvPr>
+        </p:nvSpPr>
+        <p:spPr/>
+        <p:txBody>
+          <a:bodyPr/>
+          <a:lstStyle/>
+          <a:p>
+            <a:r>
+              <a:rPr lang="zh-CN" altLang="en-US" dirty="0"/>
+              <a:t>项目测试情况</a:t>
+            </a:r>
+            <a:br>
+              <a:rPr lang="en-US" altLang="zh-CN" dirty="0"/>
+            </a:br>
+            <a:r>
+              <a:rPr lang="zh-CN" altLang="en-US" sz="1600" dirty="0"/>
+              <a:t>单元测试</a:t>
+            </a:r>
+            <a:endParaRPr lang="en-US" dirty="0"/>
+          </a:p>
+        </p:txBody>
+      </p:sp>
+      <p:graphicFrame>
+        <p:nvGraphicFramePr>
+          <p:cNvPr id="9" name="Table 8">
+            <a:extLst>
+              <a:ext uri="{FF2B5EF4-FFF2-40B4-BE49-F238E27FC236}">
+                <a16:creationId xmlns:a16="http://schemas.microsoft.com/office/drawing/2014/main" id="{8E15BA94-5561-0B4C-8122-72CAEA96223D}"/>
+              </a:ext>
+            </a:extLst>
+          </p:cNvPr>
+          <p:cNvGraphicFramePr>
+            <a:graphicFrameLocks noGrp="1"/>
+          </p:cNvGraphicFramePr>
+          <p:nvPr>
+            <p:extLst>
+              <p:ext uri="{D42A27DB-BD31-4B8C-83A1-F6EECF244321}">
+                <p14:modId xmlns:p14="http://schemas.microsoft.com/office/powerpoint/2010/main" val="2329817914"/>
+              </p:ext>
+            </p:extLst>
+          </p:nvPr>
+        </p:nvGraphicFramePr>
+        <p:xfrm>
+          <a:off x="2231136" y="2354580"/>
+          <a:ext cx="7729728" cy="624840"/>
+        </p:xfrm>
+        <a:graphic>
+          <a:graphicData uri="http://schemas.openxmlformats.org/drawingml/2006/table">
+            <a:tbl>
+              <a:tblPr/>
+              <a:tblGrid>
+                <a:gridCol w="2093497">
+                  <a:extLst>
+                    <a:ext uri="{9D8B030D-6E8A-4147-A177-3AD203B41FA5}">
+                      <a16:colId xmlns:a16="http://schemas.microsoft.com/office/drawing/2014/main" val="2579738679"/>
+                    </a:ext>
+                  </a:extLst>
+                </a:gridCol>
+                <a:gridCol w="1782058">
+                  <a:extLst>
+                    <a:ext uri="{9D8B030D-6E8A-4147-A177-3AD203B41FA5}">
+                      <a16:colId xmlns:a16="http://schemas.microsoft.com/office/drawing/2014/main" val="1521725214"/>
+                    </a:ext>
+                  </a:extLst>
+                </a:gridCol>
+                <a:gridCol w="1753497">
+                  <a:extLst>
+                    <a:ext uri="{9D8B030D-6E8A-4147-A177-3AD203B41FA5}">
+                      <a16:colId xmlns:a16="http://schemas.microsoft.com/office/drawing/2014/main" val="2548612107"/>
+                    </a:ext>
+                  </a:extLst>
+                </a:gridCol>
+                <a:gridCol w="2100676">
+                  <a:extLst>
+                    <a:ext uri="{9D8B030D-6E8A-4147-A177-3AD203B41FA5}">
+                      <a16:colId xmlns:a16="http://schemas.microsoft.com/office/drawing/2014/main" val="3630168614"/>
+                    </a:ext>
+                  </a:extLst>
+                </a:gridCol>
+              </a:tblGrid>
+              <a:tr h="0">
+                <a:tc>
+                  <a:txBody>
+                    <a:bodyPr/>
+                    <a:lstStyle/>
+                    <a:p>
+                      <a:pPr algn="l"/>
+                      <a:r>
+                        <a:rPr lang="en-US" b="1">
+                          <a:effectLst/>
+                        </a:rPr>
+                        <a:t>Package</a:t>
+                      </a:r>
+                    </a:p>
+                  </a:txBody>
+                  <a:tcPr marL="19050" marR="19050" marT="19050" marB="19050" anchor="ctr">
+                    <a:lnL w="9525" cap="flat" cmpd="sng" algn="ctr">
+                      <a:solidFill>
+                        <a:srgbClr val="CCCCCC"/>
+                      </a:solidFill>
+                      <a:prstDash val="solid"/>
+                      <a:round/>
+                      <a:headEnd type="none" w="med" len="med"/>
+                      <a:tailEnd type="none" w="med" len="med"/>
+                    </a:lnL>
+                    <a:lnR w="9525" cap="flat" cmpd="sng" algn="ctr">
+                      <a:solidFill>
+                        <a:srgbClr val="CCCCCC"/>
+                      </a:solidFill>
+                      <a:prstDash val="solid"/>
+                      <a:round/>
+                      <a:headEnd type="none" w="med" len="med"/>
+                      <a:tailEnd type="none" w="med" len="med"/>
+                    </a:lnR>
+                    <a:lnT w="9525" cap="flat" cmpd="sng" algn="ctr">
+                      <a:solidFill>
+                        <a:srgbClr val="CCCCCC"/>
+                      </a:solidFill>
+                      <a:prstDash val="solid"/>
+                      <a:round/>
+                      <a:headEnd type="none" w="med" len="med"/>
+                      <a:tailEnd type="none" w="med" len="med"/>
+                    </a:lnT>
+                    <a:lnB w="9525" cap="flat" cmpd="sng" algn="ctr">
+                      <a:solidFill>
+                        <a:srgbClr val="CCCCCC"/>
+                      </a:solidFill>
+                      <a:prstDash val="solid"/>
+                      <a:round/>
+                      <a:headEnd type="none" w="med" len="med"/>
+                      <a:tailEnd type="none" w="med" len="med"/>
+                    </a:lnB>
+                    <a:solidFill>
+                      <a:srgbClr val="FFFFFF"/>
+                    </a:solidFill>
+                  </a:tcPr>
+                </a:tc>
+                <a:tc>
+                  <a:txBody>
+                    <a:bodyPr/>
+                    <a:lstStyle/>
+                    <a:p>
+                      <a:pPr algn="l"/>
+                      <a:r>
+                        <a:rPr lang="en-US" b="1">
+                          <a:effectLst/>
+                        </a:rPr>
+                        <a:t>Class, %</a:t>
+                      </a:r>
+                    </a:p>
+                  </a:txBody>
+                  <a:tcPr marL="19050" marR="19050" marT="19050" marB="19050" anchor="ctr">
+                    <a:lnL w="9525" cap="flat" cmpd="sng" algn="ctr">
+                      <a:solidFill>
+                        <a:srgbClr val="CCCCCC"/>
+                      </a:solidFill>
+                      <a:prstDash val="solid"/>
+                      <a:round/>
+                      <a:headEnd type="none" w="med" len="med"/>
+                      <a:tailEnd type="none" w="med" len="med"/>
+                    </a:lnL>
+                    <a:lnR w="9525" cap="flat" cmpd="sng" algn="ctr">
+                      <a:solidFill>
+                        <a:srgbClr val="CCCCCC"/>
+                      </a:solidFill>
+                      <a:prstDash val="solid"/>
+                      <a:round/>
+                      <a:headEnd type="none" w="med" len="med"/>
+                      <a:tailEnd type="none" w="med" len="med"/>
+                    </a:lnR>
+                    <a:lnT w="9525" cap="flat" cmpd="sng" algn="ctr">
+                      <a:solidFill>
+                        <a:srgbClr val="CCCCCC"/>
+                      </a:solidFill>
+                      <a:prstDash val="solid"/>
+                      <a:round/>
+                      <a:headEnd type="none" w="med" len="med"/>
+                      <a:tailEnd type="none" w="med" len="med"/>
+                    </a:lnT>
+                    <a:lnB w="9525" cap="flat" cmpd="sng" algn="ctr">
+                      <a:solidFill>
+                        <a:srgbClr val="CCCCCC"/>
+                      </a:solidFill>
+                      <a:prstDash val="solid"/>
+                      <a:round/>
+                      <a:headEnd type="none" w="med" len="med"/>
+                      <a:tailEnd type="none" w="med" len="med"/>
+                    </a:lnB>
+                    <a:solidFill>
+                      <a:srgbClr val="FFFFFF"/>
+                    </a:solidFill>
+                  </a:tcPr>
+                </a:tc>
+                <a:tc>
+                  <a:txBody>
+                    <a:bodyPr/>
+                    <a:lstStyle/>
+                    <a:p>
+                      <a:pPr algn="l"/>
+                      <a:r>
+                        <a:rPr lang="en-US" b="1" dirty="0">
+                          <a:effectLst/>
+                        </a:rPr>
+                        <a:t>Method, %</a:t>
+                      </a:r>
+                    </a:p>
+                  </a:txBody>
+                  <a:tcPr marL="19050" marR="19050" marT="19050" marB="19050" anchor="ctr">
+                    <a:lnL w="9525" cap="flat" cmpd="sng" algn="ctr">
+                      <a:solidFill>
+                        <a:srgbClr val="CCCCCC"/>
+                      </a:solidFill>
+                      <a:prstDash val="solid"/>
+                      <a:round/>
+                      <a:headEnd type="none" w="med" len="med"/>
+                      <a:tailEnd type="none" w="med" len="med"/>
+                    </a:lnL>
+                    <a:lnR w="9525" cap="flat" cmpd="sng" algn="ctr">
+                      <a:solidFill>
+                        <a:srgbClr val="CCCCCC"/>
+                      </a:solidFill>
+                      <a:prstDash val="solid"/>
+                      <a:round/>
+                      <a:headEnd type="none" w="med" len="med"/>
+                      <a:tailEnd type="none" w="med" len="med"/>
+                    </a:lnR>
+                    <a:lnT w="9525" cap="flat" cmpd="sng" algn="ctr">
+                      <a:solidFill>
+                        <a:srgbClr val="CCCCCC"/>
+                      </a:solidFill>
+                      <a:prstDash val="solid"/>
+                      <a:round/>
+                      <a:headEnd type="none" w="med" len="med"/>
+                      <a:tailEnd type="none" w="med" len="med"/>
+                    </a:lnT>
+                    <a:lnB w="9525" cap="flat" cmpd="sng" algn="ctr">
+                      <a:solidFill>
+                        <a:srgbClr val="CCCCCC"/>
+                      </a:solidFill>
+                      <a:prstDash val="solid"/>
+                      <a:round/>
+                      <a:headEnd type="none" w="med" len="med"/>
+                      <a:tailEnd type="none" w="med" len="med"/>
+                    </a:lnB>
+                    <a:solidFill>
+                      <a:srgbClr val="FFFFFF"/>
+                    </a:solidFill>
+                  </a:tcPr>
+                </a:tc>
+                <a:tc>
+                  <a:txBody>
+                    <a:bodyPr/>
+                    <a:lstStyle/>
+                    <a:p>
+                      <a:pPr algn="l"/>
+                      <a:r>
+                        <a:rPr lang="en-US" b="1">
+                          <a:effectLst/>
+                        </a:rPr>
+                        <a:t>Line, %</a:t>
+                      </a:r>
+                    </a:p>
+                  </a:txBody>
+                  <a:tcPr marL="19050" marR="19050" marT="19050" marB="19050" anchor="ctr">
+                    <a:lnL w="9525" cap="flat" cmpd="sng" algn="ctr">
+                      <a:solidFill>
+                        <a:srgbClr val="CCCCCC"/>
+                      </a:solidFill>
+                      <a:prstDash val="solid"/>
+                      <a:round/>
+                      <a:headEnd type="none" w="med" len="med"/>
+                      <a:tailEnd type="none" w="med" len="med"/>
+                    </a:lnL>
+                    <a:lnR w="9525" cap="flat" cmpd="sng" algn="ctr">
+                      <a:solidFill>
+                        <a:srgbClr val="CCCCCC"/>
+                      </a:solidFill>
+                      <a:prstDash val="solid"/>
+                      <a:round/>
+                      <a:headEnd type="none" w="med" len="med"/>
+                      <a:tailEnd type="none" w="med" len="med"/>
+                    </a:lnR>
+                    <a:lnT w="9525" cap="flat" cmpd="sng" algn="ctr">
+                      <a:solidFill>
+                        <a:srgbClr val="CCCCCC"/>
+                      </a:solidFill>
+                      <a:prstDash val="solid"/>
+                      <a:round/>
+                      <a:headEnd type="none" w="med" len="med"/>
+                      <a:tailEnd type="none" w="med" len="med"/>
+                    </a:lnT>
+                    <a:lnB w="9525" cap="flat" cmpd="sng" algn="ctr">
+                      <a:solidFill>
+                        <a:srgbClr val="CCCCCC"/>
+                      </a:solidFill>
+                      <a:prstDash val="solid"/>
+                      <a:round/>
+                      <a:headEnd type="none" w="med" len="med"/>
+                      <a:tailEnd type="none" w="med" len="med"/>
+                    </a:lnB>
+                    <a:solidFill>
+                      <a:srgbClr val="FFFFFF"/>
+                    </a:solidFill>
+                  </a:tcPr>
+                </a:tc>
+                <a:extLst>
+                  <a:ext uri="{0D108BD9-81ED-4DB2-BD59-A6C34878D82A}">
+                    <a16:rowId xmlns:a16="http://schemas.microsoft.com/office/drawing/2014/main" val="2080027600"/>
+                  </a:ext>
+                </a:extLst>
+              </a:tr>
+              <a:tr h="0">
+                <a:tc>
+                  <a:txBody>
+                    <a:bodyPr/>
+                    <a:lstStyle/>
+                    <a:p>
+                      <a:r>
+                        <a:rPr lang="en-US">
+                          <a:effectLst/>
+                        </a:rPr>
+                        <a:t>all classes</a:t>
+                      </a:r>
+                    </a:p>
+                  </a:txBody>
+                  <a:tcPr marL="19050" marR="19050" marT="19050" marB="19050" anchor="ctr">
+                    <a:lnL w="9525" cap="flat" cmpd="sng" algn="ctr">
+                      <a:solidFill>
+                        <a:srgbClr val="CCCCCC"/>
+                      </a:solidFill>
+                      <a:prstDash val="solid"/>
+                      <a:round/>
+                      <a:headEnd type="none" w="med" len="med"/>
+                      <a:tailEnd type="none" w="med" len="med"/>
+                    </a:lnL>
+                    <a:lnR w="9525" cap="flat" cmpd="sng" algn="ctr">
+                      <a:solidFill>
+                        <a:srgbClr val="CCCCCC"/>
+                      </a:solidFill>
+                      <a:prstDash val="solid"/>
+                      <a:round/>
+                      <a:headEnd type="none" w="med" len="med"/>
+                      <a:tailEnd type="none" w="med" len="med"/>
+                    </a:lnR>
+                    <a:lnT w="9525" cap="flat" cmpd="sng" algn="ctr">
+                      <a:solidFill>
+                        <a:srgbClr val="CCCCCC"/>
+                      </a:solidFill>
+                      <a:prstDash val="solid"/>
+                      <a:round/>
+                      <a:headEnd type="none" w="med" len="med"/>
+                      <a:tailEnd type="none" w="med" len="med"/>
+                    </a:lnT>
+                    <a:lnB w="9525" cap="flat" cmpd="sng" algn="ctr">
+                      <a:solidFill>
+                        <a:srgbClr val="CCCCCC"/>
+                      </a:solidFill>
+                      <a:prstDash val="solid"/>
+                      <a:round/>
+                      <a:headEnd type="none" w="med" len="med"/>
+                      <a:tailEnd type="none" w="med" len="med"/>
+                    </a:lnB>
+                    <a:solidFill>
+                      <a:srgbClr val="FFFFFF"/>
+                    </a:solidFill>
+                  </a:tcPr>
+                </a:tc>
+                <a:tc>
+                  <a:txBody>
+                    <a:bodyPr/>
+                    <a:lstStyle/>
+                    <a:p>
+                      <a:r>
+                        <a:rPr lang="en-US">
+                          <a:effectLst/>
+                        </a:rPr>
+                        <a:t>95.8% (23/ 24)</a:t>
+                      </a:r>
+                    </a:p>
+                  </a:txBody>
+                  <a:tcPr marL="19050" marR="19050" marT="19050" marB="19050" anchor="ctr">
+                    <a:lnL w="9525" cap="flat" cmpd="sng" algn="ctr">
+                      <a:solidFill>
+                        <a:srgbClr val="CCCCCC"/>
+                      </a:solidFill>
+                      <a:prstDash val="solid"/>
+                      <a:round/>
+                      <a:headEnd type="none" w="med" len="med"/>
+                      <a:tailEnd type="none" w="med" len="med"/>
+                    </a:lnL>
+                    <a:lnR w="9525" cap="flat" cmpd="sng" algn="ctr">
+                      <a:solidFill>
+                        <a:srgbClr val="CCCCCC"/>
+                      </a:solidFill>
+                      <a:prstDash val="solid"/>
+                      <a:round/>
+                      <a:headEnd type="none" w="med" len="med"/>
+                      <a:tailEnd type="none" w="med" len="med"/>
+                    </a:lnR>
+                    <a:lnT w="9525" cap="flat" cmpd="sng" algn="ctr">
+                      <a:solidFill>
+                        <a:srgbClr val="CCCCCC"/>
+                      </a:solidFill>
+                      <a:prstDash val="solid"/>
+                      <a:round/>
+                      <a:headEnd type="none" w="med" len="med"/>
+                      <a:tailEnd type="none" w="med" len="med"/>
+                    </a:lnT>
+                    <a:lnB w="9525" cap="flat" cmpd="sng" algn="ctr">
+                      <a:solidFill>
+                        <a:srgbClr val="CCCCCC"/>
+                      </a:solidFill>
+                      <a:prstDash val="solid"/>
+                      <a:round/>
+                      <a:headEnd type="none" w="med" len="med"/>
+                      <a:tailEnd type="none" w="med" len="med"/>
+                    </a:lnB>
+                    <a:solidFill>
+                      <a:srgbClr val="FFFFFF"/>
+                    </a:solidFill>
+                  </a:tcPr>
+                </a:tc>
+                <a:tc>
+                  <a:txBody>
+                    <a:bodyPr/>
+                    <a:lstStyle/>
+                    <a:p>
+                      <a:r>
+                        <a:rPr lang="en-US">
+                          <a:effectLst/>
+                        </a:rPr>
+                        <a:t>98.7% (152/ 154)</a:t>
+                      </a:r>
+                    </a:p>
+                  </a:txBody>
+                  <a:tcPr marL="19050" marR="19050" marT="19050" marB="19050" anchor="ctr">
+                    <a:lnL w="9525" cap="flat" cmpd="sng" algn="ctr">
+                      <a:solidFill>
+                        <a:srgbClr val="CCCCCC"/>
+                      </a:solidFill>
+                      <a:prstDash val="solid"/>
+                      <a:round/>
+                      <a:headEnd type="none" w="med" len="med"/>
+                      <a:tailEnd type="none" w="med" len="med"/>
+                    </a:lnL>
+                    <a:lnR w="9525" cap="flat" cmpd="sng" algn="ctr">
+                      <a:solidFill>
+                        <a:srgbClr val="CCCCCC"/>
+                      </a:solidFill>
+                      <a:prstDash val="solid"/>
+                      <a:round/>
+                      <a:headEnd type="none" w="med" len="med"/>
+                      <a:tailEnd type="none" w="med" len="med"/>
+                    </a:lnR>
+                    <a:lnT w="9525" cap="flat" cmpd="sng" algn="ctr">
+                      <a:solidFill>
+                        <a:srgbClr val="CCCCCC"/>
+                      </a:solidFill>
+                      <a:prstDash val="solid"/>
+                      <a:round/>
+                      <a:headEnd type="none" w="med" len="med"/>
+                      <a:tailEnd type="none" w="med" len="med"/>
+                    </a:lnT>
+                    <a:lnB w="9525" cap="flat" cmpd="sng" algn="ctr">
+                      <a:solidFill>
+                        <a:srgbClr val="CCCCCC"/>
+                      </a:solidFill>
+                      <a:prstDash val="solid"/>
+                      <a:round/>
+                      <a:headEnd type="none" w="med" len="med"/>
+                      <a:tailEnd type="none" w="med" len="med"/>
+                    </a:lnB>
+                    <a:solidFill>
+                      <a:srgbClr val="FFFFFF"/>
+                    </a:solidFill>
+                  </a:tcPr>
+                </a:tc>
+                <a:tc>
+                  <a:txBody>
+                    <a:bodyPr/>
+                    <a:lstStyle/>
+                    <a:p>
+                      <a:r>
+                        <a:rPr lang="en-US" dirty="0">
+                          <a:effectLst/>
+                        </a:rPr>
+                        <a:t>97.9% (1836/ 1875)</a:t>
+                      </a:r>
+                    </a:p>
+                  </a:txBody>
+                  <a:tcPr marL="19050" marR="19050" marT="19050" marB="19050" anchor="ctr">
+                    <a:lnL w="9525" cap="flat" cmpd="sng" algn="ctr">
+                      <a:solidFill>
+                        <a:srgbClr val="CCCCCC"/>
+                      </a:solidFill>
+                      <a:prstDash val="solid"/>
+                      <a:round/>
+                      <a:headEnd type="none" w="med" len="med"/>
+                      <a:tailEnd type="none" w="med" len="med"/>
+                    </a:lnL>
+                    <a:lnR w="9525" cap="flat" cmpd="sng" algn="ctr">
+                      <a:solidFill>
+                        <a:srgbClr val="CCCCCC"/>
+                      </a:solidFill>
+                      <a:prstDash val="solid"/>
+                      <a:round/>
+                      <a:headEnd type="none" w="med" len="med"/>
+                      <a:tailEnd type="none" w="med" len="med"/>
+                    </a:lnR>
+                    <a:lnT w="9525" cap="flat" cmpd="sng" algn="ctr">
+                      <a:solidFill>
+                        <a:srgbClr val="CCCCCC"/>
+                      </a:solidFill>
+                      <a:prstDash val="solid"/>
+                      <a:round/>
+                      <a:headEnd type="none" w="med" len="med"/>
+                      <a:tailEnd type="none" w="med" len="med"/>
+                    </a:lnT>
+                    <a:lnB w="9525" cap="flat" cmpd="sng" algn="ctr">
+                      <a:solidFill>
+                        <a:srgbClr val="CCCCCC"/>
+                      </a:solidFill>
+                      <a:prstDash val="solid"/>
+                      <a:round/>
+                      <a:headEnd type="none" w="med" len="med"/>
+                      <a:tailEnd type="none" w="med" len="med"/>
+                    </a:lnB>
+                    <a:solidFill>
+                      <a:srgbClr val="FFFFFF"/>
+                    </a:solidFill>
+                  </a:tcPr>
+                </a:tc>
+                <a:extLst>
+                  <a:ext uri="{0D108BD9-81ED-4DB2-BD59-A6C34878D82A}">
+                    <a16:rowId xmlns:a16="http://schemas.microsoft.com/office/drawing/2014/main" val="463294448"/>
+                  </a:ext>
+                </a:extLst>
+              </a:tr>
+            </a:tbl>
+          </a:graphicData>
+        </a:graphic>
+      </p:graphicFrame>
+      <p:graphicFrame>
+        <p:nvGraphicFramePr>
+          <p:cNvPr id="12" name="Table 11">
+            <a:extLst>
+              <a:ext uri="{FF2B5EF4-FFF2-40B4-BE49-F238E27FC236}">
+                <a16:creationId xmlns:a16="http://schemas.microsoft.com/office/drawing/2014/main" id="{752DC278-1D6A-5D4B-A02D-4B346CFEB2A2}"/>
+              </a:ext>
+            </a:extLst>
+          </p:cNvPr>
+          <p:cNvGraphicFramePr>
+            <a:graphicFrameLocks noGrp="1"/>
+          </p:cNvGraphicFramePr>
+          <p:nvPr>
+            <p:extLst>
+              <p:ext uri="{D42A27DB-BD31-4B8C-83A1-F6EECF244321}">
+                <p14:modId xmlns:p14="http://schemas.microsoft.com/office/powerpoint/2010/main" val="860179572"/>
+              </p:ext>
+            </p:extLst>
+          </p:nvPr>
+        </p:nvGraphicFramePr>
+        <p:xfrm>
+          <a:off x="441065" y="3180589"/>
+          <a:ext cx="5654935" cy="3414232"/>
+        </p:xfrm>
+        <a:graphic>
+          <a:graphicData uri="http://schemas.openxmlformats.org/drawingml/2006/table">
+            <a:tbl>
+              <a:tblPr/>
+              <a:tblGrid>
+                <a:gridCol w="2396299">
+                  <a:extLst>
+                    <a:ext uri="{9D8B030D-6E8A-4147-A177-3AD203B41FA5}">
+                      <a16:colId xmlns:a16="http://schemas.microsoft.com/office/drawing/2014/main" val="2926915431"/>
+                    </a:ext>
+                  </a:extLst>
+                </a:gridCol>
+                <a:gridCol w="1086212">
+                  <a:extLst>
+                    <a:ext uri="{9D8B030D-6E8A-4147-A177-3AD203B41FA5}">
+                      <a16:colId xmlns:a16="http://schemas.microsoft.com/office/drawing/2014/main" val="2752873470"/>
+                    </a:ext>
+                  </a:extLst>
+                </a:gridCol>
+                <a:gridCol w="1086212">
+                  <a:extLst>
+                    <a:ext uri="{9D8B030D-6E8A-4147-A177-3AD203B41FA5}">
+                      <a16:colId xmlns:a16="http://schemas.microsoft.com/office/drawing/2014/main" val="985062222"/>
+                    </a:ext>
+                  </a:extLst>
+                </a:gridCol>
+                <a:gridCol w="1086212">
+                  <a:extLst>
+                    <a:ext uri="{9D8B030D-6E8A-4147-A177-3AD203B41FA5}">
+                      <a16:colId xmlns:a16="http://schemas.microsoft.com/office/drawing/2014/main" val="1742803332"/>
+                    </a:ext>
+                  </a:extLst>
+                </a:gridCol>
+              </a:tblGrid>
+              <a:tr h="202701">
+                <a:tc>
+                  <a:txBody>
+                    <a:bodyPr/>
+                    <a:lstStyle/>
+                    <a:p>
+                      <a:pPr algn="l"/>
+                      <a:r>
+                        <a:rPr lang="en-US" sz="1200" b="1" u="none" strike="noStrike">
+                          <a:solidFill>
+                            <a:srgbClr val="0254D0"/>
+                          </a:solidFill>
+                          <a:effectLst/>
+                          <a:hlinkClick r:id="rId2"/>
+                        </a:rPr>
+                        <a:t>Class</a:t>
+                      </a:r>
+                      <a:endParaRPr lang="en-US" sz="1200" b="1">
+                        <a:effectLst/>
+                      </a:endParaRPr>
+                    </a:p>
+                  </a:txBody>
+                  <a:tcPr marL="10006" marR="10006" marT="10006" marB="10006" anchor="ctr">
+                    <a:lnL w="9525" cap="flat" cmpd="sng" algn="ctr">
+                      <a:solidFill>
+                        <a:srgbClr val="CCCCCC"/>
+                      </a:solidFill>
+                      <a:prstDash val="solid"/>
+                      <a:round/>
+                      <a:headEnd type="none" w="med" len="med"/>
+                      <a:tailEnd type="none" w="med" len="med"/>
+                    </a:lnL>
+                    <a:lnR w="9525" cap="flat" cmpd="sng" algn="ctr">
+                      <a:solidFill>
+                        <a:srgbClr val="CCCCCC"/>
+                      </a:solidFill>
+                      <a:prstDash val="solid"/>
+                      <a:round/>
+                      <a:headEnd type="none" w="med" len="med"/>
+                      <a:tailEnd type="none" w="med" len="med"/>
+                    </a:lnR>
+                    <a:lnT w="9525" cap="flat" cmpd="sng" algn="ctr">
+                      <a:solidFill>
+                        <a:srgbClr val="CCCCCC"/>
+                      </a:solidFill>
+                      <a:prstDash val="solid"/>
+                      <a:round/>
+                      <a:headEnd type="none" w="med" len="med"/>
+                      <a:tailEnd type="none" w="med" len="med"/>
+                    </a:lnT>
+                    <a:lnB w="9525" cap="flat" cmpd="sng" algn="ctr">
+                      <a:solidFill>
+                        <a:srgbClr val="CCCCCC"/>
+                      </a:solidFill>
+                      <a:prstDash val="solid"/>
+                      <a:round/>
+                      <a:headEnd type="none" w="med" len="med"/>
+                      <a:tailEnd type="none" w="med" len="med"/>
+                    </a:lnB>
+                    <a:solidFill>
+                      <a:srgbClr val="FFFFFF"/>
+                    </a:solidFill>
+                  </a:tcPr>
+                </a:tc>
+                <a:tc>
+                  <a:txBody>
+                    <a:bodyPr/>
+                    <a:lstStyle/>
+                    <a:p>
+                      <a:pPr algn="l"/>
+                      <a:r>
+                        <a:rPr lang="en-US" sz="1200" b="1" u="none" strike="noStrike">
+                          <a:solidFill>
+                            <a:srgbClr val="0254D0"/>
+                          </a:solidFill>
+                          <a:effectLst/>
+                          <a:hlinkClick r:id="rId3"/>
+                        </a:rPr>
+                        <a:t>Class, %</a:t>
+                      </a:r>
+                      <a:endParaRPr lang="en-US" sz="1200" b="1">
+                        <a:effectLst/>
+                      </a:endParaRPr>
+                    </a:p>
+                  </a:txBody>
+                  <a:tcPr marL="10006" marR="10006" marT="10006" marB="10006" anchor="ctr">
+                    <a:lnL w="9525" cap="flat" cmpd="sng" algn="ctr">
+                      <a:solidFill>
+                        <a:srgbClr val="CCCCCC"/>
+                      </a:solidFill>
+                      <a:prstDash val="solid"/>
+                      <a:round/>
+                      <a:headEnd type="none" w="med" len="med"/>
+                      <a:tailEnd type="none" w="med" len="med"/>
+                    </a:lnL>
+                    <a:lnR w="9525" cap="flat" cmpd="sng" algn="ctr">
+                      <a:solidFill>
+                        <a:srgbClr val="CCCCCC"/>
+                      </a:solidFill>
+                      <a:prstDash val="solid"/>
+                      <a:round/>
+                      <a:headEnd type="none" w="med" len="med"/>
+                      <a:tailEnd type="none" w="med" len="med"/>
+                    </a:lnR>
+                    <a:lnT w="9525" cap="flat" cmpd="sng" algn="ctr">
+                      <a:solidFill>
+                        <a:srgbClr val="CCCCCC"/>
+                      </a:solidFill>
+                      <a:prstDash val="solid"/>
+                      <a:round/>
+                      <a:headEnd type="none" w="med" len="med"/>
+                      <a:tailEnd type="none" w="med" len="med"/>
+                    </a:lnT>
+                    <a:lnB w="9525" cap="flat" cmpd="sng" algn="ctr">
+                      <a:solidFill>
+                        <a:srgbClr val="CCCCCC"/>
+                      </a:solidFill>
+                      <a:prstDash val="solid"/>
+                      <a:round/>
+                      <a:headEnd type="none" w="med" len="med"/>
+                      <a:tailEnd type="none" w="med" len="med"/>
+                    </a:lnB>
+                    <a:solidFill>
+                      <a:srgbClr val="FFFFFF"/>
+                    </a:solidFill>
+                  </a:tcPr>
+                </a:tc>
+                <a:tc>
+                  <a:txBody>
+                    <a:bodyPr/>
+                    <a:lstStyle/>
+                    <a:p>
+                      <a:pPr algn="l"/>
+                      <a:r>
+                        <a:rPr lang="en-US" sz="1200" b="1" u="none" strike="noStrike">
+                          <a:solidFill>
+                            <a:srgbClr val="0254D0"/>
+                          </a:solidFill>
+                          <a:effectLst/>
+                          <a:hlinkClick r:id="rId4"/>
+                        </a:rPr>
+                        <a:t>Method, %</a:t>
+                      </a:r>
+                      <a:endParaRPr lang="en-US" sz="1200" b="1">
+                        <a:effectLst/>
+                      </a:endParaRPr>
+                    </a:p>
+                  </a:txBody>
+                  <a:tcPr marL="10006" marR="10006" marT="10006" marB="10006" anchor="ctr">
+                    <a:lnL w="9525" cap="flat" cmpd="sng" algn="ctr">
+                      <a:solidFill>
+                        <a:srgbClr val="CCCCCC"/>
+                      </a:solidFill>
+                      <a:prstDash val="solid"/>
+                      <a:round/>
+                      <a:headEnd type="none" w="med" len="med"/>
+                      <a:tailEnd type="none" w="med" len="med"/>
+                    </a:lnL>
+                    <a:lnR w="9525" cap="flat" cmpd="sng" algn="ctr">
+                      <a:solidFill>
+                        <a:srgbClr val="CCCCCC"/>
+                      </a:solidFill>
+                      <a:prstDash val="solid"/>
+                      <a:round/>
+                      <a:headEnd type="none" w="med" len="med"/>
+                      <a:tailEnd type="none" w="med" len="med"/>
+                    </a:lnR>
+                    <a:lnT w="9525" cap="flat" cmpd="sng" algn="ctr">
+                      <a:solidFill>
+                        <a:srgbClr val="CCCCCC"/>
+                      </a:solidFill>
+                      <a:prstDash val="solid"/>
+                      <a:round/>
+                      <a:headEnd type="none" w="med" len="med"/>
+                      <a:tailEnd type="none" w="med" len="med"/>
+                    </a:lnT>
+                    <a:lnB w="9525" cap="flat" cmpd="sng" algn="ctr">
+                      <a:solidFill>
+                        <a:srgbClr val="CCCCCC"/>
+                      </a:solidFill>
+                      <a:prstDash val="solid"/>
+                      <a:round/>
+                      <a:headEnd type="none" w="med" len="med"/>
+                      <a:tailEnd type="none" w="med" len="med"/>
+                    </a:lnB>
+                    <a:solidFill>
+                      <a:srgbClr val="FFFFFF"/>
+                    </a:solidFill>
+                  </a:tcPr>
+                </a:tc>
+                <a:tc>
+                  <a:txBody>
+                    <a:bodyPr/>
+                    <a:lstStyle/>
+                    <a:p>
+                      <a:pPr algn="l"/>
+                      <a:r>
+                        <a:rPr lang="en-US" sz="1200" b="1" u="none" strike="noStrike">
+                          <a:solidFill>
+                            <a:srgbClr val="0254D0"/>
+                          </a:solidFill>
+                          <a:effectLst/>
+                          <a:hlinkClick r:id="rId5"/>
+                        </a:rPr>
+                        <a:t>Line, %</a:t>
+                      </a:r>
+                      <a:endParaRPr lang="en-US" sz="1200" b="1">
+                        <a:effectLst/>
+                      </a:endParaRPr>
+                    </a:p>
+                  </a:txBody>
+                  <a:tcPr marL="10006" marR="10006" marT="10006" marB="10006" anchor="ctr">
+                    <a:lnL w="9525" cap="flat" cmpd="sng" algn="ctr">
+                      <a:solidFill>
+                        <a:srgbClr val="CCCCCC"/>
+                      </a:solidFill>
+                      <a:prstDash val="solid"/>
+                      <a:round/>
+                      <a:headEnd type="none" w="med" len="med"/>
+                      <a:tailEnd type="none" w="med" len="med"/>
+                    </a:lnL>
+                    <a:lnR w="9525" cap="flat" cmpd="sng" algn="ctr">
+                      <a:solidFill>
+                        <a:srgbClr val="CCCCCC"/>
+                      </a:solidFill>
+                      <a:prstDash val="solid"/>
+                      <a:round/>
+                      <a:headEnd type="none" w="med" len="med"/>
+                      <a:tailEnd type="none" w="med" len="med"/>
+                    </a:lnR>
+                    <a:lnT w="9525" cap="flat" cmpd="sng" algn="ctr">
+                      <a:solidFill>
+                        <a:srgbClr val="CCCCCC"/>
+                      </a:solidFill>
+                      <a:prstDash val="solid"/>
+                      <a:round/>
+                      <a:headEnd type="none" w="med" len="med"/>
+                      <a:tailEnd type="none" w="med" len="med"/>
+                    </a:lnT>
+                    <a:lnB w="9525" cap="flat" cmpd="sng" algn="ctr">
+                      <a:solidFill>
+                        <a:srgbClr val="CCCCCC"/>
+                      </a:solidFill>
+                      <a:prstDash val="solid"/>
+                      <a:round/>
+                      <a:headEnd type="none" w="med" len="med"/>
+                      <a:tailEnd type="none" w="med" len="med"/>
+                    </a:lnB>
+                    <a:solidFill>
+                      <a:srgbClr val="FFFFFF"/>
+                    </a:solidFill>
+                  </a:tcPr>
+                </a:tc>
+                <a:extLst>
+                  <a:ext uri="{0D108BD9-81ED-4DB2-BD59-A6C34878D82A}">
+                    <a16:rowId xmlns:a16="http://schemas.microsoft.com/office/drawing/2014/main" val="3285720520"/>
+                  </a:ext>
+                </a:extLst>
+              </a:tr>
+              <a:tr h="202701">
+                <a:tc>
+                  <a:txBody>
+                    <a:bodyPr/>
+                    <a:lstStyle/>
+                    <a:p>
+                      <a:r>
+                        <a:rPr lang="en-US" sz="1200" u="none" strike="noStrike">
+                          <a:solidFill>
+                            <a:srgbClr val="0254D0"/>
+                          </a:solidFill>
+                          <a:effectLst/>
+                          <a:hlinkClick r:id="rId6"/>
+                        </a:rPr>
+                        <a:t>ClientController</a:t>
+                      </a:r>
+                      <a:endParaRPr lang="en-US" sz="1200">
+                        <a:effectLst/>
+                      </a:endParaRPr>
+                    </a:p>
+                  </a:txBody>
+                  <a:tcPr marL="10006" marR="10006" marT="10006" marB="10006" anchor="ctr">
+                    <a:lnL w="9525" cap="flat" cmpd="sng" algn="ctr">
+                      <a:solidFill>
+                        <a:srgbClr val="CCCCCC"/>
+                      </a:solidFill>
+                      <a:prstDash val="solid"/>
+                      <a:round/>
+                      <a:headEnd type="none" w="med" len="med"/>
+                      <a:tailEnd type="none" w="med" len="med"/>
+                    </a:lnL>
+                    <a:lnR w="9525" cap="flat" cmpd="sng" algn="ctr">
+                      <a:solidFill>
+                        <a:srgbClr val="CCCCCC"/>
+                      </a:solidFill>
+                      <a:prstDash val="solid"/>
+                      <a:round/>
+                      <a:headEnd type="none" w="med" len="med"/>
+                      <a:tailEnd type="none" w="med" len="med"/>
+                    </a:lnR>
+                    <a:lnT w="9525" cap="flat" cmpd="sng" algn="ctr">
+                      <a:solidFill>
+                        <a:srgbClr val="CCCCCC"/>
+                      </a:solidFill>
+                      <a:prstDash val="solid"/>
+                      <a:round/>
+                      <a:headEnd type="none" w="med" len="med"/>
+                      <a:tailEnd type="none" w="med" len="med"/>
+                    </a:lnT>
+                    <a:lnB w="9525" cap="flat" cmpd="sng" algn="ctr">
+                      <a:solidFill>
+                        <a:srgbClr val="CCCCCC"/>
+                      </a:solidFill>
+                      <a:prstDash val="solid"/>
+                      <a:round/>
+                      <a:headEnd type="none" w="med" len="med"/>
+                      <a:tailEnd type="none" w="med" len="med"/>
+                    </a:lnB>
+                    <a:solidFill>
+                      <a:srgbClr val="FFFFFF"/>
+                    </a:solidFill>
+                  </a:tcPr>
+                </a:tc>
+                <a:tc>
+                  <a:txBody>
+                    <a:bodyPr/>
+                    <a:lstStyle/>
+                    <a:p>
+                      <a:r>
+                        <a:rPr lang="en-US" sz="1200">
+                          <a:effectLst/>
+                        </a:rPr>
+                        <a:t>100% (1/ 1)</a:t>
+                      </a:r>
+                    </a:p>
+                  </a:txBody>
+                  <a:tcPr marL="10006" marR="10006" marT="10006" marB="10006" anchor="ctr">
+                    <a:lnL w="9525" cap="flat" cmpd="sng" algn="ctr">
+                      <a:solidFill>
+                        <a:srgbClr val="CCCCCC"/>
+                      </a:solidFill>
+                      <a:prstDash val="solid"/>
+                      <a:round/>
+                      <a:headEnd type="none" w="med" len="med"/>
+                      <a:tailEnd type="none" w="med" len="med"/>
+                    </a:lnL>
+                    <a:lnR w="9525" cap="flat" cmpd="sng" algn="ctr">
+                      <a:solidFill>
+                        <a:srgbClr val="CCCCCC"/>
+                      </a:solidFill>
+                      <a:prstDash val="solid"/>
+                      <a:round/>
+                      <a:headEnd type="none" w="med" len="med"/>
+                      <a:tailEnd type="none" w="med" len="med"/>
+                    </a:lnR>
+                    <a:lnT w="9525" cap="flat" cmpd="sng" algn="ctr">
+                      <a:solidFill>
+                        <a:srgbClr val="CCCCCC"/>
+                      </a:solidFill>
+                      <a:prstDash val="solid"/>
+                      <a:round/>
+                      <a:headEnd type="none" w="med" len="med"/>
+                      <a:tailEnd type="none" w="med" len="med"/>
+                    </a:lnT>
+                    <a:lnB w="9525" cap="flat" cmpd="sng" algn="ctr">
+                      <a:solidFill>
+                        <a:srgbClr val="CCCCCC"/>
+                      </a:solidFill>
+                      <a:prstDash val="solid"/>
+                      <a:round/>
+                      <a:headEnd type="none" w="med" len="med"/>
+                      <a:tailEnd type="none" w="med" len="med"/>
+                    </a:lnB>
+                    <a:solidFill>
+                      <a:srgbClr val="FFFFFF"/>
+                    </a:solidFill>
+                  </a:tcPr>
+                </a:tc>
+                <a:tc>
+                  <a:txBody>
+                    <a:bodyPr/>
+                    <a:lstStyle/>
+                    <a:p>
+                      <a:r>
+                        <a:rPr lang="en-US" sz="1200">
+                          <a:effectLst/>
+                        </a:rPr>
+                        <a:t>100% (2/ 2)</a:t>
+                      </a:r>
+                    </a:p>
+                  </a:txBody>
+                  <a:tcPr marL="10006" marR="10006" marT="10006" marB="10006" anchor="ctr">
+                    <a:lnL w="9525" cap="flat" cmpd="sng" algn="ctr">
+                      <a:solidFill>
+                        <a:srgbClr val="CCCCCC"/>
+                      </a:solidFill>
+                      <a:prstDash val="solid"/>
+                      <a:round/>
+                      <a:headEnd type="none" w="med" len="med"/>
+                      <a:tailEnd type="none" w="med" len="med"/>
+                    </a:lnL>
+                    <a:lnR w="9525" cap="flat" cmpd="sng" algn="ctr">
+                      <a:solidFill>
+                        <a:srgbClr val="CCCCCC"/>
+                      </a:solidFill>
+                      <a:prstDash val="solid"/>
+                      <a:round/>
+                      <a:headEnd type="none" w="med" len="med"/>
+                      <a:tailEnd type="none" w="med" len="med"/>
+                    </a:lnR>
+                    <a:lnT w="9525" cap="flat" cmpd="sng" algn="ctr">
+                      <a:solidFill>
+                        <a:srgbClr val="CCCCCC"/>
+                      </a:solidFill>
+                      <a:prstDash val="solid"/>
+                      <a:round/>
+                      <a:headEnd type="none" w="med" len="med"/>
+                      <a:tailEnd type="none" w="med" len="med"/>
+                    </a:lnT>
+                    <a:lnB w="9525" cap="flat" cmpd="sng" algn="ctr">
+                      <a:solidFill>
+                        <a:srgbClr val="CCCCCC"/>
+                      </a:solidFill>
+                      <a:prstDash val="solid"/>
+                      <a:round/>
+                      <a:headEnd type="none" w="med" len="med"/>
+                      <a:tailEnd type="none" w="med" len="med"/>
+                    </a:lnB>
+                    <a:solidFill>
+                      <a:srgbClr val="FFFFFF"/>
+                    </a:solidFill>
+                  </a:tcPr>
+                </a:tc>
+                <a:tc>
+                  <a:txBody>
+                    <a:bodyPr/>
+                    <a:lstStyle/>
+                    <a:p>
+                      <a:r>
+                        <a:rPr lang="en-US" sz="1200">
+                          <a:effectLst/>
+                        </a:rPr>
+                        <a:t>100% (9/ 9)</a:t>
+                      </a:r>
+                    </a:p>
+                  </a:txBody>
+                  <a:tcPr marL="10006" marR="10006" marT="10006" marB="10006" anchor="ctr">
+                    <a:lnL w="9525" cap="flat" cmpd="sng" algn="ctr">
+                      <a:solidFill>
+                        <a:srgbClr val="CCCCCC"/>
+                      </a:solidFill>
+                      <a:prstDash val="solid"/>
+                      <a:round/>
+                      <a:headEnd type="none" w="med" len="med"/>
+                      <a:tailEnd type="none" w="med" len="med"/>
+                    </a:lnL>
+                    <a:lnR w="9525" cap="flat" cmpd="sng" algn="ctr">
+                      <a:solidFill>
+                        <a:srgbClr val="CCCCCC"/>
+                      </a:solidFill>
+                      <a:prstDash val="solid"/>
+                      <a:round/>
+                      <a:headEnd type="none" w="med" len="med"/>
+                      <a:tailEnd type="none" w="med" len="med"/>
+                    </a:lnR>
+                    <a:lnT w="9525" cap="flat" cmpd="sng" algn="ctr">
+                      <a:solidFill>
+                        <a:srgbClr val="CCCCCC"/>
+                      </a:solidFill>
+                      <a:prstDash val="solid"/>
+                      <a:round/>
+                      <a:headEnd type="none" w="med" len="med"/>
+                      <a:tailEnd type="none" w="med" len="med"/>
+                    </a:lnT>
+                    <a:lnB w="9525" cap="flat" cmpd="sng" algn="ctr">
+                      <a:solidFill>
+                        <a:srgbClr val="CCCCCC"/>
+                      </a:solidFill>
+                      <a:prstDash val="solid"/>
+                      <a:round/>
+                      <a:headEnd type="none" w="med" len="med"/>
+                      <a:tailEnd type="none" w="med" len="med"/>
+                    </a:lnB>
+                    <a:solidFill>
+                      <a:srgbClr val="FFFFFF"/>
+                    </a:solidFill>
+                  </a:tcPr>
+                </a:tc>
+                <a:extLst>
+                  <a:ext uri="{0D108BD9-81ED-4DB2-BD59-A6C34878D82A}">
+                    <a16:rowId xmlns:a16="http://schemas.microsoft.com/office/drawing/2014/main" val="60698479"/>
+                  </a:ext>
+                </a:extLst>
+              </a:tr>
+              <a:tr h="334272">
+                <a:tc>
+                  <a:txBody>
+                    <a:bodyPr/>
+                    <a:lstStyle/>
+                    <a:p>
+                      <a:r>
+                        <a:rPr lang="en-US" sz="1200" u="none" strike="noStrike">
+                          <a:solidFill>
+                            <a:srgbClr val="0254D0"/>
+                          </a:solidFill>
+                          <a:effectLst/>
+                          <a:hlinkClick r:id="rId7"/>
+                        </a:rPr>
+                        <a:t>DefectController</a:t>
+                      </a:r>
+                      <a:endParaRPr lang="en-US" sz="1200">
+                        <a:effectLst/>
+                      </a:endParaRPr>
+                    </a:p>
+                  </a:txBody>
+                  <a:tcPr marL="10006" marR="10006" marT="10006" marB="10006" anchor="ctr">
+                    <a:lnL w="9525" cap="flat" cmpd="sng" algn="ctr">
+                      <a:solidFill>
+                        <a:srgbClr val="CCCCCC"/>
+                      </a:solidFill>
+                      <a:prstDash val="solid"/>
+                      <a:round/>
+                      <a:headEnd type="none" w="med" len="med"/>
+                      <a:tailEnd type="none" w="med" len="med"/>
+                    </a:lnL>
+                    <a:lnR w="9525" cap="flat" cmpd="sng" algn="ctr">
+                      <a:solidFill>
+                        <a:srgbClr val="CCCCCC"/>
+                      </a:solidFill>
+                      <a:prstDash val="solid"/>
+                      <a:round/>
+                      <a:headEnd type="none" w="med" len="med"/>
+                      <a:tailEnd type="none" w="med" len="med"/>
+                    </a:lnR>
+                    <a:lnT w="9525" cap="flat" cmpd="sng" algn="ctr">
+                      <a:solidFill>
+                        <a:srgbClr val="CCCCCC"/>
+                      </a:solidFill>
+                      <a:prstDash val="solid"/>
+                      <a:round/>
+                      <a:headEnd type="none" w="med" len="med"/>
+                      <a:tailEnd type="none" w="med" len="med"/>
+                    </a:lnT>
+                    <a:lnB w="9525" cap="flat" cmpd="sng" algn="ctr">
+                      <a:solidFill>
+                        <a:srgbClr val="CCCCCC"/>
+                      </a:solidFill>
+                      <a:prstDash val="solid"/>
+                      <a:round/>
+                      <a:headEnd type="none" w="med" len="med"/>
+                      <a:tailEnd type="none" w="med" len="med"/>
+                    </a:lnB>
+                    <a:solidFill>
+                      <a:srgbClr val="FFFFFF"/>
+                    </a:solidFill>
+                  </a:tcPr>
+                </a:tc>
+                <a:tc>
+                  <a:txBody>
+                    <a:bodyPr/>
+                    <a:lstStyle/>
+                    <a:p>
+                      <a:r>
+                        <a:rPr lang="en-US" sz="1200">
+                          <a:effectLst/>
+                        </a:rPr>
+                        <a:t>100% (1/ 1)</a:t>
+                      </a:r>
+                    </a:p>
+                  </a:txBody>
+                  <a:tcPr marL="10006" marR="10006" marT="10006" marB="10006" anchor="ctr">
+                    <a:lnL w="9525" cap="flat" cmpd="sng" algn="ctr">
+                      <a:solidFill>
+                        <a:srgbClr val="CCCCCC"/>
+                      </a:solidFill>
+                      <a:prstDash val="solid"/>
+                      <a:round/>
+                      <a:headEnd type="none" w="med" len="med"/>
+                      <a:tailEnd type="none" w="med" len="med"/>
+                    </a:lnL>
+                    <a:lnR w="9525" cap="flat" cmpd="sng" algn="ctr">
+                      <a:solidFill>
+                        <a:srgbClr val="CCCCCC"/>
+                      </a:solidFill>
+                      <a:prstDash val="solid"/>
+                      <a:round/>
+                      <a:headEnd type="none" w="med" len="med"/>
+                      <a:tailEnd type="none" w="med" len="med"/>
+                    </a:lnR>
+                    <a:lnT w="9525" cap="flat" cmpd="sng" algn="ctr">
+                      <a:solidFill>
+                        <a:srgbClr val="CCCCCC"/>
+                      </a:solidFill>
+                      <a:prstDash val="solid"/>
+                      <a:round/>
+                      <a:headEnd type="none" w="med" len="med"/>
+                      <a:tailEnd type="none" w="med" len="med"/>
+                    </a:lnT>
+                    <a:lnB w="9525" cap="flat" cmpd="sng" algn="ctr">
+                      <a:solidFill>
+                        <a:srgbClr val="CCCCCC"/>
+                      </a:solidFill>
+                      <a:prstDash val="solid"/>
+                      <a:round/>
+                      <a:headEnd type="none" w="med" len="med"/>
+                      <a:tailEnd type="none" w="med" len="med"/>
+                    </a:lnB>
+                    <a:solidFill>
+                      <a:srgbClr val="FFFFFF"/>
+                    </a:solidFill>
+                  </a:tcPr>
+                </a:tc>
+                <a:tc>
+                  <a:txBody>
+                    <a:bodyPr/>
+                    <a:lstStyle/>
+                    <a:p>
+                      <a:r>
+                        <a:rPr lang="en-US" sz="1200">
+                          <a:effectLst/>
+                        </a:rPr>
+                        <a:t>100% (6/ 6)</a:t>
+                      </a:r>
+                    </a:p>
+                  </a:txBody>
+                  <a:tcPr marL="10006" marR="10006" marT="10006" marB="10006" anchor="ctr">
+                    <a:lnL w="9525" cap="flat" cmpd="sng" algn="ctr">
+                      <a:solidFill>
+                        <a:srgbClr val="CCCCCC"/>
+                      </a:solidFill>
+                      <a:prstDash val="solid"/>
+                      <a:round/>
+                      <a:headEnd type="none" w="med" len="med"/>
+                      <a:tailEnd type="none" w="med" len="med"/>
+                    </a:lnL>
+                    <a:lnR w="9525" cap="flat" cmpd="sng" algn="ctr">
+                      <a:solidFill>
+                        <a:srgbClr val="CCCCCC"/>
+                      </a:solidFill>
+                      <a:prstDash val="solid"/>
+                      <a:round/>
+                      <a:headEnd type="none" w="med" len="med"/>
+                      <a:tailEnd type="none" w="med" len="med"/>
+                    </a:lnR>
+                    <a:lnT w="9525" cap="flat" cmpd="sng" algn="ctr">
+                      <a:solidFill>
+                        <a:srgbClr val="CCCCCC"/>
+                      </a:solidFill>
+                      <a:prstDash val="solid"/>
+                      <a:round/>
+                      <a:headEnd type="none" w="med" len="med"/>
+                      <a:tailEnd type="none" w="med" len="med"/>
+                    </a:lnT>
+                    <a:lnB w="9525" cap="flat" cmpd="sng" algn="ctr">
+                      <a:solidFill>
+                        <a:srgbClr val="CCCCCC"/>
+                      </a:solidFill>
+                      <a:prstDash val="solid"/>
+                      <a:round/>
+                      <a:headEnd type="none" w="med" len="med"/>
+                      <a:tailEnd type="none" w="med" len="med"/>
+                    </a:lnB>
+                    <a:solidFill>
+                      <a:srgbClr val="FFFFFF"/>
+                    </a:solidFill>
+                  </a:tcPr>
+                </a:tc>
+                <a:tc>
+                  <a:txBody>
+                    <a:bodyPr/>
+                    <a:lstStyle/>
+                    <a:p>
+                      <a:r>
+                        <a:rPr lang="en-US" sz="1200">
+                          <a:effectLst/>
+                        </a:rPr>
+                        <a:t>100% (74/ 74)</a:t>
+                      </a:r>
+                    </a:p>
+                  </a:txBody>
+                  <a:tcPr marL="10006" marR="10006" marT="10006" marB="10006" anchor="ctr">
+                    <a:lnL w="9525" cap="flat" cmpd="sng" algn="ctr">
+                      <a:solidFill>
+                        <a:srgbClr val="CCCCCC"/>
+                      </a:solidFill>
+                      <a:prstDash val="solid"/>
+                      <a:round/>
+                      <a:headEnd type="none" w="med" len="med"/>
+                      <a:tailEnd type="none" w="med" len="med"/>
+                    </a:lnL>
+                    <a:lnR w="9525" cap="flat" cmpd="sng" algn="ctr">
+                      <a:solidFill>
+                        <a:srgbClr val="CCCCCC"/>
+                      </a:solidFill>
+                      <a:prstDash val="solid"/>
+                      <a:round/>
+                      <a:headEnd type="none" w="med" len="med"/>
+                      <a:tailEnd type="none" w="med" len="med"/>
+                    </a:lnR>
+                    <a:lnT w="9525" cap="flat" cmpd="sng" algn="ctr">
+                      <a:solidFill>
+                        <a:srgbClr val="CCCCCC"/>
+                      </a:solidFill>
+                      <a:prstDash val="solid"/>
+                      <a:round/>
+                      <a:headEnd type="none" w="med" len="med"/>
+                      <a:tailEnd type="none" w="med" len="med"/>
+                    </a:lnT>
+                    <a:lnB w="9525" cap="flat" cmpd="sng" algn="ctr">
+                      <a:solidFill>
+                        <a:srgbClr val="CCCCCC"/>
+                      </a:solidFill>
+                      <a:prstDash val="solid"/>
+                      <a:round/>
+                      <a:headEnd type="none" w="med" len="med"/>
+                      <a:tailEnd type="none" w="med" len="med"/>
+                    </a:lnB>
+                    <a:solidFill>
+                      <a:srgbClr val="FFFFFF"/>
+                    </a:solidFill>
+                  </a:tcPr>
+                </a:tc>
+                <a:extLst>
+                  <a:ext uri="{0D108BD9-81ED-4DB2-BD59-A6C34878D82A}">
+                    <a16:rowId xmlns:a16="http://schemas.microsoft.com/office/drawing/2014/main" val="546994022"/>
+                  </a:ext>
+                </a:extLst>
+              </a:tr>
+              <a:tr h="334272">
+                <a:tc>
+                  <a:txBody>
+                    <a:bodyPr/>
+                    <a:lstStyle/>
+                    <a:p>
+                      <a:r>
+                        <a:rPr lang="en-US" sz="1200" u="none" strike="noStrike">
+                          <a:solidFill>
+                            <a:srgbClr val="0254D0"/>
+                          </a:solidFill>
+                          <a:effectLst/>
+                          <a:hlinkClick r:id="rId8"/>
+                        </a:rPr>
+                        <a:t>EmployeeController</a:t>
+                      </a:r>
+                      <a:endParaRPr lang="en-US" sz="1200">
+                        <a:effectLst/>
+                      </a:endParaRPr>
+                    </a:p>
+                  </a:txBody>
+                  <a:tcPr marL="10006" marR="10006" marT="10006" marB="10006" anchor="ctr">
+                    <a:lnL w="9525" cap="flat" cmpd="sng" algn="ctr">
+                      <a:solidFill>
+                        <a:srgbClr val="CCCCCC"/>
+                      </a:solidFill>
+                      <a:prstDash val="solid"/>
+                      <a:round/>
+                      <a:headEnd type="none" w="med" len="med"/>
+                      <a:tailEnd type="none" w="med" len="med"/>
+                    </a:lnL>
+                    <a:lnR w="9525" cap="flat" cmpd="sng" algn="ctr">
+                      <a:solidFill>
+                        <a:srgbClr val="CCCCCC"/>
+                      </a:solidFill>
+                      <a:prstDash val="solid"/>
+                      <a:round/>
+                      <a:headEnd type="none" w="med" len="med"/>
+                      <a:tailEnd type="none" w="med" len="med"/>
+                    </a:lnR>
+                    <a:lnT w="9525" cap="flat" cmpd="sng" algn="ctr">
+                      <a:solidFill>
+                        <a:srgbClr val="CCCCCC"/>
+                      </a:solidFill>
+                      <a:prstDash val="solid"/>
+                      <a:round/>
+                      <a:headEnd type="none" w="med" len="med"/>
+                      <a:tailEnd type="none" w="med" len="med"/>
+                    </a:lnT>
+                    <a:lnB w="9525" cap="flat" cmpd="sng" algn="ctr">
+                      <a:solidFill>
+                        <a:srgbClr val="CCCCCC"/>
+                      </a:solidFill>
+                      <a:prstDash val="solid"/>
+                      <a:round/>
+                      <a:headEnd type="none" w="med" len="med"/>
+                      <a:tailEnd type="none" w="med" len="med"/>
+                    </a:lnB>
+                    <a:solidFill>
+                      <a:srgbClr val="FFFFFF"/>
+                    </a:solidFill>
+                  </a:tcPr>
+                </a:tc>
+                <a:tc>
+                  <a:txBody>
+                    <a:bodyPr/>
+                    <a:lstStyle/>
+                    <a:p>
+                      <a:r>
+                        <a:rPr lang="en-US" sz="1200">
+                          <a:effectLst/>
+                        </a:rPr>
+                        <a:t>100% (1/ 1)</a:t>
+                      </a:r>
+                    </a:p>
+                  </a:txBody>
+                  <a:tcPr marL="10006" marR="10006" marT="10006" marB="10006" anchor="ctr">
+                    <a:lnL w="9525" cap="flat" cmpd="sng" algn="ctr">
+                      <a:solidFill>
+                        <a:srgbClr val="CCCCCC"/>
+                      </a:solidFill>
+                      <a:prstDash val="solid"/>
+                      <a:round/>
+                      <a:headEnd type="none" w="med" len="med"/>
+                      <a:tailEnd type="none" w="med" len="med"/>
+                    </a:lnL>
+                    <a:lnR w="9525" cap="flat" cmpd="sng" algn="ctr">
+                      <a:solidFill>
+                        <a:srgbClr val="CCCCCC"/>
+                      </a:solidFill>
+                      <a:prstDash val="solid"/>
+                      <a:round/>
+                      <a:headEnd type="none" w="med" len="med"/>
+                      <a:tailEnd type="none" w="med" len="med"/>
+                    </a:lnR>
+                    <a:lnT w="9525" cap="flat" cmpd="sng" algn="ctr">
+                      <a:solidFill>
+                        <a:srgbClr val="CCCCCC"/>
+                      </a:solidFill>
+                      <a:prstDash val="solid"/>
+                      <a:round/>
+                      <a:headEnd type="none" w="med" len="med"/>
+                      <a:tailEnd type="none" w="med" len="med"/>
+                    </a:lnT>
+                    <a:lnB w="9525" cap="flat" cmpd="sng" algn="ctr">
+                      <a:solidFill>
+                        <a:srgbClr val="CCCCCC"/>
+                      </a:solidFill>
+                      <a:prstDash val="solid"/>
+                      <a:round/>
+                      <a:headEnd type="none" w="med" len="med"/>
+                      <a:tailEnd type="none" w="med" len="med"/>
+                    </a:lnB>
+                    <a:solidFill>
+                      <a:srgbClr val="FFFFFF"/>
+                    </a:solidFill>
+                  </a:tcPr>
+                </a:tc>
+                <a:tc>
+                  <a:txBody>
+                    <a:bodyPr/>
+                    <a:lstStyle/>
+                    <a:p>
+                      <a:r>
+                        <a:rPr lang="en-US" sz="1200">
+                          <a:effectLst/>
+                        </a:rPr>
+                        <a:t>100% (6/ 6)</a:t>
+                      </a:r>
+                    </a:p>
+                  </a:txBody>
+                  <a:tcPr marL="10006" marR="10006" marT="10006" marB="10006" anchor="ctr">
+                    <a:lnL w="9525" cap="flat" cmpd="sng" algn="ctr">
+                      <a:solidFill>
+                        <a:srgbClr val="CCCCCC"/>
+                      </a:solidFill>
+                      <a:prstDash val="solid"/>
+                      <a:round/>
+                      <a:headEnd type="none" w="med" len="med"/>
+                      <a:tailEnd type="none" w="med" len="med"/>
+                    </a:lnL>
+                    <a:lnR w="9525" cap="flat" cmpd="sng" algn="ctr">
+                      <a:solidFill>
+                        <a:srgbClr val="CCCCCC"/>
+                      </a:solidFill>
+                      <a:prstDash val="solid"/>
+                      <a:round/>
+                      <a:headEnd type="none" w="med" len="med"/>
+                      <a:tailEnd type="none" w="med" len="med"/>
+                    </a:lnR>
+                    <a:lnT w="9525" cap="flat" cmpd="sng" algn="ctr">
+                      <a:solidFill>
+                        <a:srgbClr val="CCCCCC"/>
+                      </a:solidFill>
+                      <a:prstDash val="solid"/>
+                      <a:round/>
+                      <a:headEnd type="none" w="med" len="med"/>
+                      <a:tailEnd type="none" w="med" len="med"/>
+                    </a:lnT>
+                    <a:lnB w="9525" cap="flat" cmpd="sng" algn="ctr">
+                      <a:solidFill>
+                        <a:srgbClr val="CCCCCC"/>
+                      </a:solidFill>
+                      <a:prstDash val="solid"/>
+                      <a:round/>
+                      <a:headEnd type="none" w="med" len="med"/>
+                      <a:tailEnd type="none" w="med" len="med"/>
+                    </a:lnB>
+                    <a:solidFill>
+                      <a:srgbClr val="FFFFFF"/>
+                    </a:solidFill>
+                  </a:tcPr>
+                </a:tc>
+                <a:tc>
+                  <a:txBody>
+                    <a:bodyPr/>
+                    <a:lstStyle/>
+                    <a:p>
+                      <a:r>
+                        <a:rPr lang="en-US" sz="1200">
+                          <a:effectLst/>
+                        </a:rPr>
+                        <a:t>100% (56/ 56)</a:t>
+                      </a:r>
+                    </a:p>
+                  </a:txBody>
+                  <a:tcPr marL="10006" marR="10006" marT="10006" marB="10006" anchor="ctr">
+                    <a:lnL w="9525" cap="flat" cmpd="sng" algn="ctr">
+                      <a:solidFill>
+                        <a:srgbClr val="CCCCCC"/>
+                      </a:solidFill>
+                      <a:prstDash val="solid"/>
+                      <a:round/>
+                      <a:headEnd type="none" w="med" len="med"/>
+                      <a:tailEnd type="none" w="med" len="med"/>
+                    </a:lnL>
+                    <a:lnR w="9525" cap="flat" cmpd="sng" algn="ctr">
+                      <a:solidFill>
+                        <a:srgbClr val="CCCCCC"/>
+                      </a:solidFill>
+                      <a:prstDash val="solid"/>
+                      <a:round/>
+                      <a:headEnd type="none" w="med" len="med"/>
+                      <a:tailEnd type="none" w="med" len="med"/>
+                    </a:lnR>
+                    <a:lnT w="9525" cap="flat" cmpd="sng" algn="ctr">
+                      <a:solidFill>
+                        <a:srgbClr val="CCCCCC"/>
+                      </a:solidFill>
+                      <a:prstDash val="solid"/>
+                      <a:round/>
+                      <a:headEnd type="none" w="med" len="med"/>
+                      <a:tailEnd type="none" w="med" len="med"/>
+                    </a:lnT>
+                    <a:lnB w="9525" cap="flat" cmpd="sng" algn="ctr">
+                      <a:solidFill>
+                        <a:srgbClr val="CCCCCC"/>
+                      </a:solidFill>
+                      <a:prstDash val="solid"/>
+                      <a:round/>
+                      <a:headEnd type="none" w="med" len="med"/>
+                      <a:tailEnd type="none" w="med" len="med"/>
+                    </a:lnB>
+                    <a:solidFill>
+                      <a:srgbClr val="FFFFFF"/>
+                    </a:solidFill>
+                  </a:tcPr>
+                </a:tc>
+                <a:extLst>
+                  <a:ext uri="{0D108BD9-81ED-4DB2-BD59-A6C34878D82A}">
+                    <a16:rowId xmlns:a16="http://schemas.microsoft.com/office/drawing/2014/main" val="1468468403"/>
+                  </a:ext>
+                </a:extLst>
+              </a:tr>
+              <a:tr h="334272">
+                <a:tc>
+                  <a:txBody>
+                    <a:bodyPr/>
+                    <a:lstStyle/>
+                    <a:p>
+                      <a:r>
+                        <a:rPr lang="en-US" sz="1200" u="none" strike="noStrike">
+                          <a:solidFill>
+                            <a:srgbClr val="0254D0"/>
+                          </a:solidFill>
+                          <a:effectLst/>
+                          <a:hlinkClick r:id="rId9"/>
+                        </a:rPr>
+                        <a:t>ManhourController</a:t>
+                      </a:r>
+                      <a:endParaRPr lang="en-US" sz="1200">
+                        <a:effectLst/>
+                      </a:endParaRPr>
+                    </a:p>
+                  </a:txBody>
+                  <a:tcPr marL="10006" marR="10006" marT="10006" marB="10006" anchor="ctr">
+                    <a:lnL w="9525" cap="flat" cmpd="sng" algn="ctr">
+                      <a:solidFill>
+                        <a:srgbClr val="CCCCCC"/>
+                      </a:solidFill>
+                      <a:prstDash val="solid"/>
+                      <a:round/>
+                      <a:headEnd type="none" w="med" len="med"/>
+                      <a:tailEnd type="none" w="med" len="med"/>
+                    </a:lnL>
+                    <a:lnR w="9525" cap="flat" cmpd="sng" algn="ctr">
+                      <a:solidFill>
+                        <a:srgbClr val="CCCCCC"/>
+                      </a:solidFill>
+                      <a:prstDash val="solid"/>
+                      <a:round/>
+                      <a:headEnd type="none" w="med" len="med"/>
+                      <a:tailEnd type="none" w="med" len="med"/>
+                    </a:lnR>
+                    <a:lnT w="9525" cap="flat" cmpd="sng" algn="ctr">
+                      <a:solidFill>
+                        <a:srgbClr val="CCCCCC"/>
+                      </a:solidFill>
+                      <a:prstDash val="solid"/>
+                      <a:round/>
+                      <a:headEnd type="none" w="med" len="med"/>
+                      <a:tailEnd type="none" w="med" len="med"/>
+                    </a:lnT>
+                    <a:lnB w="9525" cap="flat" cmpd="sng" algn="ctr">
+                      <a:solidFill>
+                        <a:srgbClr val="CCCCCC"/>
+                      </a:solidFill>
+                      <a:prstDash val="solid"/>
+                      <a:round/>
+                      <a:headEnd type="none" w="med" len="med"/>
+                      <a:tailEnd type="none" w="med" len="med"/>
+                    </a:lnB>
+                    <a:solidFill>
+                      <a:srgbClr val="FFFFFF"/>
+                    </a:solidFill>
+                  </a:tcPr>
+                </a:tc>
+                <a:tc>
+                  <a:txBody>
+                    <a:bodyPr/>
+                    <a:lstStyle/>
+                    <a:p>
+                      <a:r>
+                        <a:rPr lang="en-US" sz="1200">
+                          <a:effectLst/>
+                        </a:rPr>
+                        <a:t>100% (1/ 1)</a:t>
+                      </a:r>
+                    </a:p>
+                  </a:txBody>
+                  <a:tcPr marL="10006" marR="10006" marT="10006" marB="10006" anchor="ctr">
+                    <a:lnL w="9525" cap="flat" cmpd="sng" algn="ctr">
+                      <a:solidFill>
+                        <a:srgbClr val="CCCCCC"/>
+                      </a:solidFill>
+                      <a:prstDash val="solid"/>
+                      <a:round/>
+                      <a:headEnd type="none" w="med" len="med"/>
+                      <a:tailEnd type="none" w="med" len="med"/>
+                    </a:lnL>
+                    <a:lnR w="9525" cap="flat" cmpd="sng" algn="ctr">
+                      <a:solidFill>
+                        <a:srgbClr val="CCCCCC"/>
+                      </a:solidFill>
+                      <a:prstDash val="solid"/>
+                      <a:round/>
+                      <a:headEnd type="none" w="med" len="med"/>
+                      <a:tailEnd type="none" w="med" len="med"/>
+                    </a:lnR>
+                    <a:lnT w="9525" cap="flat" cmpd="sng" algn="ctr">
+                      <a:solidFill>
+                        <a:srgbClr val="CCCCCC"/>
+                      </a:solidFill>
+                      <a:prstDash val="solid"/>
+                      <a:round/>
+                      <a:headEnd type="none" w="med" len="med"/>
+                      <a:tailEnd type="none" w="med" len="med"/>
+                    </a:lnT>
+                    <a:lnB w="9525" cap="flat" cmpd="sng" algn="ctr">
+                      <a:solidFill>
+                        <a:srgbClr val="CCCCCC"/>
+                      </a:solidFill>
+                      <a:prstDash val="solid"/>
+                      <a:round/>
+                      <a:headEnd type="none" w="med" len="med"/>
+                      <a:tailEnd type="none" w="med" len="med"/>
+                    </a:lnB>
+                    <a:solidFill>
+                      <a:srgbClr val="FFFFFF"/>
+                    </a:solidFill>
+                  </a:tcPr>
+                </a:tc>
+                <a:tc>
+                  <a:txBody>
+                    <a:bodyPr/>
+                    <a:lstStyle/>
+                    <a:p>
+                      <a:r>
+                        <a:rPr lang="en-US" sz="1200">
+                          <a:effectLst/>
+                        </a:rPr>
+                        <a:t>100% (7/ 7)</a:t>
+                      </a:r>
+                    </a:p>
+                  </a:txBody>
+                  <a:tcPr marL="10006" marR="10006" marT="10006" marB="10006" anchor="ctr">
+                    <a:lnL w="9525" cap="flat" cmpd="sng" algn="ctr">
+                      <a:solidFill>
+                        <a:srgbClr val="CCCCCC"/>
+                      </a:solidFill>
+                      <a:prstDash val="solid"/>
+                      <a:round/>
+                      <a:headEnd type="none" w="med" len="med"/>
+                      <a:tailEnd type="none" w="med" len="med"/>
+                    </a:lnL>
+                    <a:lnR w="9525" cap="flat" cmpd="sng" algn="ctr">
+                      <a:solidFill>
+                        <a:srgbClr val="CCCCCC"/>
+                      </a:solidFill>
+                      <a:prstDash val="solid"/>
+                      <a:round/>
+                      <a:headEnd type="none" w="med" len="med"/>
+                      <a:tailEnd type="none" w="med" len="med"/>
+                    </a:lnR>
+                    <a:lnT w="9525" cap="flat" cmpd="sng" algn="ctr">
+                      <a:solidFill>
+                        <a:srgbClr val="CCCCCC"/>
+                      </a:solidFill>
+                      <a:prstDash val="solid"/>
+                      <a:round/>
+                      <a:headEnd type="none" w="med" len="med"/>
+                      <a:tailEnd type="none" w="med" len="med"/>
+                    </a:lnT>
+                    <a:lnB w="9525" cap="flat" cmpd="sng" algn="ctr">
+                      <a:solidFill>
+                        <a:srgbClr val="CCCCCC"/>
+                      </a:solidFill>
+                      <a:prstDash val="solid"/>
+                      <a:round/>
+                      <a:headEnd type="none" w="med" len="med"/>
+                      <a:tailEnd type="none" w="med" len="med"/>
+                    </a:lnB>
+                    <a:solidFill>
+                      <a:srgbClr val="FFFFFF"/>
+                    </a:solidFill>
+                  </a:tcPr>
+                </a:tc>
+                <a:tc>
+                  <a:txBody>
+                    <a:bodyPr/>
+                    <a:lstStyle/>
+                    <a:p>
+                      <a:r>
+                        <a:rPr lang="en-US" sz="1200">
+                          <a:effectLst/>
+                        </a:rPr>
+                        <a:t>100% (65/ 65)</a:t>
+                      </a:r>
+                    </a:p>
+                  </a:txBody>
+                  <a:tcPr marL="10006" marR="10006" marT="10006" marB="10006" anchor="ctr">
+                    <a:lnL w="9525" cap="flat" cmpd="sng" algn="ctr">
+                      <a:solidFill>
+                        <a:srgbClr val="CCCCCC"/>
+                      </a:solidFill>
+                      <a:prstDash val="solid"/>
+                      <a:round/>
+                      <a:headEnd type="none" w="med" len="med"/>
+                      <a:tailEnd type="none" w="med" len="med"/>
+                    </a:lnL>
+                    <a:lnR w="9525" cap="flat" cmpd="sng" algn="ctr">
+                      <a:solidFill>
+                        <a:srgbClr val="CCCCCC"/>
+                      </a:solidFill>
+                      <a:prstDash val="solid"/>
+                      <a:round/>
+                      <a:headEnd type="none" w="med" len="med"/>
+                      <a:tailEnd type="none" w="med" len="med"/>
+                    </a:lnR>
+                    <a:lnT w="9525" cap="flat" cmpd="sng" algn="ctr">
+                      <a:solidFill>
+                        <a:srgbClr val="CCCCCC"/>
+                      </a:solidFill>
+                      <a:prstDash val="solid"/>
+                      <a:round/>
+                      <a:headEnd type="none" w="med" len="med"/>
+                      <a:tailEnd type="none" w="med" len="med"/>
+                    </a:lnT>
+                    <a:lnB w="9525" cap="flat" cmpd="sng" algn="ctr">
+                      <a:solidFill>
+                        <a:srgbClr val="CCCCCC"/>
+                      </a:solidFill>
+                      <a:prstDash val="solid"/>
+                      <a:round/>
+                      <a:headEnd type="none" w="med" len="med"/>
+                      <a:tailEnd type="none" w="med" len="med"/>
+                    </a:lnB>
+                    <a:solidFill>
+                      <a:srgbClr val="FFFFFF"/>
+                    </a:solidFill>
+                  </a:tcPr>
+                </a:tc>
+                <a:extLst>
+                  <a:ext uri="{0D108BD9-81ED-4DB2-BD59-A6C34878D82A}">
+                    <a16:rowId xmlns:a16="http://schemas.microsoft.com/office/drawing/2014/main" val="1286851010"/>
+                  </a:ext>
+                </a:extLst>
+              </a:tr>
+              <a:tr h="334272">
+                <a:tc>
+                  <a:txBody>
+                    <a:bodyPr/>
+                    <a:lstStyle/>
+                    <a:p>
+                      <a:r>
+                        <a:rPr lang="en-US" sz="1200" u="none" strike="noStrike">
+                          <a:solidFill>
+                            <a:srgbClr val="0254D0"/>
+                          </a:solidFill>
+                          <a:effectLst/>
+                          <a:hlinkClick r:id="rId10"/>
+                        </a:rPr>
+                        <a:t>MilestoneController</a:t>
+                      </a:r>
+                      <a:endParaRPr lang="en-US" sz="1200">
+                        <a:effectLst/>
+                      </a:endParaRPr>
+                    </a:p>
+                  </a:txBody>
+                  <a:tcPr marL="10006" marR="10006" marT="10006" marB="10006" anchor="ctr">
+                    <a:lnL w="9525" cap="flat" cmpd="sng" algn="ctr">
+                      <a:solidFill>
+                        <a:srgbClr val="CCCCCC"/>
+                      </a:solidFill>
+                      <a:prstDash val="solid"/>
+                      <a:round/>
+                      <a:headEnd type="none" w="med" len="med"/>
+                      <a:tailEnd type="none" w="med" len="med"/>
+                    </a:lnL>
+                    <a:lnR w="9525" cap="flat" cmpd="sng" algn="ctr">
+                      <a:solidFill>
+                        <a:srgbClr val="CCCCCC"/>
+                      </a:solidFill>
+                      <a:prstDash val="solid"/>
+                      <a:round/>
+                      <a:headEnd type="none" w="med" len="med"/>
+                      <a:tailEnd type="none" w="med" len="med"/>
+                    </a:lnR>
+                    <a:lnT w="9525" cap="flat" cmpd="sng" algn="ctr">
+                      <a:solidFill>
+                        <a:srgbClr val="CCCCCC"/>
+                      </a:solidFill>
+                      <a:prstDash val="solid"/>
+                      <a:round/>
+                      <a:headEnd type="none" w="med" len="med"/>
+                      <a:tailEnd type="none" w="med" len="med"/>
+                    </a:lnT>
+                    <a:lnB w="9525" cap="flat" cmpd="sng" algn="ctr">
+                      <a:solidFill>
+                        <a:srgbClr val="CCCCCC"/>
+                      </a:solidFill>
+                      <a:prstDash val="solid"/>
+                      <a:round/>
+                      <a:headEnd type="none" w="med" len="med"/>
+                      <a:tailEnd type="none" w="med" len="med"/>
+                    </a:lnB>
+                    <a:solidFill>
+                      <a:srgbClr val="FFFFFF"/>
+                    </a:solidFill>
+                  </a:tcPr>
+                </a:tc>
+                <a:tc>
+                  <a:txBody>
+                    <a:bodyPr/>
+                    <a:lstStyle/>
+                    <a:p>
+                      <a:r>
+                        <a:rPr lang="en-US" sz="1200">
+                          <a:effectLst/>
+                        </a:rPr>
+                        <a:t>100% (1/ 1)</a:t>
+                      </a:r>
+                    </a:p>
+                  </a:txBody>
+                  <a:tcPr marL="10006" marR="10006" marT="10006" marB="10006" anchor="ctr">
+                    <a:lnL w="9525" cap="flat" cmpd="sng" algn="ctr">
+                      <a:solidFill>
+                        <a:srgbClr val="CCCCCC"/>
+                      </a:solidFill>
+                      <a:prstDash val="solid"/>
+                      <a:round/>
+                      <a:headEnd type="none" w="med" len="med"/>
+                      <a:tailEnd type="none" w="med" len="med"/>
+                    </a:lnL>
+                    <a:lnR w="9525" cap="flat" cmpd="sng" algn="ctr">
+                      <a:solidFill>
+                        <a:srgbClr val="CCCCCC"/>
+                      </a:solidFill>
+                      <a:prstDash val="solid"/>
+                      <a:round/>
+                      <a:headEnd type="none" w="med" len="med"/>
+                      <a:tailEnd type="none" w="med" len="med"/>
+                    </a:lnR>
+                    <a:lnT w="9525" cap="flat" cmpd="sng" algn="ctr">
+                      <a:solidFill>
+                        <a:srgbClr val="CCCCCC"/>
+                      </a:solidFill>
+                      <a:prstDash val="solid"/>
+                      <a:round/>
+                      <a:headEnd type="none" w="med" len="med"/>
+                      <a:tailEnd type="none" w="med" len="med"/>
+                    </a:lnT>
+                    <a:lnB w="9525" cap="flat" cmpd="sng" algn="ctr">
+                      <a:solidFill>
+                        <a:srgbClr val="CCCCCC"/>
+                      </a:solidFill>
+                      <a:prstDash val="solid"/>
+                      <a:round/>
+                      <a:headEnd type="none" w="med" len="med"/>
+                      <a:tailEnd type="none" w="med" len="med"/>
+                    </a:lnB>
+                    <a:solidFill>
+                      <a:srgbClr val="FFFFFF"/>
+                    </a:solidFill>
+                  </a:tcPr>
+                </a:tc>
+                <a:tc>
+                  <a:txBody>
+                    <a:bodyPr/>
+                    <a:lstStyle/>
+                    <a:p>
+                      <a:r>
+                        <a:rPr lang="en-US" sz="1200" dirty="0">
+                          <a:effectLst/>
+                        </a:rPr>
+                        <a:t>100% (6/ 6)</a:t>
+                      </a:r>
+                    </a:p>
+                  </a:txBody>
+                  <a:tcPr marL="10006" marR="10006" marT="10006" marB="10006" anchor="ctr">
+                    <a:lnL w="9525" cap="flat" cmpd="sng" algn="ctr">
+                      <a:solidFill>
+                        <a:srgbClr val="CCCCCC"/>
+                      </a:solidFill>
+                      <a:prstDash val="solid"/>
+                      <a:round/>
+                      <a:headEnd type="none" w="med" len="med"/>
+                      <a:tailEnd type="none" w="med" len="med"/>
+                    </a:lnL>
+                    <a:lnR w="9525" cap="flat" cmpd="sng" algn="ctr">
+                      <a:solidFill>
+                        <a:srgbClr val="CCCCCC"/>
+                      </a:solidFill>
+                      <a:prstDash val="solid"/>
+                      <a:round/>
+                      <a:headEnd type="none" w="med" len="med"/>
+                      <a:tailEnd type="none" w="med" len="med"/>
+                    </a:lnR>
+                    <a:lnT w="9525" cap="flat" cmpd="sng" algn="ctr">
+                      <a:solidFill>
+                        <a:srgbClr val="CCCCCC"/>
+                      </a:solidFill>
+                      <a:prstDash val="solid"/>
+                      <a:round/>
+                      <a:headEnd type="none" w="med" len="med"/>
+                      <a:tailEnd type="none" w="med" len="med"/>
+                    </a:lnT>
+                    <a:lnB w="9525" cap="flat" cmpd="sng" algn="ctr">
+                      <a:solidFill>
+                        <a:srgbClr val="CCCCCC"/>
+                      </a:solidFill>
+                      <a:prstDash val="solid"/>
+                      <a:round/>
+                      <a:headEnd type="none" w="med" len="med"/>
+                      <a:tailEnd type="none" w="med" len="med"/>
+                    </a:lnB>
+                    <a:solidFill>
+                      <a:srgbClr val="FFFFFF"/>
+                    </a:solidFill>
+                  </a:tcPr>
+                </a:tc>
+                <a:tc>
+                  <a:txBody>
+                    <a:bodyPr/>
+                    <a:lstStyle/>
+                    <a:p>
+                      <a:r>
+                        <a:rPr lang="en-US" sz="1200">
+                          <a:effectLst/>
+                        </a:rPr>
+                        <a:t>100% (45/ 45)</a:t>
+                      </a:r>
+                    </a:p>
+                  </a:txBody>
+                  <a:tcPr marL="10006" marR="10006" marT="10006" marB="10006" anchor="ctr">
+                    <a:lnL w="9525" cap="flat" cmpd="sng" algn="ctr">
+                      <a:solidFill>
+                        <a:srgbClr val="CCCCCC"/>
+                      </a:solidFill>
+                      <a:prstDash val="solid"/>
+                      <a:round/>
+                      <a:headEnd type="none" w="med" len="med"/>
+                      <a:tailEnd type="none" w="med" len="med"/>
+                    </a:lnL>
+                    <a:lnR w="9525" cap="flat" cmpd="sng" algn="ctr">
+                      <a:solidFill>
+                        <a:srgbClr val="CCCCCC"/>
+                      </a:solidFill>
+                      <a:prstDash val="solid"/>
+                      <a:round/>
+                      <a:headEnd type="none" w="med" len="med"/>
+                      <a:tailEnd type="none" w="med" len="med"/>
+                    </a:lnR>
+                    <a:lnT w="9525" cap="flat" cmpd="sng" algn="ctr">
+                      <a:solidFill>
+                        <a:srgbClr val="CCCCCC"/>
+                      </a:solidFill>
+                      <a:prstDash val="solid"/>
+                      <a:round/>
+                      <a:headEnd type="none" w="med" len="med"/>
+                      <a:tailEnd type="none" w="med" len="med"/>
+                    </a:lnT>
+                    <a:lnB w="9525" cap="flat" cmpd="sng" algn="ctr">
+                      <a:solidFill>
+                        <a:srgbClr val="CCCCCC"/>
+                      </a:solidFill>
+                      <a:prstDash val="solid"/>
+                      <a:round/>
+                      <a:headEnd type="none" w="med" len="med"/>
+                      <a:tailEnd type="none" w="med" len="med"/>
+                    </a:lnB>
+                    <a:solidFill>
+                      <a:srgbClr val="FFFFFF"/>
+                    </a:solidFill>
+                  </a:tcPr>
+                </a:tc>
+                <a:extLst>
+                  <a:ext uri="{0D108BD9-81ED-4DB2-BD59-A6C34878D82A}">
+                    <a16:rowId xmlns:a16="http://schemas.microsoft.com/office/drawing/2014/main" val="2993946835"/>
+                  </a:ext>
+                </a:extLst>
+              </a:tr>
+              <a:tr h="334272">
+                <a:tc>
+                  <a:txBody>
+                    <a:bodyPr/>
+                    <a:lstStyle/>
+                    <a:p>
+                      <a:r>
+                        <a:rPr lang="en-US" sz="1200" u="none" strike="noStrike">
+                          <a:solidFill>
+                            <a:srgbClr val="0254D0"/>
+                          </a:solidFill>
+                          <a:effectLst/>
+                          <a:hlinkClick r:id="rId11"/>
+                        </a:rPr>
+                        <a:t>ProjectController</a:t>
+                      </a:r>
+                      <a:endParaRPr lang="en-US" sz="1200">
+                        <a:effectLst/>
+                      </a:endParaRPr>
+                    </a:p>
+                  </a:txBody>
+                  <a:tcPr marL="10006" marR="10006" marT="10006" marB="10006" anchor="ctr">
+                    <a:lnL w="9525" cap="flat" cmpd="sng" algn="ctr">
+                      <a:solidFill>
+                        <a:srgbClr val="CCCCCC"/>
+                      </a:solidFill>
+                      <a:prstDash val="solid"/>
+                      <a:round/>
+                      <a:headEnd type="none" w="med" len="med"/>
+                      <a:tailEnd type="none" w="med" len="med"/>
+                    </a:lnL>
+                    <a:lnR w="9525" cap="flat" cmpd="sng" algn="ctr">
+                      <a:solidFill>
+                        <a:srgbClr val="CCCCCC"/>
+                      </a:solidFill>
+                      <a:prstDash val="solid"/>
+                      <a:round/>
+                      <a:headEnd type="none" w="med" len="med"/>
+                      <a:tailEnd type="none" w="med" len="med"/>
+                    </a:lnR>
+                    <a:lnT w="9525" cap="flat" cmpd="sng" algn="ctr">
+                      <a:solidFill>
+                        <a:srgbClr val="CCCCCC"/>
+                      </a:solidFill>
+                      <a:prstDash val="solid"/>
+                      <a:round/>
+                      <a:headEnd type="none" w="med" len="med"/>
+                      <a:tailEnd type="none" w="med" len="med"/>
+                    </a:lnT>
+                    <a:lnB w="9525" cap="flat" cmpd="sng" algn="ctr">
+                      <a:solidFill>
+                        <a:srgbClr val="CCCCCC"/>
+                      </a:solidFill>
+                      <a:prstDash val="solid"/>
+                      <a:round/>
+                      <a:headEnd type="none" w="med" len="med"/>
+                      <a:tailEnd type="none" w="med" len="med"/>
+                    </a:lnB>
+                    <a:solidFill>
+                      <a:srgbClr val="FFFFFF"/>
+                    </a:solidFill>
+                  </a:tcPr>
+                </a:tc>
+                <a:tc>
+                  <a:txBody>
+                    <a:bodyPr/>
+                    <a:lstStyle/>
+                    <a:p>
+                      <a:r>
+                        <a:rPr lang="en-US" sz="1200">
+                          <a:effectLst/>
+                        </a:rPr>
+                        <a:t>100% (1/ 1)</a:t>
+                      </a:r>
+                    </a:p>
+                  </a:txBody>
+                  <a:tcPr marL="10006" marR="10006" marT="10006" marB="10006" anchor="ctr">
+                    <a:lnL w="9525" cap="flat" cmpd="sng" algn="ctr">
+                      <a:solidFill>
+                        <a:srgbClr val="CCCCCC"/>
+                      </a:solidFill>
+                      <a:prstDash val="solid"/>
+                      <a:round/>
+                      <a:headEnd type="none" w="med" len="med"/>
+                      <a:tailEnd type="none" w="med" len="med"/>
+                    </a:lnL>
+                    <a:lnR w="9525" cap="flat" cmpd="sng" algn="ctr">
+                      <a:solidFill>
+                        <a:srgbClr val="CCCCCC"/>
+                      </a:solidFill>
+                      <a:prstDash val="solid"/>
+                      <a:round/>
+                      <a:headEnd type="none" w="med" len="med"/>
+                      <a:tailEnd type="none" w="med" len="med"/>
+                    </a:lnR>
+                    <a:lnT w="9525" cap="flat" cmpd="sng" algn="ctr">
+                      <a:solidFill>
+                        <a:srgbClr val="CCCCCC"/>
+                      </a:solidFill>
+                      <a:prstDash val="solid"/>
+                      <a:round/>
+                      <a:headEnd type="none" w="med" len="med"/>
+                      <a:tailEnd type="none" w="med" len="med"/>
+                    </a:lnT>
+                    <a:lnB w="9525" cap="flat" cmpd="sng" algn="ctr">
+                      <a:solidFill>
+                        <a:srgbClr val="CCCCCC"/>
+                      </a:solidFill>
+                      <a:prstDash val="solid"/>
+                      <a:round/>
+                      <a:headEnd type="none" w="med" len="med"/>
+                      <a:tailEnd type="none" w="med" len="med"/>
+                    </a:lnB>
+                    <a:solidFill>
+                      <a:srgbClr val="FFFFFF"/>
+                    </a:solidFill>
+                  </a:tcPr>
+                </a:tc>
+                <a:tc>
+                  <a:txBody>
+                    <a:bodyPr/>
+                    <a:lstStyle/>
+                    <a:p>
+                      <a:r>
+                        <a:rPr lang="en-US" sz="1200">
+                          <a:effectLst/>
+                        </a:rPr>
+                        <a:t>100% (8/ 8)</a:t>
+                      </a:r>
+                    </a:p>
+                  </a:txBody>
+                  <a:tcPr marL="10006" marR="10006" marT="10006" marB="10006" anchor="ctr">
+                    <a:lnL w="9525" cap="flat" cmpd="sng" algn="ctr">
+                      <a:solidFill>
+                        <a:srgbClr val="CCCCCC"/>
+                      </a:solidFill>
+                      <a:prstDash val="solid"/>
+                      <a:round/>
+                      <a:headEnd type="none" w="med" len="med"/>
+                      <a:tailEnd type="none" w="med" len="med"/>
+                    </a:lnL>
+                    <a:lnR w="9525" cap="flat" cmpd="sng" algn="ctr">
+                      <a:solidFill>
+                        <a:srgbClr val="CCCCCC"/>
+                      </a:solidFill>
+                      <a:prstDash val="solid"/>
+                      <a:round/>
+                      <a:headEnd type="none" w="med" len="med"/>
+                      <a:tailEnd type="none" w="med" len="med"/>
+                    </a:lnR>
+                    <a:lnT w="9525" cap="flat" cmpd="sng" algn="ctr">
+                      <a:solidFill>
+                        <a:srgbClr val="CCCCCC"/>
+                      </a:solidFill>
+                      <a:prstDash val="solid"/>
+                      <a:round/>
+                      <a:headEnd type="none" w="med" len="med"/>
+                      <a:tailEnd type="none" w="med" len="med"/>
+                    </a:lnT>
+                    <a:lnB w="9525" cap="flat" cmpd="sng" algn="ctr">
+                      <a:solidFill>
+                        <a:srgbClr val="CCCCCC"/>
+                      </a:solidFill>
+                      <a:prstDash val="solid"/>
+                      <a:round/>
+                      <a:headEnd type="none" w="med" len="med"/>
+                      <a:tailEnd type="none" w="med" len="med"/>
+                    </a:lnB>
+                    <a:solidFill>
+                      <a:srgbClr val="FFFFFF"/>
+                    </a:solidFill>
+                  </a:tcPr>
+                </a:tc>
+                <a:tc>
+                  <a:txBody>
+                    <a:bodyPr/>
+                    <a:lstStyle/>
+                    <a:p>
+                      <a:r>
+                        <a:rPr lang="en-US" sz="1200">
+                          <a:effectLst/>
+                        </a:rPr>
+                        <a:t>100% (94/ 94)</a:t>
+                      </a:r>
+                    </a:p>
+                  </a:txBody>
+                  <a:tcPr marL="10006" marR="10006" marT="10006" marB="10006" anchor="ctr">
+                    <a:lnL w="9525" cap="flat" cmpd="sng" algn="ctr">
+                      <a:solidFill>
+                        <a:srgbClr val="CCCCCC"/>
+                      </a:solidFill>
+                      <a:prstDash val="solid"/>
+                      <a:round/>
+                      <a:headEnd type="none" w="med" len="med"/>
+                      <a:tailEnd type="none" w="med" len="med"/>
+                    </a:lnL>
+                    <a:lnR w="9525" cap="flat" cmpd="sng" algn="ctr">
+                      <a:solidFill>
+                        <a:srgbClr val="CCCCCC"/>
+                      </a:solidFill>
+                      <a:prstDash val="solid"/>
+                      <a:round/>
+                      <a:headEnd type="none" w="med" len="med"/>
+                      <a:tailEnd type="none" w="med" len="med"/>
+                    </a:lnR>
+                    <a:lnT w="9525" cap="flat" cmpd="sng" algn="ctr">
+                      <a:solidFill>
+                        <a:srgbClr val="CCCCCC"/>
+                      </a:solidFill>
+                      <a:prstDash val="solid"/>
+                      <a:round/>
+                      <a:headEnd type="none" w="med" len="med"/>
+                      <a:tailEnd type="none" w="med" len="med"/>
+                    </a:lnT>
+                    <a:lnB w="9525" cap="flat" cmpd="sng" algn="ctr">
+                      <a:solidFill>
+                        <a:srgbClr val="CCCCCC"/>
+                      </a:solidFill>
+                      <a:prstDash val="solid"/>
+                      <a:round/>
+                      <a:headEnd type="none" w="med" len="med"/>
+                      <a:tailEnd type="none" w="med" len="med"/>
+                    </a:lnB>
+                    <a:solidFill>
+                      <a:srgbClr val="FFFFFF"/>
+                    </a:solidFill>
+                  </a:tcPr>
+                </a:tc>
+                <a:extLst>
+                  <a:ext uri="{0D108BD9-81ED-4DB2-BD59-A6C34878D82A}">
+                    <a16:rowId xmlns:a16="http://schemas.microsoft.com/office/drawing/2014/main" val="2576268240"/>
+                  </a:ext>
+                </a:extLst>
+              </a:tr>
+              <a:tr h="334272">
+                <a:tc>
+                  <a:txBody>
+                    <a:bodyPr/>
+                    <a:lstStyle/>
+                    <a:p>
+                      <a:r>
+                        <a:rPr lang="en-US" sz="1200" u="none" strike="noStrike">
+                          <a:solidFill>
+                            <a:srgbClr val="0254D0"/>
+                          </a:solidFill>
+                          <a:effectLst/>
+                          <a:hlinkClick r:id="rId12"/>
+                        </a:rPr>
+                        <a:t>PropertyController</a:t>
+                      </a:r>
+                      <a:endParaRPr lang="en-US" sz="1200">
+                        <a:effectLst/>
+                      </a:endParaRPr>
+                    </a:p>
+                  </a:txBody>
+                  <a:tcPr marL="10006" marR="10006" marT="10006" marB="10006" anchor="ctr">
+                    <a:lnL w="9525" cap="flat" cmpd="sng" algn="ctr">
+                      <a:solidFill>
+                        <a:srgbClr val="CCCCCC"/>
+                      </a:solidFill>
+                      <a:prstDash val="solid"/>
+                      <a:round/>
+                      <a:headEnd type="none" w="med" len="med"/>
+                      <a:tailEnd type="none" w="med" len="med"/>
+                    </a:lnL>
+                    <a:lnR w="9525" cap="flat" cmpd="sng" algn="ctr">
+                      <a:solidFill>
+                        <a:srgbClr val="CCCCCC"/>
+                      </a:solidFill>
+                      <a:prstDash val="solid"/>
+                      <a:round/>
+                      <a:headEnd type="none" w="med" len="med"/>
+                      <a:tailEnd type="none" w="med" len="med"/>
+                    </a:lnR>
+                    <a:lnT w="9525" cap="flat" cmpd="sng" algn="ctr">
+                      <a:solidFill>
+                        <a:srgbClr val="CCCCCC"/>
+                      </a:solidFill>
+                      <a:prstDash val="solid"/>
+                      <a:round/>
+                      <a:headEnd type="none" w="med" len="med"/>
+                      <a:tailEnd type="none" w="med" len="med"/>
+                    </a:lnT>
+                    <a:lnB w="9525" cap="flat" cmpd="sng" algn="ctr">
+                      <a:solidFill>
+                        <a:srgbClr val="CCCCCC"/>
+                      </a:solidFill>
+                      <a:prstDash val="solid"/>
+                      <a:round/>
+                      <a:headEnd type="none" w="med" len="med"/>
+                      <a:tailEnd type="none" w="med" len="med"/>
+                    </a:lnB>
+                    <a:solidFill>
+                      <a:srgbClr val="FFFFFF"/>
+                    </a:solidFill>
+                  </a:tcPr>
+                </a:tc>
+                <a:tc>
+                  <a:txBody>
+                    <a:bodyPr/>
+                    <a:lstStyle/>
+                    <a:p>
+                      <a:r>
+                        <a:rPr lang="en-US" sz="1200">
+                          <a:effectLst/>
+                        </a:rPr>
+                        <a:t>100% (1/ 1)</a:t>
+                      </a:r>
+                    </a:p>
+                  </a:txBody>
+                  <a:tcPr marL="10006" marR="10006" marT="10006" marB="10006" anchor="ctr">
+                    <a:lnL w="9525" cap="flat" cmpd="sng" algn="ctr">
+                      <a:solidFill>
+                        <a:srgbClr val="CCCCCC"/>
+                      </a:solidFill>
+                      <a:prstDash val="solid"/>
+                      <a:round/>
+                      <a:headEnd type="none" w="med" len="med"/>
+                      <a:tailEnd type="none" w="med" len="med"/>
+                    </a:lnL>
+                    <a:lnR w="9525" cap="flat" cmpd="sng" algn="ctr">
+                      <a:solidFill>
+                        <a:srgbClr val="CCCCCC"/>
+                      </a:solidFill>
+                      <a:prstDash val="solid"/>
+                      <a:round/>
+                      <a:headEnd type="none" w="med" len="med"/>
+                      <a:tailEnd type="none" w="med" len="med"/>
+                    </a:lnR>
+                    <a:lnT w="9525" cap="flat" cmpd="sng" algn="ctr">
+                      <a:solidFill>
+                        <a:srgbClr val="CCCCCC"/>
+                      </a:solidFill>
+                      <a:prstDash val="solid"/>
+                      <a:round/>
+                      <a:headEnd type="none" w="med" len="med"/>
+                      <a:tailEnd type="none" w="med" len="med"/>
+                    </a:lnT>
+                    <a:lnB w="9525" cap="flat" cmpd="sng" algn="ctr">
+                      <a:solidFill>
+                        <a:srgbClr val="CCCCCC"/>
+                      </a:solidFill>
+                      <a:prstDash val="solid"/>
+                      <a:round/>
+                      <a:headEnd type="none" w="med" len="med"/>
+                      <a:tailEnd type="none" w="med" len="med"/>
+                    </a:lnB>
+                    <a:solidFill>
+                      <a:srgbClr val="FFFFFF"/>
+                    </a:solidFill>
+                  </a:tcPr>
+                </a:tc>
+                <a:tc>
+                  <a:txBody>
+                    <a:bodyPr/>
+                    <a:lstStyle/>
+                    <a:p>
+                      <a:r>
+                        <a:rPr lang="en-US" sz="1200">
+                          <a:effectLst/>
+                        </a:rPr>
+                        <a:t>100% (7/ 7)</a:t>
+                      </a:r>
+                    </a:p>
+                  </a:txBody>
+                  <a:tcPr marL="10006" marR="10006" marT="10006" marB="10006" anchor="ctr">
+                    <a:lnL w="9525" cap="flat" cmpd="sng" algn="ctr">
+                      <a:solidFill>
+                        <a:srgbClr val="CCCCCC"/>
+                      </a:solidFill>
+                      <a:prstDash val="solid"/>
+                      <a:round/>
+                      <a:headEnd type="none" w="med" len="med"/>
+                      <a:tailEnd type="none" w="med" len="med"/>
+                    </a:lnL>
+                    <a:lnR w="9525" cap="flat" cmpd="sng" algn="ctr">
+                      <a:solidFill>
+                        <a:srgbClr val="CCCCCC"/>
+                      </a:solidFill>
+                      <a:prstDash val="solid"/>
+                      <a:round/>
+                      <a:headEnd type="none" w="med" len="med"/>
+                      <a:tailEnd type="none" w="med" len="med"/>
+                    </a:lnR>
+                    <a:lnT w="9525" cap="flat" cmpd="sng" algn="ctr">
+                      <a:solidFill>
+                        <a:srgbClr val="CCCCCC"/>
+                      </a:solidFill>
+                      <a:prstDash val="solid"/>
+                      <a:round/>
+                      <a:headEnd type="none" w="med" len="med"/>
+                      <a:tailEnd type="none" w="med" len="med"/>
+                    </a:lnT>
+                    <a:lnB w="9525" cap="flat" cmpd="sng" algn="ctr">
+                      <a:solidFill>
+                        <a:srgbClr val="CCCCCC"/>
+                      </a:solidFill>
+                      <a:prstDash val="solid"/>
+                      <a:round/>
+                      <a:headEnd type="none" w="med" len="med"/>
+                      <a:tailEnd type="none" w="med" len="med"/>
+                    </a:lnB>
+                    <a:solidFill>
+                      <a:srgbClr val="FFFFFF"/>
+                    </a:solidFill>
+                  </a:tcPr>
+                </a:tc>
+                <a:tc>
+                  <a:txBody>
+                    <a:bodyPr/>
+                    <a:lstStyle/>
+                    <a:p>
+                      <a:r>
+                        <a:rPr lang="en-US" sz="1200">
+                          <a:effectLst/>
+                        </a:rPr>
+                        <a:t>100% (52/ 52)</a:t>
+                      </a:r>
+                    </a:p>
+                  </a:txBody>
+                  <a:tcPr marL="10006" marR="10006" marT="10006" marB="10006" anchor="ctr">
+                    <a:lnL w="9525" cap="flat" cmpd="sng" algn="ctr">
+                      <a:solidFill>
+                        <a:srgbClr val="CCCCCC"/>
+                      </a:solidFill>
+                      <a:prstDash val="solid"/>
+                      <a:round/>
+                      <a:headEnd type="none" w="med" len="med"/>
+                      <a:tailEnd type="none" w="med" len="med"/>
+                    </a:lnL>
+                    <a:lnR w="9525" cap="flat" cmpd="sng" algn="ctr">
+                      <a:solidFill>
+                        <a:srgbClr val="CCCCCC"/>
+                      </a:solidFill>
+                      <a:prstDash val="solid"/>
+                      <a:round/>
+                      <a:headEnd type="none" w="med" len="med"/>
+                      <a:tailEnd type="none" w="med" len="med"/>
+                    </a:lnR>
+                    <a:lnT w="9525" cap="flat" cmpd="sng" algn="ctr">
+                      <a:solidFill>
+                        <a:srgbClr val="CCCCCC"/>
+                      </a:solidFill>
+                      <a:prstDash val="solid"/>
+                      <a:round/>
+                      <a:headEnd type="none" w="med" len="med"/>
+                      <a:tailEnd type="none" w="med" len="med"/>
+                    </a:lnT>
+                    <a:lnB w="9525" cap="flat" cmpd="sng" algn="ctr">
+                      <a:solidFill>
+                        <a:srgbClr val="CCCCCC"/>
+                      </a:solidFill>
+                      <a:prstDash val="solid"/>
+                      <a:round/>
+                      <a:headEnd type="none" w="med" len="med"/>
+                      <a:tailEnd type="none" w="med" len="med"/>
+                    </a:lnB>
+                    <a:solidFill>
+                      <a:srgbClr val="FFFFFF"/>
+                    </a:solidFill>
+                  </a:tcPr>
+                </a:tc>
+                <a:extLst>
+                  <a:ext uri="{0D108BD9-81ED-4DB2-BD59-A6C34878D82A}">
+                    <a16:rowId xmlns:a16="http://schemas.microsoft.com/office/drawing/2014/main" val="4029052480"/>
+                  </a:ext>
+                </a:extLst>
+              </a:tr>
+              <a:tr h="334272">
+                <a:tc>
+                  <a:txBody>
+                    <a:bodyPr/>
+                    <a:lstStyle/>
+                    <a:p>
+                      <a:r>
+                        <a:rPr lang="en-US" sz="1200" u="none" strike="noStrike">
+                          <a:solidFill>
+                            <a:srgbClr val="0254D0"/>
+                          </a:solidFill>
+                          <a:effectLst/>
+                          <a:hlinkClick r:id="rId13"/>
+                        </a:rPr>
+                        <a:t>RiskController</a:t>
+                      </a:r>
+                      <a:endParaRPr lang="en-US" sz="1200">
+                        <a:effectLst/>
+                      </a:endParaRPr>
+                    </a:p>
+                  </a:txBody>
+                  <a:tcPr marL="10006" marR="10006" marT="10006" marB="10006" anchor="ctr">
+                    <a:lnL w="9525" cap="flat" cmpd="sng" algn="ctr">
+                      <a:solidFill>
+                        <a:srgbClr val="CCCCCC"/>
+                      </a:solidFill>
+                      <a:prstDash val="solid"/>
+                      <a:round/>
+                      <a:headEnd type="none" w="med" len="med"/>
+                      <a:tailEnd type="none" w="med" len="med"/>
+                    </a:lnL>
+                    <a:lnR w="9525" cap="flat" cmpd="sng" algn="ctr">
+                      <a:solidFill>
+                        <a:srgbClr val="CCCCCC"/>
+                      </a:solidFill>
+                      <a:prstDash val="solid"/>
+                      <a:round/>
+                      <a:headEnd type="none" w="med" len="med"/>
+                      <a:tailEnd type="none" w="med" len="med"/>
+                    </a:lnR>
+                    <a:lnT w="9525" cap="flat" cmpd="sng" algn="ctr">
+                      <a:solidFill>
+                        <a:srgbClr val="CCCCCC"/>
+                      </a:solidFill>
+                      <a:prstDash val="solid"/>
+                      <a:round/>
+                      <a:headEnd type="none" w="med" len="med"/>
+                      <a:tailEnd type="none" w="med" len="med"/>
+                    </a:lnT>
+                    <a:lnB w="9525" cap="flat" cmpd="sng" algn="ctr">
+                      <a:solidFill>
+                        <a:srgbClr val="CCCCCC"/>
+                      </a:solidFill>
+                      <a:prstDash val="solid"/>
+                      <a:round/>
+                      <a:headEnd type="none" w="med" len="med"/>
+                      <a:tailEnd type="none" w="med" len="med"/>
+                    </a:lnB>
+                    <a:solidFill>
+                      <a:srgbClr val="FFFFFF"/>
+                    </a:solidFill>
+                  </a:tcPr>
+                </a:tc>
+                <a:tc>
+                  <a:txBody>
+                    <a:bodyPr/>
+                    <a:lstStyle/>
+                    <a:p>
+                      <a:r>
+                        <a:rPr lang="en-US" sz="1200">
+                          <a:effectLst/>
+                        </a:rPr>
+                        <a:t>100% (1/ 1)</a:t>
+                      </a:r>
+                    </a:p>
+                  </a:txBody>
+                  <a:tcPr marL="10006" marR="10006" marT="10006" marB="10006" anchor="ctr">
+                    <a:lnL w="9525" cap="flat" cmpd="sng" algn="ctr">
+                      <a:solidFill>
+                        <a:srgbClr val="CCCCCC"/>
+                      </a:solidFill>
+                      <a:prstDash val="solid"/>
+                      <a:round/>
+                      <a:headEnd type="none" w="med" len="med"/>
+                      <a:tailEnd type="none" w="med" len="med"/>
+                    </a:lnL>
+                    <a:lnR w="9525" cap="flat" cmpd="sng" algn="ctr">
+                      <a:solidFill>
+                        <a:srgbClr val="CCCCCC"/>
+                      </a:solidFill>
+                      <a:prstDash val="solid"/>
+                      <a:round/>
+                      <a:headEnd type="none" w="med" len="med"/>
+                      <a:tailEnd type="none" w="med" len="med"/>
+                    </a:lnR>
+                    <a:lnT w="9525" cap="flat" cmpd="sng" algn="ctr">
+                      <a:solidFill>
+                        <a:srgbClr val="CCCCCC"/>
+                      </a:solidFill>
+                      <a:prstDash val="solid"/>
+                      <a:round/>
+                      <a:headEnd type="none" w="med" len="med"/>
+                      <a:tailEnd type="none" w="med" len="med"/>
+                    </a:lnT>
+                    <a:lnB w="9525" cap="flat" cmpd="sng" algn="ctr">
+                      <a:solidFill>
+                        <a:srgbClr val="CCCCCC"/>
+                      </a:solidFill>
+                      <a:prstDash val="solid"/>
+                      <a:round/>
+                      <a:headEnd type="none" w="med" len="med"/>
+                      <a:tailEnd type="none" w="med" len="med"/>
+                    </a:lnB>
+                    <a:solidFill>
+                      <a:srgbClr val="FFFFFF"/>
+                    </a:solidFill>
+                  </a:tcPr>
+                </a:tc>
+                <a:tc>
+                  <a:txBody>
+                    <a:bodyPr/>
+                    <a:lstStyle/>
+                    <a:p>
+                      <a:r>
+                        <a:rPr lang="en-US" sz="1200">
+                          <a:effectLst/>
+                        </a:rPr>
+                        <a:t>100% (6/ 6)</a:t>
+                      </a:r>
+                    </a:p>
+                  </a:txBody>
+                  <a:tcPr marL="10006" marR="10006" marT="10006" marB="10006" anchor="ctr">
+                    <a:lnL w="9525" cap="flat" cmpd="sng" algn="ctr">
+                      <a:solidFill>
+                        <a:srgbClr val="CCCCCC"/>
+                      </a:solidFill>
+                      <a:prstDash val="solid"/>
+                      <a:round/>
+                      <a:headEnd type="none" w="med" len="med"/>
+                      <a:tailEnd type="none" w="med" len="med"/>
+                    </a:lnL>
+                    <a:lnR w="9525" cap="flat" cmpd="sng" algn="ctr">
+                      <a:solidFill>
+                        <a:srgbClr val="CCCCCC"/>
+                      </a:solidFill>
+                      <a:prstDash val="solid"/>
+                      <a:round/>
+                      <a:headEnd type="none" w="med" len="med"/>
+                      <a:tailEnd type="none" w="med" len="med"/>
+                    </a:lnR>
+                    <a:lnT w="9525" cap="flat" cmpd="sng" algn="ctr">
+                      <a:solidFill>
+                        <a:srgbClr val="CCCCCC"/>
+                      </a:solidFill>
+                      <a:prstDash val="solid"/>
+                      <a:round/>
+                      <a:headEnd type="none" w="med" len="med"/>
+                      <a:tailEnd type="none" w="med" len="med"/>
+                    </a:lnT>
+                    <a:lnB w="9525" cap="flat" cmpd="sng" algn="ctr">
+                      <a:solidFill>
+                        <a:srgbClr val="CCCCCC"/>
+                      </a:solidFill>
+                      <a:prstDash val="solid"/>
+                      <a:round/>
+                      <a:headEnd type="none" w="med" len="med"/>
+                      <a:tailEnd type="none" w="med" len="med"/>
+                    </a:lnB>
+                    <a:solidFill>
+                      <a:srgbClr val="FFFFFF"/>
+                    </a:solidFill>
+                  </a:tcPr>
+                </a:tc>
+                <a:tc>
+                  <a:txBody>
+                    <a:bodyPr/>
+                    <a:lstStyle/>
+                    <a:p>
+                      <a:r>
+                        <a:rPr lang="en-US" sz="1200">
+                          <a:effectLst/>
+                        </a:rPr>
+                        <a:t>100% (57/ 57)</a:t>
+                      </a:r>
+                    </a:p>
+                  </a:txBody>
+                  <a:tcPr marL="10006" marR="10006" marT="10006" marB="10006" anchor="ctr">
+                    <a:lnL w="9525" cap="flat" cmpd="sng" algn="ctr">
+                      <a:solidFill>
+                        <a:srgbClr val="CCCCCC"/>
+                      </a:solidFill>
+                      <a:prstDash val="solid"/>
+                      <a:round/>
+                      <a:headEnd type="none" w="med" len="med"/>
+                      <a:tailEnd type="none" w="med" len="med"/>
+                    </a:lnL>
+                    <a:lnR w="9525" cap="flat" cmpd="sng" algn="ctr">
+                      <a:solidFill>
+                        <a:srgbClr val="CCCCCC"/>
+                      </a:solidFill>
+                      <a:prstDash val="solid"/>
+                      <a:round/>
+                      <a:headEnd type="none" w="med" len="med"/>
+                      <a:tailEnd type="none" w="med" len="med"/>
+                    </a:lnR>
+                    <a:lnT w="9525" cap="flat" cmpd="sng" algn="ctr">
+                      <a:solidFill>
+                        <a:srgbClr val="CCCCCC"/>
+                      </a:solidFill>
+                      <a:prstDash val="solid"/>
+                      <a:round/>
+                      <a:headEnd type="none" w="med" len="med"/>
+                      <a:tailEnd type="none" w="med" len="med"/>
+                    </a:lnT>
+                    <a:lnB w="9525" cap="flat" cmpd="sng" algn="ctr">
+                      <a:solidFill>
+                        <a:srgbClr val="CCCCCC"/>
+                      </a:solidFill>
+                      <a:prstDash val="solid"/>
+                      <a:round/>
+                      <a:headEnd type="none" w="med" len="med"/>
+                      <a:tailEnd type="none" w="med" len="med"/>
+                    </a:lnB>
+                    <a:solidFill>
+                      <a:srgbClr val="FFFFFF"/>
+                    </a:solidFill>
+                  </a:tcPr>
+                </a:tc>
+                <a:extLst>
+                  <a:ext uri="{0D108BD9-81ED-4DB2-BD59-A6C34878D82A}">
+                    <a16:rowId xmlns:a16="http://schemas.microsoft.com/office/drawing/2014/main" val="2988702445"/>
+                  </a:ext>
+                </a:extLst>
+              </a:tr>
+              <a:tr h="334272">
+                <a:tc>
+                  <a:txBody>
+                    <a:bodyPr/>
+                    <a:lstStyle/>
+                    <a:p>
+                      <a:r>
+                        <a:rPr lang="en-US" sz="1200" u="none" strike="noStrike">
+                          <a:solidFill>
+                            <a:srgbClr val="0254D0"/>
+                          </a:solidFill>
+                          <a:effectLst/>
+                          <a:hlinkClick r:id="rId14"/>
+                        </a:rPr>
+                        <a:t>ShowDaoPurposeController</a:t>
+                      </a:r>
+                      <a:endParaRPr lang="en-US" sz="1200">
+                        <a:effectLst/>
+                      </a:endParaRPr>
+                    </a:p>
+                  </a:txBody>
+                  <a:tcPr marL="10006" marR="10006" marT="10006" marB="10006" anchor="ctr">
+                    <a:lnL w="9525" cap="flat" cmpd="sng" algn="ctr">
+                      <a:solidFill>
+                        <a:srgbClr val="CCCCCC"/>
+                      </a:solidFill>
+                      <a:prstDash val="solid"/>
+                      <a:round/>
+                      <a:headEnd type="none" w="med" len="med"/>
+                      <a:tailEnd type="none" w="med" len="med"/>
+                    </a:lnL>
+                    <a:lnR w="9525" cap="flat" cmpd="sng" algn="ctr">
+                      <a:solidFill>
+                        <a:srgbClr val="CCCCCC"/>
+                      </a:solidFill>
+                      <a:prstDash val="solid"/>
+                      <a:round/>
+                      <a:headEnd type="none" w="med" len="med"/>
+                      <a:tailEnd type="none" w="med" len="med"/>
+                    </a:lnR>
+                    <a:lnT w="9525" cap="flat" cmpd="sng" algn="ctr">
+                      <a:solidFill>
+                        <a:srgbClr val="CCCCCC"/>
+                      </a:solidFill>
+                      <a:prstDash val="solid"/>
+                      <a:round/>
+                      <a:headEnd type="none" w="med" len="med"/>
+                      <a:tailEnd type="none" w="med" len="med"/>
+                    </a:lnT>
+                    <a:lnB w="9525" cap="flat" cmpd="sng" algn="ctr">
+                      <a:solidFill>
+                        <a:srgbClr val="CCCCCC"/>
+                      </a:solidFill>
+                      <a:prstDash val="solid"/>
+                      <a:round/>
+                      <a:headEnd type="none" w="med" len="med"/>
+                      <a:tailEnd type="none" w="med" len="med"/>
+                    </a:lnB>
+                    <a:solidFill>
+                      <a:srgbClr val="FFFFFF"/>
+                    </a:solidFill>
+                  </a:tcPr>
+                </a:tc>
+                <a:tc>
+                  <a:txBody>
+                    <a:bodyPr/>
+                    <a:lstStyle/>
+                    <a:p>
+                      <a:r>
+                        <a:rPr lang="en-US" sz="1200">
+                          <a:effectLst/>
+                        </a:rPr>
+                        <a:t>100% (1/ 1)</a:t>
+                      </a:r>
+                    </a:p>
+                  </a:txBody>
+                  <a:tcPr marL="10006" marR="10006" marT="10006" marB="10006" anchor="ctr">
+                    <a:lnL w="9525" cap="flat" cmpd="sng" algn="ctr">
+                      <a:solidFill>
+                        <a:srgbClr val="CCCCCC"/>
+                      </a:solidFill>
+                      <a:prstDash val="solid"/>
+                      <a:round/>
+                      <a:headEnd type="none" w="med" len="med"/>
+                      <a:tailEnd type="none" w="med" len="med"/>
+                    </a:lnL>
+                    <a:lnR w="9525" cap="flat" cmpd="sng" algn="ctr">
+                      <a:solidFill>
+                        <a:srgbClr val="CCCCCC"/>
+                      </a:solidFill>
+                      <a:prstDash val="solid"/>
+                      <a:round/>
+                      <a:headEnd type="none" w="med" len="med"/>
+                      <a:tailEnd type="none" w="med" len="med"/>
+                    </a:lnR>
+                    <a:lnT w="9525" cap="flat" cmpd="sng" algn="ctr">
+                      <a:solidFill>
+                        <a:srgbClr val="CCCCCC"/>
+                      </a:solidFill>
+                      <a:prstDash val="solid"/>
+                      <a:round/>
+                      <a:headEnd type="none" w="med" len="med"/>
+                      <a:tailEnd type="none" w="med" len="med"/>
+                    </a:lnT>
+                    <a:lnB w="9525" cap="flat" cmpd="sng" algn="ctr">
+                      <a:solidFill>
+                        <a:srgbClr val="CCCCCC"/>
+                      </a:solidFill>
+                      <a:prstDash val="solid"/>
+                      <a:round/>
+                      <a:headEnd type="none" w="med" len="med"/>
+                      <a:tailEnd type="none" w="med" len="med"/>
+                    </a:lnB>
+                    <a:solidFill>
+                      <a:srgbClr val="FFFFFF"/>
+                    </a:solidFill>
+                  </a:tcPr>
+                </a:tc>
+                <a:tc>
+                  <a:txBody>
+                    <a:bodyPr/>
+                    <a:lstStyle/>
+                    <a:p>
+                      <a:r>
+                        <a:rPr lang="en-US" sz="1200">
+                          <a:effectLst/>
+                        </a:rPr>
+                        <a:t>100% (15/ 15)</a:t>
+                      </a:r>
+                    </a:p>
+                  </a:txBody>
+                  <a:tcPr marL="10006" marR="10006" marT="10006" marB="10006" anchor="ctr">
+                    <a:lnL w="9525" cap="flat" cmpd="sng" algn="ctr">
+                      <a:solidFill>
+                        <a:srgbClr val="CCCCCC"/>
+                      </a:solidFill>
+                      <a:prstDash val="solid"/>
+                      <a:round/>
+                      <a:headEnd type="none" w="med" len="med"/>
+                      <a:tailEnd type="none" w="med" len="med"/>
+                    </a:lnL>
+                    <a:lnR w="9525" cap="flat" cmpd="sng" algn="ctr">
+                      <a:solidFill>
+                        <a:srgbClr val="CCCCCC"/>
+                      </a:solidFill>
+                      <a:prstDash val="solid"/>
+                      <a:round/>
+                      <a:headEnd type="none" w="med" len="med"/>
+                      <a:tailEnd type="none" w="med" len="med"/>
+                    </a:lnR>
+                    <a:lnT w="9525" cap="flat" cmpd="sng" algn="ctr">
+                      <a:solidFill>
+                        <a:srgbClr val="CCCCCC"/>
+                      </a:solidFill>
+                      <a:prstDash val="solid"/>
+                      <a:round/>
+                      <a:headEnd type="none" w="med" len="med"/>
+                      <a:tailEnd type="none" w="med" len="med"/>
+                    </a:lnT>
+                    <a:lnB w="9525" cap="flat" cmpd="sng" algn="ctr">
+                      <a:solidFill>
+                        <a:srgbClr val="CCCCCC"/>
+                      </a:solidFill>
+                      <a:prstDash val="solid"/>
+                      <a:round/>
+                      <a:headEnd type="none" w="med" len="med"/>
+                      <a:tailEnd type="none" w="med" len="med"/>
+                    </a:lnB>
+                    <a:solidFill>
+                      <a:srgbClr val="FFFFFF"/>
+                    </a:solidFill>
+                  </a:tcPr>
+                </a:tc>
+                <a:tc>
+                  <a:txBody>
+                    <a:bodyPr/>
+                    <a:lstStyle/>
+                    <a:p>
+                      <a:r>
+                        <a:rPr lang="en-US" sz="1200">
+                          <a:effectLst/>
+                        </a:rPr>
+                        <a:t>100% (15/ 15)</a:t>
+                      </a:r>
+                    </a:p>
+                  </a:txBody>
+                  <a:tcPr marL="10006" marR="10006" marT="10006" marB="10006" anchor="ctr">
+                    <a:lnL w="9525" cap="flat" cmpd="sng" algn="ctr">
+                      <a:solidFill>
+                        <a:srgbClr val="CCCCCC"/>
+                      </a:solidFill>
+                      <a:prstDash val="solid"/>
+                      <a:round/>
+                      <a:headEnd type="none" w="med" len="med"/>
+                      <a:tailEnd type="none" w="med" len="med"/>
+                    </a:lnL>
+                    <a:lnR w="9525" cap="flat" cmpd="sng" algn="ctr">
+                      <a:solidFill>
+                        <a:srgbClr val="CCCCCC"/>
+                      </a:solidFill>
+                      <a:prstDash val="solid"/>
+                      <a:round/>
+                      <a:headEnd type="none" w="med" len="med"/>
+                      <a:tailEnd type="none" w="med" len="med"/>
+                    </a:lnR>
+                    <a:lnT w="9525" cap="flat" cmpd="sng" algn="ctr">
+                      <a:solidFill>
+                        <a:srgbClr val="CCCCCC"/>
+                      </a:solidFill>
+                      <a:prstDash val="solid"/>
+                      <a:round/>
+                      <a:headEnd type="none" w="med" len="med"/>
+                      <a:tailEnd type="none" w="med" len="med"/>
+                    </a:lnT>
+                    <a:lnB w="9525" cap="flat" cmpd="sng" algn="ctr">
+                      <a:solidFill>
+                        <a:srgbClr val="CCCCCC"/>
+                      </a:solidFill>
+                      <a:prstDash val="solid"/>
+                      <a:round/>
+                      <a:headEnd type="none" w="med" len="med"/>
+                      <a:tailEnd type="none" w="med" len="med"/>
+                    </a:lnB>
+                    <a:solidFill>
+                      <a:srgbClr val="FFFFFF"/>
+                    </a:solidFill>
+                  </a:tcPr>
+                </a:tc>
+                <a:extLst>
+                  <a:ext uri="{0D108BD9-81ED-4DB2-BD59-A6C34878D82A}">
+                    <a16:rowId xmlns:a16="http://schemas.microsoft.com/office/drawing/2014/main" val="2954076237"/>
+                  </a:ext>
+                </a:extLst>
+              </a:tr>
+              <a:tr h="334272">
+                <a:tc>
+                  <a:txBody>
+                    <a:bodyPr/>
+                    <a:lstStyle/>
+                    <a:p>
+                      <a:r>
+                        <a:rPr lang="en-US" sz="1200" u="none" strike="noStrike">
+                          <a:solidFill>
+                            <a:srgbClr val="0254D0"/>
+                          </a:solidFill>
+                          <a:effectLst/>
+                          <a:hlinkClick r:id="rId15"/>
+                        </a:rPr>
+                        <a:t>WorkflowController</a:t>
+                      </a:r>
+                      <a:endParaRPr lang="en-US" sz="1200">
+                        <a:effectLst/>
+                      </a:endParaRPr>
+                    </a:p>
+                  </a:txBody>
+                  <a:tcPr marL="10006" marR="10006" marT="10006" marB="10006" anchor="ctr">
+                    <a:lnL w="9525" cap="flat" cmpd="sng" algn="ctr">
+                      <a:solidFill>
+                        <a:srgbClr val="CCCCCC"/>
+                      </a:solidFill>
+                      <a:prstDash val="solid"/>
+                      <a:round/>
+                      <a:headEnd type="none" w="med" len="med"/>
+                      <a:tailEnd type="none" w="med" len="med"/>
+                    </a:lnL>
+                    <a:lnR w="9525" cap="flat" cmpd="sng" algn="ctr">
+                      <a:solidFill>
+                        <a:srgbClr val="CCCCCC"/>
+                      </a:solidFill>
+                      <a:prstDash val="solid"/>
+                      <a:round/>
+                      <a:headEnd type="none" w="med" len="med"/>
+                      <a:tailEnd type="none" w="med" len="med"/>
+                    </a:lnR>
+                    <a:lnT w="9525" cap="flat" cmpd="sng" algn="ctr">
+                      <a:solidFill>
+                        <a:srgbClr val="CCCCCC"/>
+                      </a:solidFill>
+                      <a:prstDash val="solid"/>
+                      <a:round/>
+                      <a:headEnd type="none" w="med" len="med"/>
+                      <a:tailEnd type="none" w="med" len="med"/>
+                    </a:lnT>
+                    <a:lnB w="9525" cap="flat" cmpd="sng" algn="ctr">
+                      <a:solidFill>
+                        <a:srgbClr val="CCCCCC"/>
+                      </a:solidFill>
+                      <a:prstDash val="solid"/>
+                      <a:round/>
+                      <a:headEnd type="none" w="med" len="med"/>
+                      <a:tailEnd type="none" w="med" len="med"/>
+                    </a:lnB>
+                    <a:solidFill>
+                      <a:srgbClr val="FFFFFF"/>
+                    </a:solidFill>
+                  </a:tcPr>
+                </a:tc>
+                <a:tc>
+                  <a:txBody>
+                    <a:bodyPr/>
+                    <a:lstStyle/>
+                    <a:p>
+                      <a:r>
+                        <a:rPr lang="en-US" sz="1200">
+                          <a:effectLst/>
+                        </a:rPr>
+                        <a:t>100% (1/ 1)</a:t>
+                      </a:r>
+                    </a:p>
+                  </a:txBody>
+                  <a:tcPr marL="10006" marR="10006" marT="10006" marB="10006" anchor="ctr">
+                    <a:lnL w="9525" cap="flat" cmpd="sng" algn="ctr">
+                      <a:solidFill>
+                        <a:srgbClr val="CCCCCC"/>
+                      </a:solidFill>
+                      <a:prstDash val="solid"/>
+                      <a:round/>
+                      <a:headEnd type="none" w="med" len="med"/>
+                      <a:tailEnd type="none" w="med" len="med"/>
+                    </a:lnL>
+                    <a:lnR w="9525" cap="flat" cmpd="sng" algn="ctr">
+                      <a:solidFill>
+                        <a:srgbClr val="CCCCCC"/>
+                      </a:solidFill>
+                      <a:prstDash val="solid"/>
+                      <a:round/>
+                      <a:headEnd type="none" w="med" len="med"/>
+                      <a:tailEnd type="none" w="med" len="med"/>
+                    </a:lnR>
+                    <a:lnT w="9525" cap="flat" cmpd="sng" algn="ctr">
+                      <a:solidFill>
+                        <a:srgbClr val="CCCCCC"/>
+                      </a:solidFill>
+                      <a:prstDash val="solid"/>
+                      <a:round/>
+                      <a:headEnd type="none" w="med" len="med"/>
+                      <a:tailEnd type="none" w="med" len="med"/>
+                    </a:lnT>
+                    <a:lnB w="9525" cap="flat" cmpd="sng" algn="ctr">
+                      <a:solidFill>
+                        <a:srgbClr val="CCCCCC"/>
+                      </a:solidFill>
+                      <a:prstDash val="solid"/>
+                      <a:round/>
+                      <a:headEnd type="none" w="med" len="med"/>
+                      <a:tailEnd type="none" w="med" len="med"/>
+                    </a:lnB>
+                    <a:solidFill>
+                      <a:srgbClr val="FFFFFF"/>
+                    </a:solidFill>
+                  </a:tcPr>
+                </a:tc>
+                <a:tc>
+                  <a:txBody>
+                    <a:bodyPr/>
+                    <a:lstStyle/>
+                    <a:p>
+                      <a:r>
+                        <a:rPr lang="en-US" sz="1200">
+                          <a:effectLst/>
+                        </a:rPr>
+                        <a:t>100% (4/ 4)</a:t>
+                      </a:r>
+                    </a:p>
+                  </a:txBody>
+                  <a:tcPr marL="10006" marR="10006" marT="10006" marB="10006" anchor="ctr">
+                    <a:lnL w="9525" cap="flat" cmpd="sng" algn="ctr">
+                      <a:solidFill>
+                        <a:srgbClr val="CCCCCC"/>
+                      </a:solidFill>
+                      <a:prstDash val="solid"/>
+                      <a:round/>
+                      <a:headEnd type="none" w="med" len="med"/>
+                      <a:tailEnd type="none" w="med" len="med"/>
+                    </a:lnL>
+                    <a:lnR w="9525" cap="flat" cmpd="sng" algn="ctr">
+                      <a:solidFill>
+                        <a:srgbClr val="CCCCCC"/>
+                      </a:solidFill>
+                      <a:prstDash val="solid"/>
+                      <a:round/>
+                      <a:headEnd type="none" w="med" len="med"/>
+                      <a:tailEnd type="none" w="med" len="med"/>
+                    </a:lnR>
+                    <a:lnT w="9525" cap="flat" cmpd="sng" algn="ctr">
+                      <a:solidFill>
+                        <a:srgbClr val="CCCCCC"/>
+                      </a:solidFill>
+                      <a:prstDash val="solid"/>
+                      <a:round/>
+                      <a:headEnd type="none" w="med" len="med"/>
+                      <a:tailEnd type="none" w="med" len="med"/>
+                    </a:lnT>
+                    <a:lnB w="9525" cap="flat" cmpd="sng" algn="ctr">
+                      <a:solidFill>
+                        <a:srgbClr val="CCCCCC"/>
+                      </a:solidFill>
+                      <a:prstDash val="solid"/>
+                      <a:round/>
+                      <a:headEnd type="none" w="med" len="med"/>
+                      <a:tailEnd type="none" w="med" len="med"/>
+                    </a:lnB>
+                    <a:solidFill>
+                      <a:srgbClr val="FFFFFF"/>
+                    </a:solidFill>
+                  </a:tcPr>
+                </a:tc>
+                <a:tc>
+                  <a:txBody>
+                    <a:bodyPr/>
+                    <a:lstStyle/>
+                    <a:p>
+                      <a:r>
+                        <a:rPr lang="en-US" sz="1200" dirty="0">
+                          <a:effectLst/>
+                        </a:rPr>
+                        <a:t>100% (82/ 82)</a:t>
+                      </a:r>
+                    </a:p>
+                  </a:txBody>
+                  <a:tcPr marL="10006" marR="10006" marT="10006" marB="10006" anchor="ctr">
+                    <a:lnL w="9525" cap="flat" cmpd="sng" algn="ctr">
+                      <a:solidFill>
+                        <a:srgbClr val="CCCCCC"/>
+                      </a:solidFill>
+                      <a:prstDash val="solid"/>
+                      <a:round/>
+                      <a:headEnd type="none" w="med" len="med"/>
+                      <a:tailEnd type="none" w="med" len="med"/>
+                    </a:lnL>
+                    <a:lnR w="9525" cap="flat" cmpd="sng" algn="ctr">
+                      <a:solidFill>
+                        <a:srgbClr val="CCCCCC"/>
+                      </a:solidFill>
+                      <a:prstDash val="solid"/>
+                      <a:round/>
+                      <a:headEnd type="none" w="med" len="med"/>
+                      <a:tailEnd type="none" w="med" len="med"/>
+                    </a:lnR>
+                    <a:lnT w="9525" cap="flat" cmpd="sng" algn="ctr">
+                      <a:solidFill>
+                        <a:srgbClr val="CCCCCC"/>
+                      </a:solidFill>
+                      <a:prstDash val="solid"/>
+                      <a:round/>
+                      <a:headEnd type="none" w="med" len="med"/>
+                      <a:tailEnd type="none" w="med" len="med"/>
+                    </a:lnT>
+                    <a:lnB w="9525" cap="flat" cmpd="sng" algn="ctr">
+                      <a:solidFill>
+                        <a:srgbClr val="CCCCCC"/>
+                      </a:solidFill>
+                      <a:prstDash val="solid"/>
+                      <a:round/>
+                      <a:headEnd type="none" w="med" len="med"/>
+                      <a:tailEnd type="none" w="med" len="med"/>
+                    </a:lnB>
+                    <a:solidFill>
+                      <a:srgbClr val="FFFFFF"/>
+                    </a:solidFill>
+                  </a:tcPr>
+                </a:tc>
+                <a:extLst>
+                  <a:ext uri="{0D108BD9-81ED-4DB2-BD59-A6C34878D82A}">
+                    <a16:rowId xmlns:a16="http://schemas.microsoft.com/office/drawing/2014/main" val="2493134654"/>
+                  </a:ext>
+                </a:extLst>
+              </a:tr>
+            </a:tbl>
+          </a:graphicData>
+        </a:graphic>
+      </p:graphicFrame>
+      <p:graphicFrame>
+        <p:nvGraphicFramePr>
+          <p:cNvPr id="13" name="Table 12">
+            <a:extLst>
+              <a:ext uri="{FF2B5EF4-FFF2-40B4-BE49-F238E27FC236}">
+                <a16:creationId xmlns:a16="http://schemas.microsoft.com/office/drawing/2014/main" id="{CA5FDE93-C143-1040-8F67-99F043D5590F}"/>
+              </a:ext>
+            </a:extLst>
+          </p:cNvPr>
+          <p:cNvGraphicFramePr>
+            <a:graphicFrameLocks noGrp="1"/>
+          </p:cNvGraphicFramePr>
+          <p:nvPr>
+            <p:extLst>
+              <p:ext uri="{D42A27DB-BD31-4B8C-83A1-F6EECF244321}">
+                <p14:modId xmlns:p14="http://schemas.microsoft.com/office/powerpoint/2010/main" val="2684368830"/>
+              </p:ext>
+            </p:extLst>
+          </p:nvPr>
+        </p:nvGraphicFramePr>
+        <p:xfrm>
+          <a:off x="6096000" y="3180588"/>
+          <a:ext cx="5654936" cy="3544704"/>
+        </p:xfrm>
+        <a:graphic>
+          <a:graphicData uri="http://schemas.openxmlformats.org/drawingml/2006/table">
+            <a:tbl>
+              <a:tblPr/>
+              <a:tblGrid>
+                <a:gridCol w="2396300">
+                  <a:extLst>
+                    <a:ext uri="{9D8B030D-6E8A-4147-A177-3AD203B41FA5}">
+                      <a16:colId xmlns:a16="http://schemas.microsoft.com/office/drawing/2014/main" val="2110253915"/>
+                    </a:ext>
+                  </a:extLst>
+                </a:gridCol>
+                <a:gridCol w="1086212">
+                  <a:extLst>
+                    <a:ext uri="{9D8B030D-6E8A-4147-A177-3AD203B41FA5}">
+                      <a16:colId xmlns:a16="http://schemas.microsoft.com/office/drawing/2014/main" val="431505"/>
+                    </a:ext>
+                  </a:extLst>
+                </a:gridCol>
+                <a:gridCol w="1086212">
+                  <a:extLst>
+                    <a:ext uri="{9D8B030D-6E8A-4147-A177-3AD203B41FA5}">
+                      <a16:colId xmlns:a16="http://schemas.microsoft.com/office/drawing/2014/main" val="3968370803"/>
+                    </a:ext>
+                  </a:extLst>
+                </a:gridCol>
+                <a:gridCol w="1086212">
+                  <a:extLst>
+                    <a:ext uri="{9D8B030D-6E8A-4147-A177-3AD203B41FA5}">
+                      <a16:colId xmlns:a16="http://schemas.microsoft.com/office/drawing/2014/main" val="223747968"/>
+                    </a:ext>
+                  </a:extLst>
+                </a:gridCol>
+              </a:tblGrid>
+              <a:tr h="156757">
+                <a:tc>
+                  <a:txBody>
+                    <a:bodyPr/>
+                    <a:lstStyle/>
+                    <a:p>
+                      <a:pPr algn="l"/>
+                      <a:r>
+                        <a:rPr lang="en-US" sz="1200" b="1" u="sng">
+                          <a:solidFill>
+                            <a:srgbClr val="0254D0"/>
+                          </a:solidFill>
+                          <a:effectLst/>
+                          <a:hlinkClick r:id="rId2"/>
+                        </a:rPr>
+                        <a:t>Class</a:t>
+                      </a:r>
+                      <a:endParaRPr lang="en-US" sz="1200" b="1">
+                        <a:effectLst/>
+                      </a:endParaRPr>
+                    </a:p>
+                  </a:txBody>
+                  <a:tcPr marL="8684" marR="8684" marT="8684" marB="8684" anchor="ctr">
+                    <a:lnL w="9525" cap="flat" cmpd="sng" algn="ctr">
+                      <a:solidFill>
+                        <a:srgbClr val="CCCCCC"/>
+                      </a:solidFill>
+                      <a:prstDash val="solid"/>
+                      <a:round/>
+                      <a:headEnd type="none" w="med" len="med"/>
+                      <a:tailEnd type="none" w="med" len="med"/>
+                    </a:lnL>
+                    <a:lnR w="9525" cap="flat" cmpd="sng" algn="ctr">
+                      <a:solidFill>
+                        <a:srgbClr val="CCCCCC"/>
+                      </a:solidFill>
+                      <a:prstDash val="solid"/>
+                      <a:round/>
+                      <a:headEnd type="none" w="med" len="med"/>
+                      <a:tailEnd type="none" w="med" len="med"/>
+                    </a:lnR>
+                    <a:lnT w="9525" cap="flat" cmpd="sng" algn="ctr">
+                      <a:solidFill>
+                        <a:srgbClr val="CCCCCC"/>
+                      </a:solidFill>
+                      <a:prstDash val="solid"/>
+                      <a:round/>
+                      <a:headEnd type="none" w="med" len="med"/>
+                      <a:tailEnd type="none" w="med" len="med"/>
+                    </a:lnT>
+                    <a:lnB w="9525" cap="flat" cmpd="sng" algn="ctr">
+                      <a:solidFill>
+                        <a:srgbClr val="CCCCCC"/>
+                      </a:solidFill>
+                      <a:prstDash val="solid"/>
+                      <a:round/>
+                      <a:headEnd type="none" w="med" len="med"/>
+                      <a:tailEnd type="none" w="med" len="med"/>
+                    </a:lnB>
+                    <a:solidFill>
+                      <a:srgbClr val="FFFFFF"/>
+                    </a:solidFill>
+                  </a:tcPr>
+                </a:tc>
+                <a:tc>
+                  <a:txBody>
+                    <a:bodyPr/>
+                    <a:lstStyle/>
+                    <a:p>
+                      <a:pPr algn="l"/>
+                      <a:r>
+                        <a:rPr lang="en-US" sz="1200" b="1" u="none" strike="noStrike">
+                          <a:solidFill>
+                            <a:srgbClr val="0254D0"/>
+                          </a:solidFill>
+                          <a:effectLst/>
+                          <a:hlinkClick r:id="rId3"/>
+                        </a:rPr>
+                        <a:t>Class, %</a:t>
+                      </a:r>
+                      <a:endParaRPr lang="en-US" sz="1200" b="1">
+                        <a:effectLst/>
+                      </a:endParaRPr>
+                    </a:p>
+                  </a:txBody>
+                  <a:tcPr marL="8684" marR="8684" marT="8684" marB="8684" anchor="ctr">
+                    <a:lnL w="9525" cap="flat" cmpd="sng" algn="ctr">
+                      <a:solidFill>
+                        <a:srgbClr val="CCCCCC"/>
+                      </a:solidFill>
+                      <a:prstDash val="solid"/>
+                      <a:round/>
+                      <a:headEnd type="none" w="med" len="med"/>
+                      <a:tailEnd type="none" w="med" len="med"/>
+                    </a:lnL>
+                    <a:lnR w="9525" cap="flat" cmpd="sng" algn="ctr">
+                      <a:solidFill>
+                        <a:srgbClr val="CCCCCC"/>
+                      </a:solidFill>
+                      <a:prstDash val="solid"/>
+                      <a:round/>
+                      <a:headEnd type="none" w="med" len="med"/>
+                      <a:tailEnd type="none" w="med" len="med"/>
+                    </a:lnR>
+                    <a:lnT w="9525" cap="flat" cmpd="sng" algn="ctr">
+                      <a:solidFill>
+                        <a:srgbClr val="CCCCCC"/>
+                      </a:solidFill>
+                      <a:prstDash val="solid"/>
+                      <a:round/>
+                      <a:headEnd type="none" w="med" len="med"/>
+                      <a:tailEnd type="none" w="med" len="med"/>
+                    </a:lnT>
+                    <a:lnB w="9525" cap="flat" cmpd="sng" algn="ctr">
+                      <a:solidFill>
+                        <a:srgbClr val="CCCCCC"/>
+                      </a:solidFill>
+                      <a:prstDash val="solid"/>
+                      <a:round/>
+                      <a:headEnd type="none" w="med" len="med"/>
+                      <a:tailEnd type="none" w="med" len="med"/>
+                    </a:lnB>
+                    <a:solidFill>
+                      <a:srgbClr val="FFFFFF"/>
+                    </a:solidFill>
+                  </a:tcPr>
+                </a:tc>
+                <a:tc>
+                  <a:txBody>
+                    <a:bodyPr/>
+                    <a:lstStyle/>
+                    <a:p>
+                      <a:pPr algn="l"/>
+                      <a:r>
+                        <a:rPr lang="en-US" sz="1200" b="1" u="none" strike="noStrike">
+                          <a:solidFill>
+                            <a:srgbClr val="0254D0"/>
+                          </a:solidFill>
+                          <a:effectLst/>
+                          <a:hlinkClick r:id="rId4"/>
+                        </a:rPr>
+                        <a:t>Method, %</a:t>
+                      </a:r>
+                      <a:endParaRPr lang="en-US" sz="1200" b="1">
+                        <a:effectLst/>
+                      </a:endParaRPr>
+                    </a:p>
+                  </a:txBody>
+                  <a:tcPr marL="8684" marR="8684" marT="8684" marB="8684" anchor="ctr">
+                    <a:lnL w="9525" cap="flat" cmpd="sng" algn="ctr">
+                      <a:solidFill>
+                        <a:srgbClr val="CCCCCC"/>
+                      </a:solidFill>
+                      <a:prstDash val="solid"/>
+                      <a:round/>
+                      <a:headEnd type="none" w="med" len="med"/>
+                      <a:tailEnd type="none" w="med" len="med"/>
+                    </a:lnL>
+                    <a:lnR w="9525" cap="flat" cmpd="sng" algn="ctr">
+                      <a:solidFill>
+                        <a:srgbClr val="CCCCCC"/>
+                      </a:solidFill>
+                      <a:prstDash val="solid"/>
+                      <a:round/>
+                      <a:headEnd type="none" w="med" len="med"/>
+                      <a:tailEnd type="none" w="med" len="med"/>
+                    </a:lnR>
+                    <a:lnT w="9525" cap="flat" cmpd="sng" algn="ctr">
+                      <a:solidFill>
+                        <a:srgbClr val="CCCCCC"/>
+                      </a:solidFill>
+                      <a:prstDash val="solid"/>
+                      <a:round/>
+                      <a:headEnd type="none" w="med" len="med"/>
+                      <a:tailEnd type="none" w="med" len="med"/>
+                    </a:lnT>
+                    <a:lnB w="9525" cap="flat" cmpd="sng" algn="ctr">
+                      <a:solidFill>
+                        <a:srgbClr val="CCCCCC"/>
+                      </a:solidFill>
+                      <a:prstDash val="solid"/>
+                      <a:round/>
+                      <a:headEnd type="none" w="med" len="med"/>
+                      <a:tailEnd type="none" w="med" len="med"/>
+                    </a:lnB>
+                    <a:solidFill>
+                      <a:srgbClr val="FFFFFF"/>
+                    </a:solidFill>
+                  </a:tcPr>
+                </a:tc>
+                <a:tc>
+                  <a:txBody>
+                    <a:bodyPr/>
+                    <a:lstStyle/>
+                    <a:p>
+                      <a:pPr algn="l"/>
+                      <a:r>
+                        <a:rPr lang="en-US" sz="1200" b="1" u="none" strike="noStrike">
+                          <a:solidFill>
+                            <a:srgbClr val="0254D0"/>
+                          </a:solidFill>
+                          <a:effectLst/>
+                          <a:hlinkClick r:id="rId5"/>
+                        </a:rPr>
+                        <a:t>Line, %</a:t>
+                      </a:r>
+                      <a:endParaRPr lang="en-US" sz="1200" b="1">
+                        <a:effectLst/>
+                      </a:endParaRPr>
+                    </a:p>
+                  </a:txBody>
+                  <a:tcPr marL="8684" marR="8684" marT="8684" marB="8684" anchor="ctr">
+                    <a:lnL w="9525" cap="flat" cmpd="sng" algn="ctr">
+                      <a:solidFill>
+                        <a:srgbClr val="CCCCCC"/>
+                      </a:solidFill>
+                      <a:prstDash val="solid"/>
+                      <a:round/>
+                      <a:headEnd type="none" w="med" len="med"/>
+                      <a:tailEnd type="none" w="med" len="med"/>
+                    </a:lnL>
+                    <a:lnR w="9525" cap="flat" cmpd="sng" algn="ctr">
+                      <a:solidFill>
+                        <a:srgbClr val="CCCCCC"/>
+                      </a:solidFill>
+                      <a:prstDash val="solid"/>
+                      <a:round/>
+                      <a:headEnd type="none" w="med" len="med"/>
+                      <a:tailEnd type="none" w="med" len="med"/>
+                    </a:lnR>
+                    <a:lnT w="9525" cap="flat" cmpd="sng" algn="ctr">
+                      <a:solidFill>
+                        <a:srgbClr val="CCCCCC"/>
+                      </a:solidFill>
+                      <a:prstDash val="solid"/>
+                      <a:round/>
+                      <a:headEnd type="none" w="med" len="med"/>
+                      <a:tailEnd type="none" w="med" len="med"/>
+                    </a:lnT>
+                    <a:lnB w="9525" cap="flat" cmpd="sng" algn="ctr">
+                      <a:solidFill>
+                        <a:srgbClr val="CCCCCC"/>
+                      </a:solidFill>
+                      <a:prstDash val="solid"/>
+                      <a:round/>
+                      <a:headEnd type="none" w="med" len="med"/>
+                      <a:tailEnd type="none" w="med" len="med"/>
+                    </a:lnB>
+                    <a:solidFill>
+                      <a:srgbClr val="FFFFFF"/>
+                    </a:solidFill>
+                  </a:tcPr>
+                </a:tc>
+                <a:extLst>
+                  <a:ext uri="{0D108BD9-81ED-4DB2-BD59-A6C34878D82A}">
+                    <a16:rowId xmlns:a16="http://schemas.microsoft.com/office/drawing/2014/main" val="2527446539"/>
+                  </a:ext>
+                </a:extLst>
+              </a:tr>
+              <a:tr h="294396">
+                <a:tc>
+                  <a:txBody>
+                    <a:bodyPr/>
+                    <a:lstStyle/>
+                    <a:p>
+                      <a:r>
+                        <a:rPr lang="en-US" sz="1200" u="none" strike="noStrike">
+                          <a:solidFill>
+                            <a:srgbClr val="0254D0"/>
+                          </a:solidFill>
+                          <a:effectLst/>
+                          <a:hlinkClick r:id="rId16"/>
+                        </a:rPr>
+                        <a:t>ClientService</a:t>
+                      </a:r>
+                      <a:endParaRPr lang="en-US" sz="1200">
+                        <a:effectLst/>
+                      </a:endParaRPr>
+                    </a:p>
+                  </a:txBody>
+                  <a:tcPr marL="8684" marR="8684" marT="8684" marB="8684" anchor="ctr">
+                    <a:lnL w="9525" cap="flat" cmpd="sng" algn="ctr">
+                      <a:solidFill>
+                        <a:srgbClr val="CCCCCC"/>
+                      </a:solidFill>
+                      <a:prstDash val="solid"/>
+                      <a:round/>
+                      <a:headEnd type="none" w="med" len="med"/>
+                      <a:tailEnd type="none" w="med" len="med"/>
+                    </a:lnL>
+                    <a:lnR w="9525" cap="flat" cmpd="sng" algn="ctr">
+                      <a:solidFill>
+                        <a:srgbClr val="CCCCCC"/>
+                      </a:solidFill>
+                      <a:prstDash val="solid"/>
+                      <a:round/>
+                      <a:headEnd type="none" w="med" len="med"/>
+                      <a:tailEnd type="none" w="med" len="med"/>
+                    </a:lnR>
+                    <a:lnT w="9525" cap="flat" cmpd="sng" algn="ctr">
+                      <a:solidFill>
+                        <a:srgbClr val="CCCCCC"/>
+                      </a:solidFill>
+                      <a:prstDash val="solid"/>
+                      <a:round/>
+                      <a:headEnd type="none" w="med" len="med"/>
+                      <a:tailEnd type="none" w="med" len="med"/>
+                    </a:lnT>
+                    <a:lnB w="9525" cap="flat" cmpd="sng" algn="ctr">
+                      <a:solidFill>
+                        <a:srgbClr val="CCCCCC"/>
+                      </a:solidFill>
+                      <a:prstDash val="solid"/>
+                      <a:round/>
+                      <a:headEnd type="none" w="med" len="med"/>
+                      <a:tailEnd type="none" w="med" len="med"/>
+                    </a:lnB>
+                    <a:solidFill>
+                      <a:srgbClr val="FFFFFF"/>
+                    </a:solidFill>
+                  </a:tcPr>
+                </a:tc>
+                <a:tc>
+                  <a:txBody>
+                    <a:bodyPr/>
+                    <a:lstStyle/>
+                    <a:p>
+                      <a:r>
+                        <a:rPr lang="en-US" sz="1200">
+                          <a:effectLst/>
+                        </a:rPr>
+                        <a:t>100% (1/ 1)</a:t>
+                      </a:r>
+                    </a:p>
+                  </a:txBody>
+                  <a:tcPr marL="8684" marR="8684" marT="8684" marB="8684" anchor="ctr">
+                    <a:lnL w="9525" cap="flat" cmpd="sng" algn="ctr">
+                      <a:solidFill>
+                        <a:srgbClr val="CCCCCC"/>
+                      </a:solidFill>
+                      <a:prstDash val="solid"/>
+                      <a:round/>
+                      <a:headEnd type="none" w="med" len="med"/>
+                      <a:tailEnd type="none" w="med" len="med"/>
+                    </a:lnL>
+                    <a:lnR w="9525" cap="flat" cmpd="sng" algn="ctr">
+                      <a:solidFill>
+                        <a:srgbClr val="CCCCCC"/>
+                      </a:solidFill>
+                      <a:prstDash val="solid"/>
+                      <a:round/>
+                      <a:headEnd type="none" w="med" len="med"/>
+                      <a:tailEnd type="none" w="med" len="med"/>
+                    </a:lnR>
+                    <a:lnT w="9525" cap="flat" cmpd="sng" algn="ctr">
+                      <a:solidFill>
+                        <a:srgbClr val="CCCCCC"/>
+                      </a:solidFill>
+                      <a:prstDash val="solid"/>
+                      <a:round/>
+                      <a:headEnd type="none" w="med" len="med"/>
+                      <a:tailEnd type="none" w="med" len="med"/>
+                    </a:lnT>
+                    <a:lnB w="9525" cap="flat" cmpd="sng" algn="ctr">
+                      <a:solidFill>
+                        <a:srgbClr val="CCCCCC"/>
+                      </a:solidFill>
+                      <a:prstDash val="solid"/>
+                      <a:round/>
+                      <a:headEnd type="none" w="med" len="med"/>
+                      <a:tailEnd type="none" w="med" len="med"/>
+                    </a:lnB>
+                    <a:solidFill>
+                      <a:srgbClr val="FFFFFF"/>
+                    </a:solidFill>
+                  </a:tcPr>
+                </a:tc>
+                <a:tc>
+                  <a:txBody>
+                    <a:bodyPr/>
+                    <a:lstStyle/>
+                    <a:p>
+                      <a:r>
+                        <a:rPr lang="en-US" sz="1200">
+                          <a:effectLst/>
+                        </a:rPr>
+                        <a:t>100% (2/ 2)</a:t>
+                      </a:r>
+                    </a:p>
+                  </a:txBody>
+                  <a:tcPr marL="8684" marR="8684" marT="8684" marB="8684" anchor="ctr">
+                    <a:lnL w="9525" cap="flat" cmpd="sng" algn="ctr">
+                      <a:solidFill>
+                        <a:srgbClr val="CCCCCC"/>
+                      </a:solidFill>
+                      <a:prstDash val="solid"/>
+                      <a:round/>
+                      <a:headEnd type="none" w="med" len="med"/>
+                      <a:tailEnd type="none" w="med" len="med"/>
+                    </a:lnL>
+                    <a:lnR w="9525" cap="flat" cmpd="sng" algn="ctr">
+                      <a:solidFill>
+                        <a:srgbClr val="CCCCCC"/>
+                      </a:solidFill>
+                      <a:prstDash val="solid"/>
+                      <a:round/>
+                      <a:headEnd type="none" w="med" len="med"/>
+                      <a:tailEnd type="none" w="med" len="med"/>
+                    </a:lnR>
+                    <a:lnT w="9525" cap="flat" cmpd="sng" algn="ctr">
+                      <a:solidFill>
+                        <a:srgbClr val="CCCCCC"/>
+                      </a:solidFill>
+                      <a:prstDash val="solid"/>
+                      <a:round/>
+                      <a:headEnd type="none" w="med" len="med"/>
+                      <a:tailEnd type="none" w="med" len="med"/>
+                    </a:lnT>
+                    <a:lnB w="9525" cap="flat" cmpd="sng" algn="ctr">
+                      <a:solidFill>
+                        <a:srgbClr val="CCCCCC"/>
+                      </a:solidFill>
+                      <a:prstDash val="solid"/>
+                      <a:round/>
+                      <a:headEnd type="none" w="med" len="med"/>
+                      <a:tailEnd type="none" w="med" len="med"/>
+                    </a:lnB>
+                    <a:solidFill>
+                      <a:srgbClr val="FFFFFF"/>
+                    </a:solidFill>
+                  </a:tcPr>
+                </a:tc>
+                <a:tc>
+                  <a:txBody>
+                    <a:bodyPr/>
+                    <a:lstStyle/>
+                    <a:p>
+                      <a:r>
+                        <a:rPr lang="en-US" sz="1200">
+                          <a:effectLst/>
+                        </a:rPr>
+                        <a:t>100% (12/ 12)</a:t>
+                      </a:r>
+                    </a:p>
+                  </a:txBody>
+                  <a:tcPr marL="8684" marR="8684" marT="8684" marB="8684" anchor="ctr">
+                    <a:lnL w="9525" cap="flat" cmpd="sng" algn="ctr">
+                      <a:solidFill>
+                        <a:srgbClr val="CCCCCC"/>
+                      </a:solidFill>
+                      <a:prstDash val="solid"/>
+                      <a:round/>
+                      <a:headEnd type="none" w="med" len="med"/>
+                      <a:tailEnd type="none" w="med" len="med"/>
+                    </a:lnL>
+                    <a:lnR w="9525" cap="flat" cmpd="sng" algn="ctr">
+                      <a:solidFill>
+                        <a:srgbClr val="CCCCCC"/>
+                      </a:solidFill>
+                      <a:prstDash val="solid"/>
+                      <a:round/>
+                      <a:headEnd type="none" w="med" len="med"/>
+                      <a:tailEnd type="none" w="med" len="med"/>
+                    </a:lnR>
+                    <a:lnT w="9525" cap="flat" cmpd="sng" algn="ctr">
+                      <a:solidFill>
+                        <a:srgbClr val="CCCCCC"/>
+                      </a:solidFill>
+                      <a:prstDash val="solid"/>
+                      <a:round/>
+                      <a:headEnd type="none" w="med" len="med"/>
+                      <a:tailEnd type="none" w="med" len="med"/>
+                    </a:lnT>
+                    <a:lnB w="9525" cap="flat" cmpd="sng" algn="ctr">
+                      <a:solidFill>
+                        <a:srgbClr val="CCCCCC"/>
+                      </a:solidFill>
+                      <a:prstDash val="solid"/>
+                      <a:round/>
+                      <a:headEnd type="none" w="med" len="med"/>
+                      <a:tailEnd type="none" w="med" len="med"/>
+                    </a:lnB>
+                    <a:solidFill>
+                      <a:srgbClr val="FFFFFF"/>
+                    </a:solidFill>
+                  </a:tcPr>
+                </a:tc>
+                <a:extLst>
+                  <a:ext uri="{0D108BD9-81ED-4DB2-BD59-A6C34878D82A}">
+                    <a16:rowId xmlns:a16="http://schemas.microsoft.com/office/drawing/2014/main" val="3327531179"/>
+                  </a:ext>
+                </a:extLst>
+              </a:tr>
+              <a:tr h="294396">
+                <a:tc>
+                  <a:txBody>
+                    <a:bodyPr/>
+                    <a:lstStyle/>
+                    <a:p>
+                      <a:r>
+                        <a:rPr lang="en-US" sz="1200" u="none" strike="noStrike">
+                          <a:solidFill>
+                            <a:srgbClr val="0254D0"/>
+                          </a:solidFill>
+                          <a:effectLst/>
+                          <a:hlinkClick r:id="rId17"/>
+                        </a:rPr>
+                        <a:t>DefectService</a:t>
+                      </a:r>
+                      <a:endParaRPr lang="en-US" sz="1200">
+                        <a:effectLst/>
+                      </a:endParaRPr>
+                    </a:p>
+                  </a:txBody>
+                  <a:tcPr marL="8684" marR="8684" marT="8684" marB="8684" anchor="ctr">
+                    <a:lnL w="9525" cap="flat" cmpd="sng" algn="ctr">
+                      <a:solidFill>
+                        <a:srgbClr val="CCCCCC"/>
+                      </a:solidFill>
+                      <a:prstDash val="solid"/>
+                      <a:round/>
+                      <a:headEnd type="none" w="med" len="med"/>
+                      <a:tailEnd type="none" w="med" len="med"/>
+                    </a:lnL>
+                    <a:lnR w="9525" cap="flat" cmpd="sng" algn="ctr">
+                      <a:solidFill>
+                        <a:srgbClr val="CCCCCC"/>
+                      </a:solidFill>
+                      <a:prstDash val="solid"/>
+                      <a:round/>
+                      <a:headEnd type="none" w="med" len="med"/>
+                      <a:tailEnd type="none" w="med" len="med"/>
+                    </a:lnR>
+                    <a:lnT w="9525" cap="flat" cmpd="sng" algn="ctr">
+                      <a:solidFill>
+                        <a:srgbClr val="CCCCCC"/>
+                      </a:solidFill>
+                      <a:prstDash val="solid"/>
+                      <a:round/>
+                      <a:headEnd type="none" w="med" len="med"/>
+                      <a:tailEnd type="none" w="med" len="med"/>
+                    </a:lnT>
+                    <a:lnB w="9525" cap="flat" cmpd="sng" algn="ctr">
+                      <a:solidFill>
+                        <a:srgbClr val="CCCCCC"/>
+                      </a:solidFill>
+                      <a:prstDash val="solid"/>
+                      <a:round/>
+                      <a:headEnd type="none" w="med" len="med"/>
+                      <a:tailEnd type="none" w="med" len="med"/>
+                    </a:lnB>
+                    <a:solidFill>
+                      <a:srgbClr val="FFFFFF"/>
+                    </a:solidFill>
+                  </a:tcPr>
+                </a:tc>
+                <a:tc>
+                  <a:txBody>
+                    <a:bodyPr/>
+                    <a:lstStyle/>
+                    <a:p>
+                      <a:r>
+                        <a:rPr lang="en-US" sz="1200">
+                          <a:effectLst/>
+                        </a:rPr>
+                        <a:t>100% (1/ 1)</a:t>
+                      </a:r>
+                    </a:p>
+                  </a:txBody>
+                  <a:tcPr marL="8684" marR="8684" marT="8684" marB="8684" anchor="ctr">
+                    <a:lnL w="9525" cap="flat" cmpd="sng" algn="ctr">
+                      <a:solidFill>
+                        <a:srgbClr val="CCCCCC"/>
+                      </a:solidFill>
+                      <a:prstDash val="solid"/>
+                      <a:round/>
+                      <a:headEnd type="none" w="med" len="med"/>
+                      <a:tailEnd type="none" w="med" len="med"/>
+                    </a:lnL>
+                    <a:lnR w="9525" cap="flat" cmpd="sng" algn="ctr">
+                      <a:solidFill>
+                        <a:srgbClr val="CCCCCC"/>
+                      </a:solidFill>
+                      <a:prstDash val="solid"/>
+                      <a:round/>
+                      <a:headEnd type="none" w="med" len="med"/>
+                      <a:tailEnd type="none" w="med" len="med"/>
+                    </a:lnR>
+                    <a:lnT w="9525" cap="flat" cmpd="sng" algn="ctr">
+                      <a:solidFill>
+                        <a:srgbClr val="CCCCCC"/>
+                      </a:solidFill>
+                      <a:prstDash val="solid"/>
+                      <a:round/>
+                      <a:headEnd type="none" w="med" len="med"/>
+                      <a:tailEnd type="none" w="med" len="med"/>
+                    </a:lnT>
+                    <a:lnB w="9525" cap="flat" cmpd="sng" algn="ctr">
+                      <a:solidFill>
+                        <a:srgbClr val="CCCCCC"/>
+                      </a:solidFill>
+                      <a:prstDash val="solid"/>
+                      <a:round/>
+                      <a:headEnd type="none" w="med" len="med"/>
+                      <a:tailEnd type="none" w="med" len="med"/>
+                    </a:lnB>
+                    <a:solidFill>
+                      <a:srgbClr val="FFFFFF"/>
+                    </a:solidFill>
+                  </a:tcPr>
+                </a:tc>
+                <a:tc>
+                  <a:txBody>
+                    <a:bodyPr/>
+                    <a:lstStyle/>
+                    <a:p>
+                      <a:r>
+                        <a:rPr lang="en-US" sz="1200">
+                          <a:effectLst/>
+                        </a:rPr>
+                        <a:t>100% (7/ 7)</a:t>
+                      </a:r>
+                    </a:p>
+                  </a:txBody>
+                  <a:tcPr marL="8684" marR="8684" marT="8684" marB="8684" anchor="ctr">
+                    <a:lnL w="9525" cap="flat" cmpd="sng" algn="ctr">
+                      <a:solidFill>
+                        <a:srgbClr val="CCCCCC"/>
+                      </a:solidFill>
+                      <a:prstDash val="solid"/>
+                      <a:round/>
+                      <a:headEnd type="none" w="med" len="med"/>
+                      <a:tailEnd type="none" w="med" len="med"/>
+                    </a:lnL>
+                    <a:lnR w="9525" cap="flat" cmpd="sng" algn="ctr">
+                      <a:solidFill>
+                        <a:srgbClr val="CCCCCC"/>
+                      </a:solidFill>
+                      <a:prstDash val="solid"/>
+                      <a:round/>
+                      <a:headEnd type="none" w="med" len="med"/>
+                      <a:tailEnd type="none" w="med" len="med"/>
+                    </a:lnR>
+                    <a:lnT w="9525" cap="flat" cmpd="sng" algn="ctr">
+                      <a:solidFill>
+                        <a:srgbClr val="CCCCCC"/>
+                      </a:solidFill>
+                      <a:prstDash val="solid"/>
+                      <a:round/>
+                      <a:headEnd type="none" w="med" len="med"/>
+                      <a:tailEnd type="none" w="med" len="med"/>
+                    </a:lnT>
+                    <a:lnB w="9525" cap="flat" cmpd="sng" algn="ctr">
+                      <a:solidFill>
+                        <a:srgbClr val="CCCCCC"/>
+                      </a:solidFill>
+                      <a:prstDash val="solid"/>
+                      <a:round/>
+                      <a:headEnd type="none" w="med" len="med"/>
+                      <a:tailEnd type="none" w="med" len="med"/>
+                    </a:lnB>
+                    <a:solidFill>
+                      <a:srgbClr val="FFFFFF"/>
+                    </a:solidFill>
+                  </a:tcPr>
+                </a:tc>
+                <a:tc>
+                  <a:txBody>
+                    <a:bodyPr/>
+                    <a:lstStyle/>
+                    <a:p>
+                      <a:r>
+                        <a:rPr lang="en-US" sz="1200">
+                          <a:effectLst/>
+                        </a:rPr>
+                        <a:t>100% (165/ 165)</a:t>
+                      </a:r>
+                    </a:p>
+                  </a:txBody>
+                  <a:tcPr marL="8684" marR="8684" marT="8684" marB="8684" anchor="ctr">
+                    <a:lnL w="9525" cap="flat" cmpd="sng" algn="ctr">
+                      <a:solidFill>
+                        <a:srgbClr val="CCCCCC"/>
+                      </a:solidFill>
+                      <a:prstDash val="solid"/>
+                      <a:round/>
+                      <a:headEnd type="none" w="med" len="med"/>
+                      <a:tailEnd type="none" w="med" len="med"/>
+                    </a:lnL>
+                    <a:lnR w="9525" cap="flat" cmpd="sng" algn="ctr">
+                      <a:solidFill>
+                        <a:srgbClr val="CCCCCC"/>
+                      </a:solidFill>
+                      <a:prstDash val="solid"/>
+                      <a:round/>
+                      <a:headEnd type="none" w="med" len="med"/>
+                      <a:tailEnd type="none" w="med" len="med"/>
+                    </a:lnR>
+                    <a:lnT w="9525" cap="flat" cmpd="sng" algn="ctr">
+                      <a:solidFill>
+                        <a:srgbClr val="CCCCCC"/>
+                      </a:solidFill>
+                      <a:prstDash val="solid"/>
+                      <a:round/>
+                      <a:headEnd type="none" w="med" len="med"/>
+                      <a:tailEnd type="none" w="med" len="med"/>
+                    </a:lnT>
+                    <a:lnB w="9525" cap="flat" cmpd="sng" algn="ctr">
+                      <a:solidFill>
+                        <a:srgbClr val="CCCCCC"/>
+                      </a:solidFill>
+                      <a:prstDash val="solid"/>
+                      <a:round/>
+                      <a:headEnd type="none" w="med" len="med"/>
+                      <a:tailEnd type="none" w="med" len="med"/>
+                    </a:lnB>
+                    <a:solidFill>
+                      <a:srgbClr val="FFFFFF"/>
+                    </a:solidFill>
+                  </a:tcPr>
+                </a:tc>
+                <a:extLst>
+                  <a:ext uri="{0D108BD9-81ED-4DB2-BD59-A6C34878D82A}">
+                    <a16:rowId xmlns:a16="http://schemas.microsoft.com/office/drawing/2014/main" val="3444530588"/>
+                  </a:ext>
+                </a:extLst>
+              </a:tr>
+              <a:tr h="294396">
+                <a:tc>
+                  <a:txBody>
+                    <a:bodyPr/>
+                    <a:lstStyle/>
+                    <a:p>
+                      <a:r>
+                        <a:rPr lang="en-US" sz="1200" u="none" strike="noStrike">
+                          <a:solidFill>
+                            <a:srgbClr val="0254D0"/>
+                          </a:solidFill>
+                          <a:effectLst/>
+                          <a:hlinkClick r:id="rId18"/>
+                        </a:rPr>
+                        <a:t>EmployeeService</a:t>
+                      </a:r>
+                      <a:endParaRPr lang="en-US" sz="1200">
+                        <a:effectLst/>
+                      </a:endParaRPr>
+                    </a:p>
+                  </a:txBody>
+                  <a:tcPr marL="8684" marR="8684" marT="8684" marB="8684" anchor="ctr">
+                    <a:lnL w="9525" cap="flat" cmpd="sng" algn="ctr">
+                      <a:solidFill>
+                        <a:srgbClr val="CCCCCC"/>
+                      </a:solidFill>
+                      <a:prstDash val="solid"/>
+                      <a:round/>
+                      <a:headEnd type="none" w="med" len="med"/>
+                      <a:tailEnd type="none" w="med" len="med"/>
+                    </a:lnL>
+                    <a:lnR w="9525" cap="flat" cmpd="sng" algn="ctr">
+                      <a:solidFill>
+                        <a:srgbClr val="CCCCCC"/>
+                      </a:solidFill>
+                      <a:prstDash val="solid"/>
+                      <a:round/>
+                      <a:headEnd type="none" w="med" len="med"/>
+                      <a:tailEnd type="none" w="med" len="med"/>
+                    </a:lnR>
+                    <a:lnT w="9525" cap="flat" cmpd="sng" algn="ctr">
+                      <a:solidFill>
+                        <a:srgbClr val="CCCCCC"/>
+                      </a:solidFill>
+                      <a:prstDash val="solid"/>
+                      <a:round/>
+                      <a:headEnd type="none" w="med" len="med"/>
+                      <a:tailEnd type="none" w="med" len="med"/>
+                    </a:lnT>
+                    <a:lnB w="9525" cap="flat" cmpd="sng" algn="ctr">
+                      <a:solidFill>
+                        <a:srgbClr val="CCCCCC"/>
+                      </a:solidFill>
+                      <a:prstDash val="solid"/>
+                      <a:round/>
+                      <a:headEnd type="none" w="med" len="med"/>
+                      <a:tailEnd type="none" w="med" len="med"/>
+                    </a:lnB>
+                    <a:solidFill>
+                      <a:srgbClr val="FFFFFF"/>
+                    </a:solidFill>
+                  </a:tcPr>
+                </a:tc>
+                <a:tc>
+                  <a:txBody>
+                    <a:bodyPr/>
+                    <a:lstStyle/>
+                    <a:p>
+                      <a:r>
+                        <a:rPr lang="en-US" sz="1200">
+                          <a:effectLst/>
+                        </a:rPr>
+                        <a:t>100% (1/ 1)</a:t>
+                      </a:r>
+                    </a:p>
+                  </a:txBody>
+                  <a:tcPr marL="8684" marR="8684" marT="8684" marB="8684" anchor="ctr">
+                    <a:lnL w="9525" cap="flat" cmpd="sng" algn="ctr">
+                      <a:solidFill>
+                        <a:srgbClr val="CCCCCC"/>
+                      </a:solidFill>
+                      <a:prstDash val="solid"/>
+                      <a:round/>
+                      <a:headEnd type="none" w="med" len="med"/>
+                      <a:tailEnd type="none" w="med" len="med"/>
+                    </a:lnL>
+                    <a:lnR w="9525" cap="flat" cmpd="sng" algn="ctr">
+                      <a:solidFill>
+                        <a:srgbClr val="CCCCCC"/>
+                      </a:solidFill>
+                      <a:prstDash val="solid"/>
+                      <a:round/>
+                      <a:headEnd type="none" w="med" len="med"/>
+                      <a:tailEnd type="none" w="med" len="med"/>
+                    </a:lnR>
+                    <a:lnT w="9525" cap="flat" cmpd="sng" algn="ctr">
+                      <a:solidFill>
+                        <a:srgbClr val="CCCCCC"/>
+                      </a:solidFill>
+                      <a:prstDash val="solid"/>
+                      <a:round/>
+                      <a:headEnd type="none" w="med" len="med"/>
+                      <a:tailEnd type="none" w="med" len="med"/>
+                    </a:lnT>
+                    <a:lnB w="9525" cap="flat" cmpd="sng" algn="ctr">
+                      <a:solidFill>
+                        <a:srgbClr val="CCCCCC"/>
+                      </a:solidFill>
+                      <a:prstDash val="solid"/>
+                      <a:round/>
+                      <a:headEnd type="none" w="med" len="med"/>
+                      <a:tailEnd type="none" w="med" len="med"/>
+                    </a:lnB>
+                    <a:solidFill>
+                      <a:srgbClr val="FFFFFF"/>
+                    </a:solidFill>
+                  </a:tcPr>
+                </a:tc>
+                <a:tc>
+                  <a:txBody>
+                    <a:bodyPr/>
+                    <a:lstStyle/>
+                    <a:p>
+                      <a:r>
+                        <a:rPr lang="en-US" sz="1200">
+                          <a:effectLst/>
+                        </a:rPr>
+                        <a:t>100% (6/ 6)</a:t>
+                      </a:r>
+                    </a:p>
+                  </a:txBody>
+                  <a:tcPr marL="8684" marR="8684" marT="8684" marB="8684" anchor="ctr">
+                    <a:lnL w="9525" cap="flat" cmpd="sng" algn="ctr">
+                      <a:solidFill>
+                        <a:srgbClr val="CCCCCC"/>
+                      </a:solidFill>
+                      <a:prstDash val="solid"/>
+                      <a:round/>
+                      <a:headEnd type="none" w="med" len="med"/>
+                      <a:tailEnd type="none" w="med" len="med"/>
+                    </a:lnL>
+                    <a:lnR w="9525" cap="flat" cmpd="sng" algn="ctr">
+                      <a:solidFill>
+                        <a:srgbClr val="CCCCCC"/>
+                      </a:solidFill>
+                      <a:prstDash val="solid"/>
+                      <a:round/>
+                      <a:headEnd type="none" w="med" len="med"/>
+                      <a:tailEnd type="none" w="med" len="med"/>
+                    </a:lnR>
+                    <a:lnT w="9525" cap="flat" cmpd="sng" algn="ctr">
+                      <a:solidFill>
+                        <a:srgbClr val="CCCCCC"/>
+                      </a:solidFill>
+                      <a:prstDash val="solid"/>
+                      <a:round/>
+                      <a:headEnd type="none" w="med" len="med"/>
+                      <a:tailEnd type="none" w="med" len="med"/>
+                    </a:lnT>
+                    <a:lnB w="9525" cap="flat" cmpd="sng" algn="ctr">
+                      <a:solidFill>
+                        <a:srgbClr val="CCCCCC"/>
+                      </a:solidFill>
+                      <a:prstDash val="solid"/>
+                      <a:round/>
+                      <a:headEnd type="none" w="med" len="med"/>
+                      <a:tailEnd type="none" w="med" len="med"/>
+                    </a:lnB>
+                    <a:solidFill>
+                      <a:srgbClr val="FFFFFF"/>
+                    </a:solidFill>
+                  </a:tcPr>
+                </a:tc>
+                <a:tc>
+                  <a:txBody>
+                    <a:bodyPr/>
+                    <a:lstStyle/>
+                    <a:p>
+                      <a:r>
+                        <a:rPr lang="en-US" sz="1200">
+                          <a:effectLst/>
+                        </a:rPr>
+                        <a:t>100% (80/ 80)</a:t>
+                      </a:r>
+                    </a:p>
+                  </a:txBody>
+                  <a:tcPr marL="8684" marR="8684" marT="8684" marB="8684" anchor="ctr">
+                    <a:lnL w="9525" cap="flat" cmpd="sng" algn="ctr">
+                      <a:solidFill>
+                        <a:srgbClr val="CCCCCC"/>
+                      </a:solidFill>
+                      <a:prstDash val="solid"/>
+                      <a:round/>
+                      <a:headEnd type="none" w="med" len="med"/>
+                      <a:tailEnd type="none" w="med" len="med"/>
+                    </a:lnL>
+                    <a:lnR w="9525" cap="flat" cmpd="sng" algn="ctr">
+                      <a:solidFill>
+                        <a:srgbClr val="CCCCCC"/>
+                      </a:solidFill>
+                      <a:prstDash val="solid"/>
+                      <a:round/>
+                      <a:headEnd type="none" w="med" len="med"/>
+                      <a:tailEnd type="none" w="med" len="med"/>
+                    </a:lnR>
+                    <a:lnT w="9525" cap="flat" cmpd="sng" algn="ctr">
+                      <a:solidFill>
+                        <a:srgbClr val="CCCCCC"/>
+                      </a:solidFill>
+                      <a:prstDash val="solid"/>
+                      <a:round/>
+                      <a:headEnd type="none" w="med" len="med"/>
+                      <a:tailEnd type="none" w="med" len="med"/>
+                    </a:lnT>
+                    <a:lnB w="9525" cap="flat" cmpd="sng" algn="ctr">
+                      <a:solidFill>
+                        <a:srgbClr val="CCCCCC"/>
+                      </a:solidFill>
+                      <a:prstDash val="solid"/>
+                      <a:round/>
+                      <a:headEnd type="none" w="med" len="med"/>
+                      <a:tailEnd type="none" w="med" len="med"/>
+                    </a:lnB>
+                    <a:solidFill>
+                      <a:srgbClr val="FFFFFF"/>
+                    </a:solidFill>
+                  </a:tcPr>
+                </a:tc>
+                <a:extLst>
+                  <a:ext uri="{0D108BD9-81ED-4DB2-BD59-A6C34878D82A}">
+                    <a16:rowId xmlns:a16="http://schemas.microsoft.com/office/drawing/2014/main" val="4114157256"/>
+                  </a:ext>
+                </a:extLst>
+              </a:tr>
+              <a:tr h="156757">
+                <a:tc>
+                  <a:txBody>
+                    <a:bodyPr/>
+                    <a:lstStyle/>
+                    <a:p>
+                      <a:r>
+                        <a:rPr lang="en-US" sz="1200" u="none" strike="noStrike">
+                          <a:solidFill>
+                            <a:srgbClr val="0254D0"/>
+                          </a:solidFill>
+                          <a:effectLst/>
+                          <a:hlinkClick r:id="rId19"/>
+                        </a:rPr>
+                        <a:t>FileService</a:t>
+                      </a:r>
+                      <a:endParaRPr lang="en-US" sz="1200">
+                        <a:effectLst/>
+                      </a:endParaRPr>
+                    </a:p>
+                  </a:txBody>
+                  <a:tcPr marL="8684" marR="8684" marT="8684" marB="8684" anchor="ctr">
+                    <a:lnL w="9525" cap="flat" cmpd="sng" algn="ctr">
+                      <a:solidFill>
+                        <a:srgbClr val="CCCCCC"/>
+                      </a:solidFill>
+                      <a:prstDash val="solid"/>
+                      <a:round/>
+                      <a:headEnd type="none" w="med" len="med"/>
+                      <a:tailEnd type="none" w="med" len="med"/>
+                    </a:lnL>
+                    <a:lnR w="9525" cap="flat" cmpd="sng" algn="ctr">
+                      <a:solidFill>
+                        <a:srgbClr val="CCCCCC"/>
+                      </a:solidFill>
+                      <a:prstDash val="solid"/>
+                      <a:round/>
+                      <a:headEnd type="none" w="med" len="med"/>
+                      <a:tailEnd type="none" w="med" len="med"/>
+                    </a:lnR>
+                    <a:lnT w="9525" cap="flat" cmpd="sng" algn="ctr">
+                      <a:solidFill>
+                        <a:srgbClr val="CCCCCC"/>
+                      </a:solidFill>
+                      <a:prstDash val="solid"/>
+                      <a:round/>
+                      <a:headEnd type="none" w="med" len="med"/>
+                      <a:tailEnd type="none" w="med" len="med"/>
+                    </a:lnT>
+                    <a:lnB w="9525" cap="flat" cmpd="sng" algn="ctr">
+                      <a:solidFill>
+                        <a:srgbClr val="CCCCCC"/>
+                      </a:solidFill>
+                      <a:prstDash val="solid"/>
+                      <a:round/>
+                      <a:headEnd type="none" w="med" len="med"/>
+                      <a:tailEnd type="none" w="med" len="med"/>
+                    </a:lnB>
+                    <a:solidFill>
+                      <a:srgbClr val="FFFFFF"/>
+                    </a:solidFill>
+                  </a:tcPr>
+                </a:tc>
+                <a:tc>
+                  <a:txBody>
+                    <a:bodyPr/>
+                    <a:lstStyle/>
+                    <a:p>
+                      <a:r>
+                        <a:rPr lang="en-US" sz="1200">
+                          <a:effectLst/>
+                        </a:rPr>
+                        <a:t>0% (0/ 1)</a:t>
+                      </a:r>
+                    </a:p>
+                  </a:txBody>
+                  <a:tcPr marL="8684" marR="8684" marT="8684" marB="8684" anchor="ctr">
+                    <a:lnL w="9525" cap="flat" cmpd="sng" algn="ctr">
+                      <a:solidFill>
+                        <a:srgbClr val="CCCCCC"/>
+                      </a:solidFill>
+                      <a:prstDash val="solid"/>
+                      <a:round/>
+                      <a:headEnd type="none" w="med" len="med"/>
+                      <a:tailEnd type="none" w="med" len="med"/>
+                    </a:lnL>
+                    <a:lnR w="9525" cap="flat" cmpd="sng" algn="ctr">
+                      <a:solidFill>
+                        <a:srgbClr val="CCCCCC"/>
+                      </a:solidFill>
+                      <a:prstDash val="solid"/>
+                      <a:round/>
+                      <a:headEnd type="none" w="med" len="med"/>
+                      <a:tailEnd type="none" w="med" len="med"/>
+                    </a:lnR>
+                    <a:lnT w="9525" cap="flat" cmpd="sng" algn="ctr">
+                      <a:solidFill>
+                        <a:srgbClr val="CCCCCC"/>
+                      </a:solidFill>
+                      <a:prstDash val="solid"/>
+                      <a:round/>
+                      <a:headEnd type="none" w="med" len="med"/>
+                      <a:tailEnd type="none" w="med" len="med"/>
+                    </a:lnT>
+                    <a:lnB w="9525" cap="flat" cmpd="sng" algn="ctr">
+                      <a:solidFill>
+                        <a:srgbClr val="CCCCCC"/>
+                      </a:solidFill>
+                      <a:prstDash val="solid"/>
+                      <a:round/>
+                      <a:headEnd type="none" w="med" len="med"/>
+                      <a:tailEnd type="none" w="med" len="med"/>
+                    </a:lnB>
+                    <a:solidFill>
+                      <a:srgbClr val="FFFFFF"/>
+                    </a:solidFill>
+                  </a:tcPr>
+                </a:tc>
+                <a:tc>
+                  <a:txBody>
+                    <a:bodyPr/>
+                    <a:lstStyle/>
+                    <a:p>
+                      <a:r>
+                        <a:rPr lang="en-US" sz="1200">
+                          <a:effectLst/>
+                        </a:rPr>
+                        <a:t>0% (0/ 2)</a:t>
+                      </a:r>
+                    </a:p>
+                  </a:txBody>
+                  <a:tcPr marL="8684" marR="8684" marT="8684" marB="8684" anchor="ctr">
+                    <a:lnL w="9525" cap="flat" cmpd="sng" algn="ctr">
+                      <a:solidFill>
+                        <a:srgbClr val="CCCCCC"/>
+                      </a:solidFill>
+                      <a:prstDash val="solid"/>
+                      <a:round/>
+                      <a:headEnd type="none" w="med" len="med"/>
+                      <a:tailEnd type="none" w="med" len="med"/>
+                    </a:lnL>
+                    <a:lnR w="9525" cap="flat" cmpd="sng" algn="ctr">
+                      <a:solidFill>
+                        <a:srgbClr val="CCCCCC"/>
+                      </a:solidFill>
+                      <a:prstDash val="solid"/>
+                      <a:round/>
+                      <a:headEnd type="none" w="med" len="med"/>
+                      <a:tailEnd type="none" w="med" len="med"/>
+                    </a:lnR>
+                    <a:lnT w="9525" cap="flat" cmpd="sng" algn="ctr">
+                      <a:solidFill>
+                        <a:srgbClr val="CCCCCC"/>
+                      </a:solidFill>
+                      <a:prstDash val="solid"/>
+                      <a:round/>
+                      <a:headEnd type="none" w="med" len="med"/>
+                      <a:tailEnd type="none" w="med" len="med"/>
+                    </a:lnT>
+                    <a:lnB w="9525" cap="flat" cmpd="sng" algn="ctr">
+                      <a:solidFill>
+                        <a:srgbClr val="CCCCCC"/>
+                      </a:solidFill>
+                      <a:prstDash val="solid"/>
+                      <a:round/>
+                      <a:headEnd type="none" w="med" len="med"/>
+                      <a:tailEnd type="none" w="med" len="med"/>
+                    </a:lnB>
+                    <a:solidFill>
+                      <a:srgbClr val="FFFFFF"/>
+                    </a:solidFill>
+                  </a:tcPr>
+                </a:tc>
+                <a:tc>
+                  <a:txBody>
+                    <a:bodyPr/>
+                    <a:lstStyle/>
+                    <a:p>
+                      <a:r>
+                        <a:rPr lang="en-US" sz="1200">
+                          <a:effectLst/>
+                        </a:rPr>
+                        <a:t>0% (0/ 28)</a:t>
+                      </a:r>
+                    </a:p>
+                  </a:txBody>
+                  <a:tcPr marL="8684" marR="8684" marT="8684" marB="8684" anchor="ctr">
+                    <a:lnL w="9525" cap="flat" cmpd="sng" algn="ctr">
+                      <a:solidFill>
+                        <a:srgbClr val="CCCCCC"/>
+                      </a:solidFill>
+                      <a:prstDash val="solid"/>
+                      <a:round/>
+                      <a:headEnd type="none" w="med" len="med"/>
+                      <a:tailEnd type="none" w="med" len="med"/>
+                    </a:lnL>
+                    <a:lnR w="9525" cap="flat" cmpd="sng" algn="ctr">
+                      <a:solidFill>
+                        <a:srgbClr val="CCCCCC"/>
+                      </a:solidFill>
+                      <a:prstDash val="solid"/>
+                      <a:round/>
+                      <a:headEnd type="none" w="med" len="med"/>
+                      <a:tailEnd type="none" w="med" len="med"/>
+                    </a:lnR>
+                    <a:lnT w="9525" cap="flat" cmpd="sng" algn="ctr">
+                      <a:solidFill>
+                        <a:srgbClr val="CCCCCC"/>
+                      </a:solidFill>
+                      <a:prstDash val="solid"/>
+                      <a:round/>
+                      <a:headEnd type="none" w="med" len="med"/>
+                      <a:tailEnd type="none" w="med" len="med"/>
+                    </a:lnT>
+                    <a:lnB w="9525" cap="flat" cmpd="sng" algn="ctr">
+                      <a:solidFill>
+                        <a:srgbClr val="CCCCCC"/>
+                      </a:solidFill>
+                      <a:prstDash val="solid"/>
+                      <a:round/>
+                      <a:headEnd type="none" w="med" len="med"/>
+                      <a:tailEnd type="none" w="med" len="med"/>
+                    </a:lnB>
+                    <a:solidFill>
+                      <a:srgbClr val="FFFFFF"/>
+                    </a:solidFill>
+                  </a:tcPr>
+                </a:tc>
+                <a:extLst>
+                  <a:ext uri="{0D108BD9-81ED-4DB2-BD59-A6C34878D82A}">
+                    <a16:rowId xmlns:a16="http://schemas.microsoft.com/office/drawing/2014/main" val="873391945"/>
+                  </a:ext>
+                </a:extLst>
+              </a:tr>
+              <a:tr h="156757">
+                <a:tc>
+                  <a:txBody>
+                    <a:bodyPr/>
+                    <a:lstStyle/>
+                    <a:p>
+                      <a:r>
+                        <a:rPr lang="en-US" sz="1200" u="none" strike="noStrike">
+                          <a:solidFill>
+                            <a:srgbClr val="0254D0"/>
+                          </a:solidFill>
+                          <a:effectLst/>
+                          <a:hlinkClick r:id="rId20"/>
+                        </a:rPr>
+                        <a:t>MailService</a:t>
+                      </a:r>
+                      <a:endParaRPr lang="en-US" sz="1200">
+                        <a:effectLst/>
+                      </a:endParaRPr>
+                    </a:p>
+                  </a:txBody>
+                  <a:tcPr marL="8684" marR="8684" marT="8684" marB="8684" anchor="ctr">
+                    <a:lnL w="9525" cap="flat" cmpd="sng" algn="ctr">
+                      <a:solidFill>
+                        <a:srgbClr val="CCCCCC"/>
+                      </a:solidFill>
+                      <a:prstDash val="solid"/>
+                      <a:round/>
+                      <a:headEnd type="none" w="med" len="med"/>
+                      <a:tailEnd type="none" w="med" len="med"/>
+                    </a:lnL>
+                    <a:lnR w="9525" cap="flat" cmpd="sng" algn="ctr">
+                      <a:solidFill>
+                        <a:srgbClr val="CCCCCC"/>
+                      </a:solidFill>
+                      <a:prstDash val="solid"/>
+                      <a:round/>
+                      <a:headEnd type="none" w="med" len="med"/>
+                      <a:tailEnd type="none" w="med" len="med"/>
+                    </a:lnR>
+                    <a:lnT w="9525" cap="flat" cmpd="sng" algn="ctr">
+                      <a:solidFill>
+                        <a:srgbClr val="CCCCCC"/>
+                      </a:solidFill>
+                      <a:prstDash val="solid"/>
+                      <a:round/>
+                      <a:headEnd type="none" w="med" len="med"/>
+                      <a:tailEnd type="none" w="med" len="med"/>
+                    </a:lnT>
+                    <a:lnB w="9525" cap="flat" cmpd="sng" algn="ctr">
+                      <a:solidFill>
+                        <a:srgbClr val="CCCCCC"/>
+                      </a:solidFill>
+                      <a:prstDash val="solid"/>
+                      <a:round/>
+                      <a:headEnd type="none" w="med" len="med"/>
+                      <a:tailEnd type="none" w="med" len="med"/>
+                    </a:lnB>
+                    <a:solidFill>
+                      <a:srgbClr val="FFFFFF"/>
+                    </a:solidFill>
+                  </a:tcPr>
+                </a:tc>
+                <a:tc>
+                  <a:txBody>
+                    <a:bodyPr/>
+                    <a:lstStyle/>
+                    <a:p>
+                      <a:r>
+                        <a:rPr lang="en-US" sz="1200">
+                          <a:effectLst/>
+                        </a:rPr>
+                        <a:t>100% (1/ 1)</a:t>
+                      </a:r>
+                    </a:p>
+                  </a:txBody>
+                  <a:tcPr marL="8684" marR="8684" marT="8684" marB="8684" anchor="ctr">
+                    <a:lnL w="9525" cap="flat" cmpd="sng" algn="ctr">
+                      <a:solidFill>
+                        <a:srgbClr val="CCCCCC"/>
+                      </a:solidFill>
+                      <a:prstDash val="solid"/>
+                      <a:round/>
+                      <a:headEnd type="none" w="med" len="med"/>
+                      <a:tailEnd type="none" w="med" len="med"/>
+                    </a:lnL>
+                    <a:lnR w="9525" cap="flat" cmpd="sng" algn="ctr">
+                      <a:solidFill>
+                        <a:srgbClr val="CCCCCC"/>
+                      </a:solidFill>
+                      <a:prstDash val="solid"/>
+                      <a:round/>
+                      <a:headEnd type="none" w="med" len="med"/>
+                      <a:tailEnd type="none" w="med" len="med"/>
+                    </a:lnR>
+                    <a:lnT w="9525" cap="flat" cmpd="sng" algn="ctr">
+                      <a:solidFill>
+                        <a:srgbClr val="CCCCCC"/>
+                      </a:solidFill>
+                      <a:prstDash val="solid"/>
+                      <a:round/>
+                      <a:headEnd type="none" w="med" len="med"/>
+                      <a:tailEnd type="none" w="med" len="med"/>
+                    </a:lnT>
+                    <a:lnB w="9525" cap="flat" cmpd="sng" algn="ctr">
+                      <a:solidFill>
+                        <a:srgbClr val="CCCCCC"/>
+                      </a:solidFill>
+                      <a:prstDash val="solid"/>
+                      <a:round/>
+                      <a:headEnd type="none" w="med" len="med"/>
+                      <a:tailEnd type="none" w="med" len="med"/>
+                    </a:lnB>
+                    <a:solidFill>
+                      <a:srgbClr val="FFFFFF"/>
+                    </a:solidFill>
+                  </a:tcPr>
+                </a:tc>
+                <a:tc>
+                  <a:txBody>
+                    <a:bodyPr/>
+                    <a:lstStyle/>
+                    <a:p>
+                      <a:r>
+                        <a:rPr lang="en-US" sz="1200">
+                          <a:effectLst/>
+                        </a:rPr>
+                        <a:t>100% (6/ 6)</a:t>
+                      </a:r>
+                    </a:p>
+                  </a:txBody>
+                  <a:tcPr marL="8684" marR="8684" marT="8684" marB="8684" anchor="ctr">
+                    <a:lnL w="9525" cap="flat" cmpd="sng" algn="ctr">
+                      <a:solidFill>
+                        <a:srgbClr val="CCCCCC"/>
+                      </a:solidFill>
+                      <a:prstDash val="solid"/>
+                      <a:round/>
+                      <a:headEnd type="none" w="med" len="med"/>
+                      <a:tailEnd type="none" w="med" len="med"/>
+                    </a:lnL>
+                    <a:lnR w="9525" cap="flat" cmpd="sng" algn="ctr">
+                      <a:solidFill>
+                        <a:srgbClr val="CCCCCC"/>
+                      </a:solidFill>
+                      <a:prstDash val="solid"/>
+                      <a:round/>
+                      <a:headEnd type="none" w="med" len="med"/>
+                      <a:tailEnd type="none" w="med" len="med"/>
+                    </a:lnR>
+                    <a:lnT w="9525" cap="flat" cmpd="sng" algn="ctr">
+                      <a:solidFill>
+                        <a:srgbClr val="CCCCCC"/>
+                      </a:solidFill>
+                      <a:prstDash val="solid"/>
+                      <a:round/>
+                      <a:headEnd type="none" w="med" len="med"/>
+                      <a:tailEnd type="none" w="med" len="med"/>
+                    </a:lnT>
+                    <a:lnB w="9525" cap="flat" cmpd="sng" algn="ctr">
+                      <a:solidFill>
+                        <a:srgbClr val="CCCCCC"/>
+                      </a:solidFill>
+                      <a:prstDash val="solid"/>
+                      <a:round/>
+                      <a:headEnd type="none" w="med" len="med"/>
+                      <a:tailEnd type="none" w="med" len="med"/>
+                    </a:lnB>
+                    <a:solidFill>
+                      <a:srgbClr val="FFFFFF"/>
+                    </a:solidFill>
+                  </a:tcPr>
+                </a:tc>
+                <a:tc>
+                  <a:txBody>
+                    <a:bodyPr/>
+                    <a:lstStyle/>
+                    <a:p>
+                      <a:r>
+                        <a:rPr lang="en-US" sz="1200">
+                          <a:effectLst/>
+                        </a:rPr>
+                        <a:t>81% (47/ 58)</a:t>
+                      </a:r>
+                    </a:p>
+                  </a:txBody>
+                  <a:tcPr marL="8684" marR="8684" marT="8684" marB="8684" anchor="ctr">
+                    <a:lnL w="9525" cap="flat" cmpd="sng" algn="ctr">
+                      <a:solidFill>
+                        <a:srgbClr val="CCCCCC"/>
+                      </a:solidFill>
+                      <a:prstDash val="solid"/>
+                      <a:round/>
+                      <a:headEnd type="none" w="med" len="med"/>
+                      <a:tailEnd type="none" w="med" len="med"/>
+                    </a:lnL>
+                    <a:lnR w="9525" cap="flat" cmpd="sng" algn="ctr">
+                      <a:solidFill>
+                        <a:srgbClr val="CCCCCC"/>
+                      </a:solidFill>
+                      <a:prstDash val="solid"/>
+                      <a:round/>
+                      <a:headEnd type="none" w="med" len="med"/>
+                      <a:tailEnd type="none" w="med" len="med"/>
+                    </a:lnR>
+                    <a:lnT w="9525" cap="flat" cmpd="sng" algn="ctr">
+                      <a:solidFill>
+                        <a:srgbClr val="CCCCCC"/>
+                      </a:solidFill>
+                      <a:prstDash val="solid"/>
+                      <a:round/>
+                      <a:headEnd type="none" w="med" len="med"/>
+                      <a:tailEnd type="none" w="med" len="med"/>
+                    </a:lnT>
+                    <a:lnB w="9525" cap="flat" cmpd="sng" algn="ctr">
+                      <a:solidFill>
+                        <a:srgbClr val="CCCCCC"/>
+                      </a:solidFill>
+                      <a:prstDash val="solid"/>
+                      <a:round/>
+                      <a:headEnd type="none" w="med" len="med"/>
+                      <a:tailEnd type="none" w="med" len="med"/>
+                    </a:lnB>
+                    <a:solidFill>
+                      <a:srgbClr val="FFFFFF"/>
+                    </a:solidFill>
+                  </a:tcPr>
+                </a:tc>
+                <a:extLst>
+                  <a:ext uri="{0D108BD9-81ED-4DB2-BD59-A6C34878D82A}">
+                    <a16:rowId xmlns:a16="http://schemas.microsoft.com/office/drawing/2014/main" val="2891506567"/>
+                  </a:ext>
+                </a:extLst>
+              </a:tr>
+              <a:tr h="294396">
+                <a:tc>
+                  <a:txBody>
+                    <a:bodyPr/>
+                    <a:lstStyle/>
+                    <a:p>
+                      <a:r>
+                        <a:rPr lang="en-US" sz="1200" u="none" strike="noStrike">
+                          <a:solidFill>
+                            <a:srgbClr val="0254D0"/>
+                          </a:solidFill>
+                          <a:effectLst/>
+                          <a:hlinkClick r:id="rId21"/>
+                        </a:rPr>
+                        <a:t>ManhourService</a:t>
+                      </a:r>
+                      <a:endParaRPr lang="en-US" sz="1200">
+                        <a:effectLst/>
+                      </a:endParaRPr>
+                    </a:p>
+                  </a:txBody>
+                  <a:tcPr marL="8684" marR="8684" marT="8684" marB="8684" anchor="ctr">
+                    <a:lnL w="9525" cap="flat" cmpd="sng" algn="ctr">
+                      <a:solidFill>
+                        <a:srgbClr val="CCCCCC"/>
+                      </a:solidFill>
+                      <a:prstDash val="solid"/>
+                      <a:round/>
+                      <a:headEnd type="none" w="med" len="med"/>
+                      <a:tailEnd type="none" w="med" len="med"/>
+                    </a:lnL>
+                    <a:lnR w="9525" cap="flat" cmpd="sng" algn="ctr">
+                      <a:solidFill>
+                        <a:srgbClr val="CCCCCC"/>
+                      </a:solidFill>
+                      <a:prstDash val="solid"/>
+                      <a:round/>
+                      <a:headEnd type="none" w="med" len="med"/>
+                      <a:tailEnd type="none" w="med" len="med"/>
+                    </a:lnR>
+                    <a:lnT w="9525" cap="flat" cmpd="sng" algn="ctr">
+                      <a:solidFill>
+                        <a:srgbClr val="CCCCCC"/>
+                      </a:solidFill>
+                      <a:prstDash val="solid"/>
+                      <a:round/>
+                      <a:headEnd type="none" w="med" len="med"/>
+                      <a:tailEnd type="none" w="med" len="med"/>
+                    </a:lnT>
+                    <a:lnB w="9525" cap="flat" cmpd="sng" algn="ctr">
+                      <a:solidFill>
+                        <a:srgbClr val="CCCCCC"/>
+                      </a:solidFill>
+                      <a:prstDash val="solid"/>
+                      <a:round/>
+                      <a:headEnd type="none" w="med" len="med"/>
+                      <a:tailEnd type="none" w="med" len="med"/>
+                    </a:lnB>
+                    <a:solidFill>
+                      <a:srgbClr val="FFFFFF"/>
+                    </a:solidFill>
+                  </a:tcPr>
+                </a:tc>
+                <a:tc>
+                  <a:txBody>
+                    <a:bodyPr/>
+                    <a:lstStyle/>
+                    <a:p>
+                      <a:r>
+                        <a:rPr lang="en-US" sz="1200">
+                          <a:effectLst/>
+                        </a:rPr>
+                        <a:t>100% (1/ 1)</a:t>
+                      </a:r>
+                    </a:p>
+                  </a:txBody>
+                  <a:tcPr marL="8684" marR="8684" marT="8684" marB="8684" anchor="ctr">
+                    <a:lnL w="9525" cap="flat" cmpd="sng" algn="ctr">
+                      <a:solidFill>
+                        <a:srgbClr val="CCCCCC"/>
+                      </a:solidFill>
+                      <a:prstDash val="solid"/>
+                      <a:round/>
+                      <a:headEnd type="none" w="med" len="med"/>
+                      <a:tailEnd type="none" w="med" len="med"/>
+                    </a:lnL>
+                    <a:lnR w="9525" cap="flat" cmpd="sng" algn="ctr">
+                      <a:solidFill>
+                        <a:srgbClr val="CCCCCC"/>
+                      </a:solidFill>
+                      <a:prstDash val="solid"/>
+                      <a:round/>
+                      <a:headEnd type="none" w="med" len="med"/>
+                      <a:tailEnd type="none" w="med" len="med"/>
+                    </a:lnR>
+                    <a:lnT w="9525" cap="flat" cmpd="sng" algn="ctr">
+                      <a:solidFill>
+                        <a:srgbClr val="CCCCCC"/>
+                      </a:solidFill>
+                      <a:prstDash val="solid"/>
+                      <a:round/>
+                      <a:headEnd type="none" w="med" len="med"/>
+                      <a:tailEnd type="none" w="med" len="med"/>
+                    </a:lnT>
+                    <a:lnB w="9525" cap="flat" cmpd="sng" algn="ctr">
+                      <a:solidFill>
+                        <a:srgbClr val="CCCCCC"/>
+                      </a:solidFill>
+                      <a:prstDash val="solid"/>
+                      <a:round/>
+                      <a:headEnd type="none" w="med" len="med"/>
+                      <a:tailEnd type="none" w="med" len="med"/>
+                    </a:lnB>
+                    <a:solidFill>
+                      <a:srgbClr val="FFFFFF"/>
+                    </a:solidFill>
+                  </a:tcPr>
+                </a:tc>
+                <a:tc>
+                  <a:txBody>
+                    <a:bodyPr/>
+                    <a:lstStyle/>
+                    <a:p>
+                      <a:r>
+                        <a:rPr lang="en-US" sz="1200">
+                          <a:effectLst/>
+                        </a:rPr>
+                        <a:t>100% (8/ 8)</a:t>
+                      </a:r>
+                    </a:p>
+                  </a:txBody>
+                  <a:tcPr marL="8684" marR="8684" marT="8684" marB="8684" anchor="ctr">
+                    <a:lnL w="9525" cap="flat" cmpd="sng" algn="ctr">
+                      <a:solidFill>
+                        <a:srgbClr val="CCCCCC"/>
+                      </a:solidFill>
+                      <a:prstDash val="solid"/>
+                      <a:round/>
+                      <a:headEnd type="none" w="med" len="med"/>
+                      <a:tailEnd type="none" w="med" len="med"/>
+                    </a:lnL>
+                    <a:lnR w="9525" cap="flat" cmpd="sng" algn="ctr">
+                      <a:solidFill>
+                        <a:srgbClr val="CCCCCC"/>
+                      </a:solidFill>
+                      <a:prstDash val="solid"/>
+                      <a:round/>
+                      <a:headEnd type="none" w="med" len="med"/>
+                      <a:tailEnd type="none" w="med" len="med"/>
+                    </a:lnR>
+                    <a:lnT w="9525" cap="flat" cmpd="sng" algn="ctr">
+                      <a:solidFill>
+                        <a:srgbClr val="CCCCCC"/>
+                      </a:solidFill>
+                      <a:prstDash val="solid"/>
+                      <a:round/>
+                      <a:headEnd type="none" w="med" len="med"/>
+                      <a:tailEnd type="none" w="med" len="med"/>
+                    </a:lnT>
+                    <a:lnB w="9525" cap="flat" cmpd="sng" algn="ctr">
+                      <a:solidFill>
+                        <a:srgbClr val="CCCCCC"/>
+                      </a:solidFill>
+                      <a:prstDash val="solid"/>
+                      <a:round/>
+                      <a:headEnd type="none" w="med" len="med"/>
+                      <a:tailEnd type="none" w="med" len="med"/>
+                    </a:lnB>
+                    <a:solidFill>
+                      <a:srgbClr val="FFFFFF"/>
+                    </a:solidFill>
+                  </a:tcPr>
+                </a:tc>
+                <a:tc>
+                  <a:txBody>
+                    <a:bodyPr/>
+                    <a:lstStyle/>
+                    <a:p>
+                      <a:r>
+                        <a:rPr lang="en-US" sz="1200">
+                          <a:effectLst/>
+                        </a:rPr>
+                        <a:t>100% (149/ 149)</a:t>
+                      </a:r>
+                    </a:p>
+                  </a:txBody>
+                  <a:tcPr marL="8684" marR="8684" marT="8684" marB="8684" anchor="ctr">
+                    <a:lnL w="9525" cap="flat" cmpd="sng" algn="ctr">
+                      <a:solidFill>
+                        <a:srgbClr val="CCCCCC"/>
+                      </a:solidFill>
+                      <a:prstDash val="solid"/>
+                      <a:round/>
+                      <a:headEnd type="none" w="med" len="med"/>
+                      <a:tailEnd type="none" w="med" len="med"/>
+                    </a:lnL>
+                    <a:lnR w="9525" cap="flat" cmpd="sng" algn="ctr">
+                      <a:solidFill>
+                        <a:srgbClr val="CCCCCC"/>
+                      </a:solidFill>
+                      <a:prstDash val="solid"/>
+                      <a:round/>
+                      <a:headEnd type="none" w="med" len="med"/>
+                      <a:tailEnd type="none" w="med" len="med"/>
+                    </a:lnR>
+                    <a:lnT w="9525" cap="flat" cmpd="sng" algn="ctr">
+                      <a:solidFill>
+                        <a:srgbClr val="CCCCCC"/>
+                      </a:solidFill>
+                      <a:prstDash val="solid"/>
+                      <a:round/>
+                      <a:headEnd type="none" w="med" len="med"/>
+                      <a:tailEnd type="none" w="med" len="med"/>
+                    </a:lnT>
+                    <a:lnB w="9525" cap="flat" cmpd="sng" algn="ctr">
+                      <a:solidFill>
+                        <a:srgbClr val="CCCCCC"/>
+                      </a:solidFill>
+                      <a:prstDash val="solid"/>
+                      <a:round/>
+                      <a:headEnd type="none" w="med" len="med"/>
+                      <a:tailEnd type="none" w="med" len="med"/>
+                    </a:lnB>
+                    <a:solidFill>
+                      <a:srgbClr val="FFFFFF"/>
+                    </a:solidFill>
+                  </a:tcPr>
+                </a:tc>
+                <a:extLst>
+                  <a:ext uri="{0D108BD9-81ED-4DB2-BD59-A6C34878D82A}">
+                    <a16:rowId xmlns:a16="http://schemas.microsoft.com/office/drawing/2014/main" val="1328510741"/>
+                  </a:ext>
+                </a:extLst>
+              </a:tr>
+              <a:tr h="294396">
+                <a:tc>
+                  <a:txBody>
+                    <a:bodyPr/>
+                    <a:lstStyle/>
+                    <a:p>
+                      <a:r>
+                        <a:rPr lang="en-US" sz="1200" u="none" strike="noStrike">
+                          <a:solidFill>
+                            <a:srgbClr val="0254D0"/>
+                          </a:solidFill>
+                          <a:effectLst/>
+                          <a:hlinkClick r:id="rId22"/>
+                        </a:rPr>
+                        <a:t>MilestoneService</a:t>
+                      </a:r>
+                      <a:endParaRPr lang="en-US" sz="1200">
+                        <a:effectLst/>
+                      </a:endParaRPr>
+                    </a:p>
+                  </a:txBody>
+                  <a:tcPr marL="8684" marR="8684" marT="8684" marB="8684" anchor="ctr">
+                    <a:lnL w="9525" cap="flat" cmpd="sng" algn="ctr">
+                      <a:solidFill>
+                        <a:srgbClr val="CCCCCC"/>
+                      </a:solidFill>
+                      <a:prstDash val="solid"/>
+                      <a:round/>
+                      <a:headEnd type="none" w="med" len="med"/>
+                      <a:tailEnd type="none" w="med" len="med"/>
+                    </a:lnL>
+                    <a:lnR w="9525" cap="flat" cmpd="sng" algn="ctr">
+                      <a:solidFill>
+                        <a:srgbClr val="CCCCCC"/>
+                      </a:solidFill>
+                      <a:prstDash val="solid"/>
+                      <a:round/>
+                      <a:headEnd type="none" w="med" len="med"/>
+                      <a:tailEnd type="none" w="med" len="med"/>
+                    </a:lnR>
+                    <a:lnT w="9525" cap="flat" cmpd="sng" algn="ctr">
+                      <a:solidFill>
+                        <a:srgbClr val="CCCCCC"/>
+                      </a:solidFill>
+                      <a:prstDash val="solid"/>
+                      <a:round/>
+                      <a:headEnd type="none" w="med" len="med"/>
+                      <a:tailEnd type="none" w="med" len="med"/>
+                    </a:lnT>
+                    <a:lnB w="9525" cap="flat" cmpd="sng" algn="ctr">
+                      <a:solidFill>
+                        <a:srgbClr val="CCCCCC"/>
+                      </a:solidFill>
+                      <a:prstDash val="solid"/>
+                      <a:round/>
+                      <a:headEnd type="none" w="med" len="med"/>
+                      <a:tailEnd type="none" w="med" len="med"/>
+                    </a:lnB>
+                    <a:solidFill>
+                      <a:srgbClr val="FFFFFF"/>
+                    </a:solidFill>
+                  </a:tcPr>
+                </a:tc>
+                <a:tc>
+                  <a:txBody>
+                    <a:bodyPr/>
+                    <a:lstStyle/>
+                    <a:p>
+                      <a:r>
+                        <a:rPr lang="en-US" sz="1200">
+                          <a:effectLst/>
+                        </a:rPr>
+                        <a:t>100% (1/ 1)</a:t>
+                      </a:r>
+                    </a:p>
+                  </a:txBody>
+                  <a:tcPr marL="8684" marR="8684" marT="8684" marB="8684" anchor="ctr">
+                    <a:lnL w="9525" cap="flat" cmpd="sng" algn="ctr">
+                      <a:solidFill>
+                        <a:srgbClr val="CCCCCC"/>
+                      </a:solidFill>
+                      <a:prstDash val="solid"/>
+                      <a:round/>
+                      <a:headEnd type="none" w="med" len="med"/>
+                      <a:tailEnd type="none" w="med" len="med"/>
+                    </a:lnL>
+                    <a:lnR w="9525" cap="flat" cmpd="sng" algn="ctr">
+                      <a:solidFill>
+                        <a:srgbClr val="CCCCCC"/>
+                      </a:solidFill>
+                      <a:prstDash val="solid"/>
+                      <a:round/>
+                      <a:headEnd type="none" w="med" len="med"/>
+                      <a:tailEnd type="none" w="med" len="med"/>
+                    </a:lnR>
+                    <a:lnT w="9525" cap="flat" cmpd="sng" algn="ctr">
+                      <a:solidFill>
+                        <a:srgbClr val="CCCCCC"/>
+                      </a:solidFill>
+                      <a:prstDash val="solid"/>
+                      <a:round/>
+                      <a:headEnd type="none" w="med" len="med"/>
+                      <a:tailEnd type="none" w="med" len="med"/>
+                    </a:lnT>
+                    <a:lnB w="9525" cap="flat" cmpd="sng" algn="ctr">
+                      <a:solidFill>
+                        <a:srgbClr val="CCCCCC"/>
+                      </a:solidFill>
+                      <a:prstDash val="solid"/>
+                      <a:round/>
+                      <a:headEnd type="none" w="med" len="med"/>
+                      <a:tailEnd type="none" w="med" len="med"/>
+                    </a:lnB>
+                    <a:solidFill>
+                      <a:srgbClr val="FFFFFF"/>
+                    </a:solidFill>
+                  </a:tcPr>
+                </a:tc>
+                <a:tc>
+                  <a:txBody>
+                    <a:bodyPr/>
+                    <a:lstStyle/>
+                    <a:p>
+                      <a:r>
+                        <a:rPr lang="en-US" sz="1200">
+                          <a:effectLst/>
+                        </a:rPr>
+                        <a:t>100% (6/ 6)</a:t>
+                      </a:r>
+                    </a:p>
+                  </a:txBody>
+                  <a:tcPr marL="8684" marR="8684" marT="8684" marB="8684" anchor="ctr">
+                    <a:lnL w="9525" cap="flat" cmpd="sng" algn="ctr">
+                      <a:solidFill>
+                        <a:srgbClr val="CCCCCC"/>
+                      </a:solidFill>
+                      <a:prstDash val="solid"/>
+                      <a:round/>
+                      <a:headEnd type="none" w="med" len="med"/>
+                      <a:tailEnd type="none" w="med" len="med"/>
+                    </a:lnL>
+                    <a:lnR w="9525" cap="flat" cmpd="sng" algn="ctr">
+                      <a:solidFill>
+                        <a:srgbClr val="CCCCCC"/>
+                      </a:solidFill>
+                      <a:prstDash val="solid"/>
+                      <a:round/>
+                      <a:headEnd type="none" w="med" len="med"/>
+                      <a:tailEnd type="none" w="med" len="med"/>
+                    </a:lnR>
+                    <a:lnT w="9525" cap="flat" cmpd="sng" algn="ctr">
+                      <a:solidFill>
+                        <a:srgbClr val="CCCCCC"/>
+                      </a:solidFill>
+                      <a:prstDash val="solid"/>
+                      <a:round/>
+                      <a:headEnd type="none" w="med" len="med"/>
+                      <a:tailEnd type="none" w="med" len="med"/>
+                    </a:lnT>
+                    <a:lnB w="9525" cap="flat" cmpd="sng" algn="ctr">
+                      <a:solidFill>
+                        <a:srgbClr val="CCCCCC"/>
+                      </a:solidFill>
+                      <a:prstDash val="solid"/>
+                      <a:round/>
+                      <a:headEnd type="none" w="med" len="med"/>
+                      <a:tailEnd type="none" w="med" len="med"/>
+                    </a:lnB>
+                    <a:solidFill>
+                      <a:srgbClr val="FFFFFF"/>
+                    </a:solidFill>
+                  </a:tcPr>
+                </a:tc>
+                <a:tc>
+                  <a:txBody>
+                    <a:bodyPr/>
+                    <a:lstStyle/>
+                    <a:p>
+                      <a:r>
+                        <a:rPr lang="en-US" sz="1200">
+                          <a:effectLst/>
+                        </a:rPr>
+                        <a:t>100% (59/ 59)</a:t>
+                      </a:r>
+                    </a:p>
+                  </a:txBody>
+                  <a:tcPr marL="8684" marR="8684" marT="8684" marB="8684" anchor="ctr">
+                    <a:lnL w="9525" cap="flat" cmpd="sng" algn="ctr">
+                      <a:solidFill>
+                        <a:srgbClr val="CCCCCC"/>
+                      </a:solidFill>
+                      <a:prstDash val="solid"/>
+                      <a:round/>
+                      <a:headEnd type="none" w="med" len="med"/>
+                      <a:tailEnd type="none" w="med" len="med"/>
+                    </a:lnL>
+                    <a:lnR w="9525" cap="flat" cmpd="sng" algn="ctr">
+                      <a:solidFill>
+                        <a:srgbClr val="CCCCCC"/>
+                      </a:solidFill>
+                      <a:prstDash val="solid"/>
+                      <a:round/>
+                      <a:headEnd type="none" w="med" len="med"/>
+                      <a:tailEnd type="none" w="med" len="med"/>
+                    </a:lnR>
+                    <a:lnT w="9525" cap="flat" cmpd="sng" algn="ctr">
+                      <a:solidFill>
+                        <a:srgbClr val="CCCCCC"/>
+                      </a:solidFill>
+                      <a:prstDash val="solid"/>
+                      <a:round/>
+                      <a:headEnd type="none" w="med" len="med"/>
+                      <a:tailEnd type="none" w="med" len="med"/>
+                    </a:lnT>
+                    <a:lnB w="9525" cap="flat" cmpd="sng" algn="ctr">
+                      <a:solidFill>
+                        <a:srgbClr val="CCCCCC"/>
+                      </a:solidFill>
+                      <a:prstDash val="solid"/>
+                      <a:round/>
+                      <a:headEnd type="none" w="med" len="med"/>
+                      <a:tailEnd type="none" w="med" len="med"/>
+                    </a:lnB>
+                    <a:solidFill>
+                      <a:srgbClr val="FFFFFF"/>
+                    </a:solidFill>
+                  </a:tcPr>
+                </a:tc>
+                <a:extLst>
+                  <a:ext uri="{0D108BD9-81ED-4DB2-BD59-A6C34878D82A}">
+                    <a16:rowId xmlns:a16="http://schemas.microsoft.com/office/drawing/2014/main" val="4152800787"/>
+                  </a:ext>
+                </a:extLst>
+              </a:tr>
+              <a:tr h="294396">
+                <a:tc>
+                  <a:txBody>
+                    <a:bodyPr/>
+                    <a:lstStyle/>
+                    <a:p>
+                      <a:r>
+                        <a:rPr lang="en-US" sz="1200" u="none" strike="noStrike">
+                          <a:solidFill>
+                            <a:srgbClr val="0254D0"/>
+                          </a:solidFill>
+                          <a:effectLst/>
+                          <a:hlinkClick r:id="rId23"/>
+                        </a:rPr>
+                        <a:t>ProjectService</a:t>
+                      </a:r>
+                      <a:endParaRPr lang="en-US" sz="1200">
+                        <a:effectLst/>
+                      </a:endParaRPr>
+                    </a:p>
+                  </a:txBody>
+                  <a:tcPr marL="8684" marR="8684" marT="8684" marB="8684" anchor="ctr">
+                    <a:lnL w="9525" cap="flat" cmpd="sng" algn="ctr">
+                      <a:solidFill>
+                        <a:srgbClr val="CCCCCC"/>
+                      </a:solidFill>
+                      <a:prstDash val="solid"/>
+                      <a:round/>
+                      <a:headEnd type="none" w="med" len="med"/>
+                      <a:tailEnd type="none" w="med" len="med"/>
+                    </a:lnL>
+                    <a:lnR w="9525" cap="flat" cmpd="sng" algn="ctr">
+                      <a:solidFill>
+                        <a:srgbClr val="CCCCCC"/>
+                      </a:solidFill>
+                      <a:prstDash val="solid"/>
+                      <a:round/>
+                      <a:headEnd type="none" w="med" len="med"/>
+                      <a:tailEnd type="none" w="med" len="med"/>
+                    </a:lnR>
+                    <a:lnT w="9525" cap="flat" cmpd="sng" algn="ctr">
+                      <a:solidFill>
+                        <a:srgbClr val="CCCCCC"/>
+                      </a:solidFill>
+                      <a:prstDash val="solid"/>
+                      <a:round/>
+                      <a:headEnd type="none" w="med" len="med"/>
+                      <a:tailEnd type="none" w="med" len="med"/>
+                    </a:lnT>
+                    <a:lnB w="9525" cap="flat" cmpd="sng" algn="ctr">
+                      <a:solidFill>
+                        <a:srgbClr val="CCCCCC"/>
+                      </a:solidFill>
+                      <a:prstDash val="solid"/>
+                      <a:round/>
+                      <a:headEnd type="none" w="med" len="med"/>
+                      <a:tailEnd type="none" w="med" len="med"/>
+                    </a:lnB>
+                    <a:solidFill>
+                      <a:srgbClr val="FFFFFF"/>
+                    </a:solidFill>
+                  </a:tcPr>
+                </a:tc>
+                <a:tc>
+                  <a:txBody>
+                    <a:bodyPr/>
+                    <a:lstStyle/>
+                    <a:p>
+                      <a:r>
+                        <a:rPr lang="en-US" sz="1200" dirty="0">
+                          <a:effectLst/>
+                        </a:rPr>
+                        <a:t>100% (2/ 2)</a:t>
+                      </a:r>
+                    </a:p>
+                  </a:txBody>
+                  <a:tcPr marL="8684" marR="8684" marT="8684" marB="8684" anchor="ctr">
+                    <a:lnL w="9525" cap="flat" cmpd="sng" algn="ctr">
+                      <a:solidFill>
+                        <a:srgbClr val="CCCCCC"/>
+                      </a:solidFill>
+                      <a:prstDash val="solid"/>
+                      <a:round/>
+                      <a:headEnd type="none" w="med" len="med"/>
+                      <a:tailEnd type="none" w="med" len="med"/>
+                    </a:lnL>
+                    <a:lnR w="9525" cap="flat" cmpd="sng" algn="ctr">
+                      <a:solidFill>
+                        <a:srgbClr val="CCCCCC"/>
+                      </a:solidFill>
+                      <a:prstDash val="solid"/>
+                      <a:round/>
+                      <a:headEnd type="none" w="med" len="med"/>
+                      <a:tailEnd type="none" w="med" len="med"/>
+                    </a:lnR>
+                    <a:lnT w="9525" cap="flat" cmpd="sng" algn="ctr">
+                      <a:solidFill>
+                        <a:srgbClr val="CCCCCC"/>
+                      </a:solidFill>
+                      <a:prstDash val="solid"/>
+                      <a:round/>
+                      <a:headEnd type="none" w="med" len="med"/>
+                      <a:tailEnd type="none" w="med" len="med"/>
+                    </a:lnT>
+                    <a:lnB w="9525" cap="flat" cmpd="sng" algn="ctr">
+                      <a:solidFill>
+                        <a:srgbClr val="CCCCCC"/>
+                      </a:solidFill>
+                      <a:prstDash val="solid"/>
+                      <a:round/>
+                      <a:headEnd type="none" w="med" len="med"/>
+                      <a:tailEnd type="none" w="med" len="med"/>
+                    </a:lnB>
+                    <a:solidFill>
+                      <a:srgbClr val="FFFFFF"/>
+                    </a:solidFill>
+                  </a:tcPr>
+                </a:tc>
+                <a:tc>
+                  <a:txBody>
+                    <a:bodyPr/>
+                    <a:lstStyle/>
+                    <a:p>
+                      <a:r>
+                        <a:rPr lang="en-US" sz="1200">
+                          <a:effectLst/>
+                        </a:rPr>
+                        <a:t>100% (11/ 11)</a:t>
+                      </a:r>
+                    </a:p>
+                  </a:txBody>
+                  <a:tcPr marL="8684" marR="8684" marT="8684" marB="8684" anchor="ctr">
+                    <a:lnL w="9525" cap="flat" cmpd="sng" algn="ctr">
+                      <a:solidFill>
+                        <a:srgbClr val="CCCCCC"/>
+                      </a:solidFill>
+                      <a:prstDash val="solid"/>
+                      <a:round/>
+                      <a:headEnd type="none" w="med" len="med"/>
+                      <a:tailEnd type="none" w="med" len="med"/>
+                    </a:lnL>
+                    <a:lnR w="9525" cap="flat" cmpd="sng" algn="ctr">
+                      <a:solidFill>
+                        <a:srgbClr val="CCCCCC"/>
+                      </a:solidFill>
+                      <a:prstDash val="solid"/>
+                      <a:round/>
+                      <a:headEnd type="none" w="med" len="med"/>
+                      <a:tailEnd type="none" w="med" len="med"/>
+                    </a:lnR>
+                    <a:lnT w="9525" cap="flat" cmpd="sng" algn="ctr">
+                      <a:solidFill>
+                        <a:srgbClr val="CCCCCC"/>
+                      </a:solidFill>
+                      <a:prstDash val="solid"/>
+                      <a:round/>
+                      <a:headEnd type="none" w="med" len="med"/>
+                      <a:tailEnd type="none" w="med" len="med"/>
+                    </a:lnT>
+                    <a:lnB w="9525" cap="flat" cmpd="sng" algn="ctr">
+                      <a:solidFill>
+                        <a:srgbClr val="CCCCCC"/>
+                      </a:solidFill>
+                      <a:prstDash val="solid"/>
+                      <a:round/>
+                      <a:headEnd type="none" w="med" len="med"/>
+                      <a:tailEnd type="none" w="med" len="med"/>
+                    </a:lnB>
+                    <a:solidFill>
+                      <a:srgbClr val="FFFFFF"/>
+                    </a:solidFill>
+                  </a:tcPr>
+                </a:tc>
+                <a:tc>
+                  <a:txBody>
+                    <a:bodyPr/>
+                    <a:lstStyle/>
+                    <a:p>
+                      <a:r>
+                        <a:rPr lang="en-US" sz="1200">
+                          <a:effectLst/>
+                        </a:rPr>
+                        <a:t>100% (231/ 231)</a:t>
+                      </a:r>
+                    </a:p>
+                  </a:txBody>
+                  <a:tcPr marL="8684" marR="8684" marT="8684" marB="8684" anchor="ctr">
+                    <a:lnL w="9525" cap="flat" cmpd="sng" algn="ctr">
+                      <a:solidFill>
+                        <a:srgbClr val="CCCCCC"/>
+                      </a:solidFill>
+                      <a:prstDash val="solid"/>
+                      <a:round/>
+                      <a:headEnd type="none" w="med" len="med"/>
+                      <a:tailEnd type="none" w="med" len="med"/>
+                    </a:lnL>
+                    <a:lnR w="9525" cap="flat" cmpd="sng" algn="ctr">
+                      <a:solidFill>
+                        <a:srgbClr val="CCCCCC"/>
+                      </a:solidFill>
+                      <a:prstDash val="solid"/>
+                      <a:round/>
+                      <a:headEnd type="none" w="med" len="med"/>
+                      <a:tailEnd type="none" w="med" len="med"/>
+                    </a:lnR>
+                    <a:lnT w="9525" cap="flat" cmpd="sng" algn="ctr">
+                      <a:solidFill>
+                        <a:srgbClr val="CCCCCC"/>
+                      </a:solidFill>
+                      <a:prstDash val="solid"/>
+                      <a:round/>
+                      <a:headEnd type="none" w="med" len="med"/>
+                      <a:tailEnd type="none" w="med" len="med"/>
+                    </a:lnT>
+                    <a:lnB w="9525" cap="flat" cmpd="sng" algn="ctr">
+                      <a:solidFill>
+                        <a:srgbClr val="CCCCCC"/>
+                      </a:solidFill>
+                      <a:prstDash val="solid"/>
+                      <a:round/>
+                      <a:headEnd type="none" w="med" len="med"/>
+                      <a:tailEnd type="none" w="med" len="med"/>
+                    </a:lnB>
+                    <a:solidFill>
+                      <a:srgbClr val="FFFFFF"/>
+                    </a:solidFill>
+                  </a:tcPr>
+                </a:tc>
+                <a:extLst>
+                  <a:ext uri="{0D108BD9-81ED-4DB2-BD59-A6C34878D82A}">
+                    <a16:rowId xmlns:a16="http://schemas.microsoft.com/office/drawing/2014/main" val="3214199054"/>
+                  </a:ext>
+                </a:extLst>
+              </a:tr>
+              <a:tr h="294396">
+                <a:tc>
+                  <a:txBody>
+                    <a:bodyPr/>
+                    <a:lstStyle/>
+                    <a:p>
+                      <a:r>
+                        <a:rPr lang="en-US" sz="1200" u="none" strike="noStrike">
+                          <a:solidFill>
+                            <a:srgbClr val="0254D0"/>
+                          </a:solidFill>
+                          <a:effectLst/>
+                          <a:hlinkClick r:id="rId24"/>
+                        </a:rPr>
+                        <a:t>PropertyService</a:t>
+                      </a:r>
+                      <a:endParaRPr lang="en-US" sz="1200">
+                        <a:effectLst/>
+                      </a:endParaRPr>
+                    </a:p>
+                  </a:txBody>
+                  <a:tcPr marL="8684" marR="8684" marT="8684" marB="8684" anchor="ctr">
+                    <a:lnL w="9525" cap="flat" cmpd="sng" algn="ctr">
+                      <a:solidFill>
+                        <a:srgbClr val="CCCCCC"/>
+                      </a:solidFill>
+                      <a:prstDash val="solid"/>
+                      <a:round/>
+                      <a:headEnd type="none" w="med" len="med"/>
+                      <a:tailEnd type="none" w="med" len="med"/>
+                    </a:lnL>
+                    <a:lnR w="9525" cap="flat" cmpd="sng" algn="ctr">
+                      <a:solidFill>
+                        <a:srgbClr val="CCCCCC"/>
+                      </a:solidFill>
+                      <a:prstDash val="solid"/>
+                      <a:round/>
+                      <a:headEnd type="none" w="med" len="med"/>
+                      <a:tailEnd type="none" w="med" len="med"/>
+                    </a:lnR>
+                    <a:lnT w="9525" cap="flat" cmpd="sng" algn="ctr">
+                      <a:solidFill>
+                        <a:srgbClr val="CCCCCC"/>
+                      </a:solidFill>
+                      <a:prstDash val="solid"/>
+                      <a:round/>
+                      <a:headEnd type="none" w="med" len="med"/>
+                      <a:tailEnd type="none" w="med" len="med"/>
+                    </a:lnT>
+                    <a:lnB w="9525" cap="flat" cmpd="sng" algn="ctr">
+                      <a:solidFill>
+                        <a:srgbClr val="CCCCCC"/>
+                      </a:solidFill>
+                      <a:prstDash val="solid"/>
+                      <a:round/>
+                      <a:headEnd type="none" w="med" len="med"/>
+                      <a:tailEnd type="none" w="med" len="med"/>
+                    </a:lnB>
+                    <a:solidFill>
+                      <a:srgbClr val="FFFFFF"/>
+                    </a:solidFill>
+                  </a:tcPr>
+                </a:tc>
+                <a:tc>
+                  <a:txBody>
+                    <a:bodyPr/>
+                    <a:lstStyle/>
+                    <a:p>
+                      <a:r>
+                        <a:rPr lang="en-US" sz="1200">
+                          <a:effectLst/>
+                        </a:rPr>
+                        <a:t>100% (1/ 1)</a:t>
+                      </a:r>
+                    </a:p>
+                  </a:txBody>
+                  <a:tcPr marL="8684" marR="8684" marT="8684" marB="8684" anchor="ctr">
+                    <a:lnL w="9525" cap="flat" cmpd="sng" algn="ctr">
+                      <a:solidFill>
+                        <a:srgbClr val="CCCCCC"/>
+                      </a:solidFill>
+                      <a:prstDash val="solid"/>
+                      <a:round/>
+                      <a:headEnd type="none" w="med" len="med"/>
+                      <a:tailEnd type="none" w="med" len="med"/>
+                    </a:lnL>
+                    <a:lnR w="9525" cap="flat" cmpd="sng" algn="ctr">
+                      <a:solidFill>
+                        <a:srgbClr val="CCCCCC"/>
+                      </a:solidFill>
+                      <a:prstDash val="solid"/>
+                      <a:round/>
+                      <a:headEnd type="none" w="med" len="med"/>
+                      <a:tailEnd type="none" w="med" len="med"/>
+                    </a:lnR>
+                    <a:lnT w="9525" cap="flat" cmpd="sng" algn="ctr">
+                      <a:solidFill>
+                        <a:srgbClr val="CCCCCC"/>
+                      </a:solidFill>
+                      <a:prstDash val="solid"/>
+                      <a:round/>
+                      <a:headEnd type="none" w="med" len="med"/>
+                      <a:tailEnd type="none" w="med" len="med"/>
+                    </a:lnT>
+                    <a:lnB w="9525" cap="flat" cmpd="sng" algn="ctr">
+                      <a:solidFill>
+                        <a:srgbClr val="CCCCCC"/>
+                      </a:solidFill>
+                      <a:prstDash val="solid"/>
+                      <a:round/>
+                      <a:headEnd type="none" w="med" len="med"/>
+                      <a:tailEnd type="none" w="med" len="med"/>
+                    </a:lnB>
+                    <a:solidFill>
+                      <a:srgbClr val="FFFFFF"/>
+                    </a:solidFill>
+                  </a:tcPr>
+                </a:tc>
+                <a:tc>
+                  <a:txBody>
+                    <a:bodyPr/>
+                    <a:lstStyle/>
+                    <a:p>
+                      <a:r>
+                        <a:rPr lang="en-US" sz="1200">
+                          <a:effectLst/>
+                        </a:rPr>
+                        <a:t>100% (7/ 7)</a:t>
+                      </a:r>
+                    </a:p>
+                  </a:txBody>
+                  <a:tcPr marL="8684" marR="8684" marT="8684" marB="8684" anchor="ctr">
+                    <a:lnL w="9525" cap="flat" cmpd="sng" algn="ctr">
+                      <a:solidFill>
+                        <a:srgbClr val="CCCCCC"/>
+                      </a:solidFill>
+                      <a:prstDash val="solid"/>
+                      <a:round/>
+                      <a:headEnd type="none" w="med" len="med"/>
+                      <a:tailEnd type="none" w="med" len="med"/>
+                    </a:lnL>
+                    <a:lnR w="9525" cap="flat" cmpd="sng" algn="ctr">
+                      <a:solidFill>
+                        <a:srgbClr val="CCCCCC"/>
+                      </a:solidFill>
+                      <a:prstDash val="solid"/>
+                      <a:round/>
+                      <a:headEnd type="none" w="med" len="med"/>
+                      <a:tailEnd type="none" w="med" len="med"/>
+                    </a:lnR>
+                    <a:lnT w="9525" cap="flat" cmpd="sng" algn="ctr">
+                      <a:solidFill>
+                        <a:srgbClr val="CCCCCC"/>
+                      </a:solidFill>
+                      <a:prstDash val="solid"/>
+                      <a:round/>
+                      <a:headEnd type="none" w="med" len="med"/>
+                      <a:tailEnd type="none" w="med" len="med"/>
+                    </a:lnT>
+                    <a:lnB w="9525" cap="flat" cmpd="sng" algn="ctr">
+                      <a:solidFill>
+                        <a:srgbClr val="CCCCCC"/>
+                      </a:solidFill>
+                      <a:prstDash val="solid"/>
+                      <a:round/>
+                      <a:headEnd type="none" w="med" len="med"/>
+                      <a:tailEnd type="none" w="med" len="med"/>
+                    </a:lnB>
+                    <a:solidFill>
+                      <a:srgbClr val="FFFFFF"/>
+                    </a:solidFill>
+                  </a:tcPr>
+                </a:tc>
+                <a:tc>
+                  <a:txBody>
+                    <a:bodyPr/>
+                    <a:lstStyle/>
+                    <a:p>
+                      <a:r>
+                        <a:rPr lang="en-US" sz="1200">
+                          <a:effectLst/>
+                        </a:rPr>
+                        <a:t>100% (82/ 82)</a:t>
+                      </a:r>
+                    </a:p>
+                  </a:txBody>
+                  <a:tcPr marL="8684" marR="8684" marT="8684" marB="8684" anchor="ctr">
+                    <a:lnL w="9525" cap="flat" cmpd="sng" algn="ctr">
+                      <a:solidFill>
+                        <a:srgbClr val="CCCCCC"/>
+                      </a:solidFill>
+                      <a:prstDash val="solid"/>
+                      <a:round/>
+                      <a:headEnd type="none" w="med" len="med"/>
+                      <a:tailEnd type="none" w="med" len="med"/>
+                    </a:lnL>
+                    <a:lnR w="9525" cap="flat" cmpd="sng" algn="ctr">
+                      <a:solidFill>
+                        <a:srgbClr val="CCCCCC"/>
+                      </a:solidFill>
+                      <a:prstDash val="solid"/>
+                      <a:round/>
+                      <a:headEnd type="none" w="med" len="med"/>
+                      <a:tailEnd type="none" w="med" len="med"/>
+                    </a:lnR>
+                    <a:lnT w="9525" cap="flat" cmpd="sng" algn="ctr">
+                      <a:solidFill>
+                        <a:srgbClr val="CCCCCC"/>
+                      </a:solidFill>
+                      <a:prstDash val="solid"/>
+                      <a:round/>
+                      <a:headEnd type="none" w="med" len="med"/>
+                      <a:tailEnd type="none" w="med" len="med"/>
+                    </a:lnT>
+                    <a:lnB w="9525" cap="flat" cmpd="sng" algn="ctr">
+                      <a:solidFill>
+                        <a:srgbClr val="CCCCCC"/>
+                      </a:solidFill>
+                      <a:prstDash val="solid"/>
+                      <a:round/>
+                      <a:headEnd type="none" w="med" len="med"/>
+                      <a:tailEnd type="none" w="med" len="med"/>
+                    </a:lnB>
+                    <a:solidFill>
+                      <a:srgbClr val="FFFFFF"/>
+                    </a:solidFill>
+                  </a:tcPr>
+                </a:tc>
+                <a:extLst>
+                  <a:ext uri="{0D108BD9-81ED-4DB2-BD59-A6C34878D82A}">
+                    <a16:rowId xmlns:a16="http://schemas.microsoft.com/office/drawing/2014/main" val="778749918"/>
+                  </a:ext>
+                </a:extLst>
+              </a:tr>
+              <a:tr h="294396">
+                <a:tc>
+                  <a:txBody>
+                    <a:bodyPr/>
+                    <a:lstStyle/>
+                    <a:p>
+                      <a:r>
+                        <a:rPr lang="en-US" sz="1200" u="none" strike="noStrike">
+                          <a:solidFill>
+                            <a:srgbClr val="0254D0"/>
+                          </a:solidFill>
+                          <a:effectLst/>
+                          <a:hlinkClick r:id="rId25"/>
+                        </a:rPr>
+                        <a:t>RiskService</a:t>
+                      </a:r>
+                      <a:endParaRPr lang="en-US" sz="1200">
+                        <a:effectLst/>
+                      </a:endParaRPr>
+                    </a:p>
+                  </a:txBody>
+                  <a:tcPr marL="8684" marR="8684" marT="8684" marB="8684" anchor="ctr">
+                    <a:lnL w="9525" cap="flat" cmpd="sng" algn="ctr">
+                      <a:solidFill>
+                        <a:srgbClr val="CCCCCC"/>
+                      </a:solidFill>
+                      <a:prstDash val="solid"/>
+                      <a:round/>
+                      <a:headEnd type="none" w="med" len="med"/>
+                      <a:tailEnd type="none" w="med" len="med"/>
+                    </a:lnL>
+                    <a:lnR w="9525" cap="flat" cmpd="sng" algn="ctr">
+                      <a:solidFill>
+                        <a:srgbClr val="CCCCCC"/>
+                      </a:solidFill>
+                      <a:prstDash val="solid"/>
+                      <a:round/>
+                      <a:headEnd type="none" w="med" len="med"/>
+                      <a:tailEnd type="none" w="med" len="med"/>
+                    </a:lnR>
+                    <a:lnT w="9525" cap="flat" cmpd="sng" algn="ctr">
+                      <a:solidFill>
+                        <a:srgbClr val="CCCCCC"/>
+                      </a:solidFill>
+                      <a:prstDash val="solid"/>
+                      <a:round/>
+                      <a:headEnd type="none" w="med" len="med"/>
+                      <a:tailEnd type="none" w="med" len="med"/>
+                    </a:lnT>
+                    <a:lnB w="9525" cap="flat" cmpd="sng" algn="ctr">
+                      <a:solidFill>
+                        <a:srgbClr val="CCCCCC"/>
+                      </a:solidFill>
+                      <a:prstDash val="solid"/>
+                      <a:round/>
+                      <a:headEnd type="none" w="med" len="med"/>
+                      <a:tailEnd type="none" w="med" len="med"/>
+                    </a:lnB>
+                    <a:solidFill>
+                      <a:srgbClr val="FFFFFF"/>
+                    </a:solidFill>
+                  </a:tcPr>
+                </a:tc>
+                <a:tc>
+                  <a:txBody>
+                    <a:bodyPr/>
+                    <a:lstStyle/>
+                    <a:p>
+                      <a:r>
+                        <a:rPr lang="en-US" sz="1200">
+                          <a:effectLst/>
+                        </a:rPr>
+                        <a:t>100% (1/ 1)</a:t>
+                      </a:r>
+                    </a:p>
+                  </a:txBody>
+                  <a:tcPr marL="8684" marR="8684" marT="8684" marB="8684" anchor="ctr">
+                    <a:lnL w="9525" cap="flat" cmpd="sng" algn="ctr">
+                      <a:solidFill>
+                        <a:srgbClr val="CCCCCC"/>
+                      </a:solidFill>
+                      <a:prstDash val="solid"/>
+                      <a:round/>
+                      <a:headEnd type="none" w="med" len="med"/>
+                      <a:tailEnd type="none" w="med" len="med"/>
+                    </a:lnL>
+                    <a:lnR w="9525" cap="flat" cmpd="sng" algn="ctr">
+                      <a:solidFill>
+                        <a:srgbClr val="CCCCCC"/>
+                      </a:solidFill>
+                      <a:prstDash val="solid"/>
+                      <a:round/>
+                      <a:headEnd type="none" w="med" len="med"/>
+                      <a:tailEnd type="none" w="med" len="med"/>
+                    </a:lnR>
+                    <a:lnT w="9525" cap="flat" cmpd="sng" algn="ctr">
+                      <a:solidFill>
+                        <a:srgbClr val="CCCCCC"/>
+                      </a:solidFill>
+                      <a:prstDash val="solid"/>
+                      <a:round/>
+                      <a:headEnd type="none" w="med" len="med"/>
+                      <a:tailEnd type="none" w="med" len="med"/>
+                    </a:lnT>
+                    <a:lnB w="9525" cap="flat" cmpd="sng" algn="ctr">
+                      <a:solidFill>
+                        <a:srgbClr val="CCCCCC"/>
+                      </a:solidFill>
+                      <a:prstDash val="solid"/>
+                      <a:round/>
+                      <a:headEnd type="none" w="med" len="med"/>
+                      <a:tailEnd type="none" w="med" len="med"/>
+                    </a:lnB>
+                    <a:solidFill>
+                      <a:srgbClr val="FFFFFF"/>
+                    </a:solidFill>
+                  </a:tcPr>
+                </a:tc>
+                <a:tc>
+                  <a:txBody>
+                    <a:bodyPr/>
+                    <a:lstStyle/>
+                    <a:p>
+                      <a:r>
+                        <a:rPr lang="en-US" sz="1200">
+                          <a:effectLst/>
+                        </a:rPr>
+                        <a:t>100% (6/ 6)</a:t>
+                      </a:r>
+                    </a:p>
+                  </a:txBody>
+                  <a:tcPr marL="8684" marR="8684" marT="8684" marB="8684" anchor="ctr">
+                    <a:lnL w="9525" cap="flat" cmpd="sng" algn="ctr">
+                      <a:solidFill>
+                        <a:srgbClr val="CCCCCC"/>
+                      </a:solidFill>
+                      <a:prstDash val="solid"/>
+                      <a:round/>
+                      <a:headEnd type="none" w="med" len="med"/>
+                      <a:tailEnd type="none" w="med" len="med"/>
+                    </a:lnL>
+                    <a:lnR w="9525" cap="flat" cmpd="sng" algn="ctr">
+                      <a:solidFill>
+                        <a:srgbClr val="CCCCCC"/>
+                      </a:solidFill>
+                      <a:prstDash val="solid"/>
+                      <a:round/>
+                      <a:headEnd type="none" w="med" len="med"/>
+                      <a:tailEnd type="none" w="med" len="med"/>
+                    </a:lnR>
+                    <a:lnT w="9525" cap="flat" cmpd="sng" algn="ctr">
+                      <a:solidFill>
+                        <a:srgbClr val="CCCCCC"/>
+                      </a:solidFill>
+                      <a:prstDash val="solid"/>
+                      <a:round/>
+                      <a:headEnd type="none" w="med" len="med"/>
+                      <a:tailEnd type="none" w="med" len="med"/>
+                    </a:lnT>
+                    <a:lnB w="9525" cap="flat" cmpd="sng" algn="ctr">
+                      <a:solidFill>
+                        <a:srgbClr val="CCCCCC"/>
+                      </a:solidFill>
+                      <a:prstDash val="solid"/>
+                      <a:round/>
+                      <a:headEnd type="none" w="med" len="med"/>
+                      <a:tailEnd type="none" w="med" len="med"/>
+                    </a:lnB>
+                    <a:solidFill>
+                      <a:srgbClr val="FFFFFF"/>
+                    </a:solidFill>
+                  </a:tcPr>
+                </a:tc>
+                <a:tc>
+                  <a:txBody>
+                    <a:bodyPr/>
+                    <a:lstStyle/>
+                    <a:p>
+                      <a:r>
+                        <a:rPr lang="en-US" sz="1200">
+                          <a:effectLst/>
+                        </a:rPr>
+                        <a:t>100% (112/ 112)</a:t>
+                      </a:r>
+                    </a:p>
+                  </a:txBody>
+                  <a:tcPr marL="8684" marR="8684" marT="8684" marB="8684" anchor="ctr">
+                    <a:lnL w="9525" cap="flat" cmpd="sng" algn="ctr">
+                      <a:solidFill>
+                        <a:srgbClr val="CCCCCC"/>
+                      </a:solidFill>
+                      <a:prstDash val="solid"/>
+                      <a:round/>
+                      <a:headEnd type="none" w="med" len="med"/>
+                      <a:tailEnd type="none" w="med" len="med"/>
+                    </a:lnL>
+                    <a:lnR w="9525" cap="flat" cmpd="sng" algn="ctr">
+                      <a:solidFill>
+                        <a:srgbClr val="CCCCCC"/>
+                      </a:solidFill>
+                      <a:prstDash val="solid"/>
+                      <a:round/>
+                      <a:headEnd type="none" w="med" len="med"/>
+                      <a:tailEnd type="none" w="med" len="med"/>
+                    </a:lnR>
+                    <a:lnT w="9525" cap="flat" cmpd="sng" algn="ctr">
+                      <a:solidFill>
+                        <a:srgbClr val="CCCCCC"/>
+                      </a:solidFill>
+                      <a:prstDash val="solid"/>
+                      <a:round/>
+                      <a:headEnd type="none" w="med" len="med"/>
+                      <a:tailEnd type="none" w="med" len="med"/>
+                    </a:lnT>
+                    <a:lnB w="9525" cap="flat" cmpd="sng" algn="ctr">
+                      <a:solidFill>
+                        <a:srgbClr val="CCCCCC"/>
+                      </a:solidFill>
+                      <a:prstDash val="solid"/>
+                      <a:round/>
+                      <a:headEnd type="none" w="med" len="med"/>
+                      <a:tailEnd type="none" w="med" len="med"/>
+                    </a:lnB>
+                    <a:solidFill>
+                      <a:srgbClr val="FFFFFF"/>
+                    </a:solidFill>
+                  </a:tcPr>
+                </a:tc>
+                <a:extLst>
+                  <a:ext uri="{0D108BD9-81ED-4DB2-BD59-A6C34878D82A}">
+                    <a16:rowId xmlns:a16="http://schemas.microsoft.com/office/drawing/2014/main" val="3848999954"/>
+                  </a:ext>
+                </a:extLst>
+              </a:tr>
+              <a:tr h="294396">
+                <a:tc>
+                  <a:txBody>
+                    <a:bodyPr/>
+                    <a:lstStyle/>
+                    <a:p>
+                      <a:r>
+                        <a:rPr lang="en-US" sz="1200" u="none" strike="noStrike">
+                          <a:solidFill>
+                            <a:srgbClr val="0254D0"/>
+                          </a:solidFill>
+                          <a:effectLst/>
+                          <a:hlinkClick r:id="rId26"/>
+                        </a:rPr>
+                        <a:t>WorkflowEngineService</a:t>
+                      </a:r>
+                      <a:endParaRPr lang="en-US" sz="1200">
+                        <a:effectLst/>
+                      </a:endParaRPr>
+                    </a:p>
+                  </a:txBody>
+                  <a:tcPr marL="8684" marR="8684" marT="8684" marB="8684" anchor="ctr">
+                    <a:lnL w="9525" cap="flat" cmpd="sng" algn="ctr">
+                      <a:solidFill>
+                        <a:srgbClr val="CCCCCC"/>
+                      </a:solidFill>
+                      <a:prstDash val="solid"/>
+                      <a:round/>
+                      <a:headEnd type="none" w="med" len="med"/>
+                      <a:tailEnd type="none" w="med" len="med"/>
+                    </a:lnL>
+                    <a:lnR w="9525" cap="flat" cmpd="sng" algn="ctr">
+                      <a:solidFill>
+                        <a:srgbClr val="CCCCCC"/>
+                      </a:solidFill>
+                      <a:prstDash val="solid"/>
+                      <a:round/>
+                      <a:headEnd type="none" w="med" len="med"/>
+                      <a:tailEnd type="none" w="med" len="med"/>
+                    </a:lnR>
+                    <a:lnT w="9525" cap="flat" cmpd="sng" algn="ctr">
+                      <a:solidFill>
+                        <a:srgbClr val="CCCCCC"/>
+                      </a:solidFill>
+                      <a:prstDash val="solid"/>
+                      <a:round/>
+                      <a:headEnd type="none" w="med" len="med"/>
+                      <a:tailEnd type="none" w="med" len="med"/>
+                    </a:lnT>
+                    <a:lnB w="9525" cap="flat" cmpd="sng" algn="ctr">
+                      <a:solidFill>
+                        <a:srgbClr val="CCCCCC"/>
+                      </a:solidFill>
+                      <a:prstDash val="solid"/>
+                      <a:round/>
+                      <a:headEnd type="none" w="med" len="med"/>
+                      <a:tailEnd type="none" w="med" len="med"/>
+                    </a:lnB>
+                    <a:solidFill>
+                      <a:srgbClr val="FFFFFF"/>
+                    </a:solidFill>
+                  </a:tcPr>
+                </a:tc>
+                <a:tc>
+                  <a:txBody>
+                    <a:bodyPr/>
+                    <a:lstStyle/>
+                    <a:p>
+                      <a:r>
+                        <a:rPr lang="en-US" sz="1200">
+                          <a:effectLst/>
+                        </a:rPr>
+                        <a:t>100% (2/ 2)</a:t>
+                      </a:r>
+                    </a:p>
+                  </a:txBody>
+                  <a:tcPr marL="8684" marR="8684" marT="8684" marB="8684" anchor="ctr">
+                    <a:lnL w="9525" cap="flat" cmpd="sng" algn="ctr">
+                      <a:solidFill>
+                        <a:srgbClr val="CCCCCC"/>
+                      </a:solidFill>
+                      <a:prstDash val="solid"/>
+                      <a:round/>
+                      <a:headEnd type="none" w="med" len="med"/>
+                      <a:tailEnd type="none" w="med" len="med"/>
+                    </a:lnL>
+                    <a:lnR w="9525" cap="flat" cmpd="sng" algn="ctr">
+                      <a:solidFill>
+                        <a:srgbClr val="CCCCCC"/>
+                      </a:solidFill>
+                      <a:prstDash val="solid"/>
+                      <a:round/>
+                      <a:headEnd type="none" w="med" len="med"/>
+                      <a:tailEnd type="none" w="med" len="med"/>
+                    </a:lnR>
+                    <a:lnT w="9525" cap="flat" cmpd="sng" algn="ctr">
+                      <a:solidFill>
+                        <a:srgbClr val="CCCCCC"/>
+                      </a:solidFill>
+                      <a:prstDash val="solid"/>
+                      <a:round/>
+                      <a:headEnd type="none" w="med" len="med"/>
+                      <a:tailEnd type="none" w="med" len="med"/>
+                    </a:lnT>
+                    <a:lnB w="9525" cap="flat" cmpd="sng" algn="ctr">
+                      <a:solidFill>
+                        <a:srgbClr val="CCCCCC"/>
+                      </a:solidFill>
+                      <a:prstDash val="solid"/>
+                      <a:round/>
+                      <a:headEnd type="none" w="med" len="med"/>
+                      <a:tailEnd type="none" w="med" len="med"/>
+                    </a:lnB>
+                    <a:solidFill>
+                      <a:srgbClr val="FFFFFF"/>
+                    </a:solidFill>
+                  </a:tcPr>
+                </a:tc>
+                <a:tc>
+                  <a:txBody>
+                    <a:bodyPr/>
+                    <a:lstStyle/>
+                    <a:p>
+                      <a:r>
+                        <a:rPr lang="en-US" sz="1200">
+                          <a:effectLst/>
+                        </a:rPr>
+                        <a:t>100% (10/ 10)</a:t>
+                      </a:r>
+                    </a:p>
+                  </a:txBody>
+                  <a:tcPr marL="8684" marR="8684" marT="8684" marB="8684" anchor="ctr">
+                    <a:lnL w="9525" cap="flat" cmpd="sng" algn="ctr">
+                      <a:solidFill>
+                        <a:srgbClr val="CCCCCC"/>
+                      </a:solidFill>
+                      <a:prstDash val="solid"/>
+                      <a:round/>
+                      <a:headEnd type="none" w="med" len="med"/>
+                      <a:tailEnd type="none" w="med" len="med"/>
+                    </a:lnL>
+                    <a:lnR w="9525" cap="flat" cmpd="sng" algn="ctr">
+                      <a:solidFill>
+                        <a:srgbClr val="CCCCCC"/>
+                      </a:solidFill>
+                      <a:prstDash val="solid"/>
+                      <a:round/>
+                      <a:headEnd type="none" w="med" len="med"/>
+                      <a:tailEnd type="none" w="med" len="med"/>
+                    </a:lnR>
+                    <a:lnT w="9525" cap="flat" cmpd="sng" algn="ctr">
+                      <a:solidFill>
+                        <a:srgbClr val="CCCCCC"/>
+                      </a:solidFill>
+                      <a:prstDash val="solid"/>
+                      <a:round/>
+                      <a:headEnd type="none" w="med" len="med"/>
+                      <a:tailEnd type="none" w="med" len="med"/>
+                    </a:lnT>
+                    <a:lnB w="9525" cap="flat" cmpd="sng" algn="ctr">
+                      <a:solidFill>
+                        <a:srgbClr val="CCCCCC"/>
+                      </a:solidFill>
+                      <a:prstDash val="solid"/>
+                      <a:round/>
+                      <a:headEnd type="none" w="med" len="med"/>
+                      <a:tailEnd type="none" w="med" len="med"/>
+                    </a:lnB>
+                    <a:solidFill>
+                      <a:srgbClr val="FFFFFF"/>
+                    </a:solidFill>
+                  </a:tcPr>
+                </a:tc>
+                <a:tc>
+                  <a:txBody>
+                    <a:bodyPr/>
+                    <a:lstStyle/>
+                    <a:p>
+                      <a:r>
+                        <a:rPr lang="en-US" sz="1200">
+                          <a:effectLst/>
+                        </a:rPr>
+                        <a:t>100% (49/ 49)</a:t>
+                      </a:r>
+                    </a:p>
+                  </a:txBody>
+                  <a:tcPr marL="8684" marR="8684" marT="8684" marB="8684" anchor="ctr">
+                    <a:lnL w="9525" cap="flat" cmpd="sng" algn="ctr">
+                      <a:solidFill>
+                        <a:srgbClr val="CCCCCC"/>
+                      </a:solidFill>
+                      <a:prstDash val="solid"/>
+                      <a:round/>
+                      <a:headEnd type="none" w="med" len="med"/>
+                      <a:tailEnd type="none" w="med" len="med"/>
+                    </a:lnL>
+                    <a:lnR w="9525" cap="flat" cmpd="sng" algn="ctr">
+                      <a:solidFill>
+                        <a:srgbClr val="CCCCCC"/>
+                      </a:solidFill>
+                      <a:prstDash val="solid"/>
+                      <a:round/>
+                      <a:headEnd type="none" w="med" len="med"/>
+                      <a:tailEnd type="none" w="med" len="med"/>
+                    </a:lnR>
+                    <a:lnT w="9525" cap="flat" cmpd="sng" algn="ctr">
+                      <a:solidFill>
+                        <a:srgbClr val="CCCCCC"/>
+                      </a:solidFill>
+                      <a:prstDash val="solid"/>
+                      <a:round/>
+                      <a:headEnd type="none" w="med" len="med"/>
+                      <a:tailEnd type="none" w="med" len="med"/>
+                    </a:lnT>
+                    <a:lnB w="9525" cap="flat" cmpd="sng" algn="ctr">
+                      <a:solidFill>
+                        <a:srgbClr val="CCCCCC"/>
+                      </a:solidFill>
+                      <a:prstDash val="solid"/>
+                      <a:round/>
+                      <a:headEnd type="none" w="med" len="med"/>
+                      <a:tailEnd type="none" w="med" len="med"/>
+                    </a:lnB>
+                    <a:solidFill>
+                      <a:srgbClr val="FFFFFF"/>
+                    </a:solidFill>
+                  </a:tcPr>
+                </a:tc>
+                <a:extLst>
+                  <a:ext uri="{0D108BD9-81ED-4DB2-BD59-A6C34878D82A}">
+                    <a16:rowId xmlns:a16="http://schemas.microsoft.com/office/drawing/2014/main" val="740474895"/>
+                  </a:ext>
+                </a:extLst>
+              </a:tr>
+              <a:tr h="294396">
+                <a:tc>
+                  <a:txBody>
+                    <a:bodyPr/>
+                    <a:lstStyle/>
+                    <a:p>
+                      <a:r>
+                        <a:rPr lang="en-US" sz="1200" u="none" strike="noStrike">
+                          <a:solidFill>
+                            <a:srgbClr val="0254D0"/>
+                          </a:solidFill>
+                          <a:effectLst/>
+                          <a:hlinkClick r:id="rId27"/>
+                        </a:rPr>
+                        <a:t>WorkflowService</a:t>
+                      </a:r>
+                      <a:endParaRPr lang="en-US" sz="1200">
+                        <a:effectLst/>
+                      </a:endParaRPr>
+                    </a:p>
+                  </a:txBody>
+                  <a:tcPr marL="8684" marR="8684" marT="8684" marB="8684" anchor="ctr">
+                    <a:lnL w="9525" cap="flat" cmpd="sng" algn="ctr">
+                      <a:solidFill>
+                        <a:srgbClr val="CCCCCC"/>
+                      </a:solidFill>
+                      <a:prstDash val="solid"/>
+                      <a:round/>
+                      <a:headEnd type="none" w="med" len="med"/>
+                      <a:tailEnd type="none" w="med" len="med"/>
+                    </a:lnL>
+                    <a:lnR w="9525" cap="flat" cmpd="sng" algn="ctr">
+                      <a:solidFill>
+                        <a:srgbClr val="CCCCCC"/>
+                      </a:solidFill>
+                      <a:prstDash val="solid"/>
+                      <a:round/>
+                      <a:headEnd type="none" w="med" len="med"/>
+                      <a:tailEnd type="none" w="med" len="med"/>
+                    </a:lnR>
+                    <a:lnT w="9525" cap="flat" cmpd="sng" algn="ctr">
+                      <a:solidFill>
+                        <a:srgbClr val="CCCCCC"/>
+                      </a:solidFill>
+                      <a:prstDash val="solid"/>
+                      <a:round/>
+                      <a:headEnd type="none" w="med" len="med"/>
+                      <a:tailEnd type="none" w="med" len="med"/>
+                    </a:lnT>
+                    <a:lnB w="9525" cap="flat" cmpd="sng" algn="ctr">
+                      <a:solidFill>
+                        <a:srgbClr val="CCCCCC"/>
+                      </a:solidFill>
+                      <a:prstDash val="solid"/>
+                      <a:round/>
+                      <a:headEnd type="none" w="med" len="med"/>
+                      <a:tailEnd type="none" w="med" len="med"/>
+                    </a:lnB>
+                    <a:solidFill>
+                      <a:srgbClr val="FFFFFF"/>
+                    </a:solidFill>
+                  </a:tcPr>
+                </a:tc>
+                <a:tc>
+                  <a:txBody>
+                    <a:bodyPr/>
+                    <a:lstStyle/>
+                    <a:p>
+                      <a:r>
+                        <a:rPr lang="en-US" sz="1200">
+                          <a:effectLst/>
+                        </a:rPr>
+                        <a:t>100% (1/ 1)</a:t>
+                      </a:r>
+                    </a:p>
+                  </a:txBody>
+                  <a:tcPr marL="8684" marR="8684" marT="8684" marB="8684" anchor="ctr">
+                    <a:lnL w="9525" cap="flat" cmpd="sng" algn="ctr">
+                      <a:solidFill>
+                        <a:srgbClr val="CCCCCC"/>
+                      </a:solidFill>
+                      <a:prstDash val="solid"/>
+                      <a:round/>
+                      <a:headEnd type="none" w="med" len="med"/>
+                      <a:tailEnd type="none" w="med" len="med"/>
+                    </a:lnL>
+                    <a:lnR w="9525" cap="flat" cmpd="sng" algn="ctr">
+                      <a:solidFill>
+                        <a:srgbClr val="CCCCCC"/>
+                      </a:solidFill>
+                      <a:prstDash val="solid"/>
+                      <a:round/>
+                      <a:headEnd type="none" w="med" len="med"/>
+                      <a:tailEnd type="none" w="med" len="med"/>
+                    </a:lnR>
+                    <a:lnT w="9525" cap="flat" cmpd="sng" algn="ctr">
+                      <a:solidFill>
+                        <a:srgbClr val="CCCCCC"/>
+                      </a:solidFill>
+                      <a:prstDash val="solid"/>
+                      <a:round/>
+                      <a:headEnd type="none" w="med" len="med"/>
+                      <a:tailEnd type="none" w="med" len="med"/>
+                    </a:lnT>
+                    <a:lnB w="9525" cap="flat" cmpd="sng" algn="ctr">
+                      <a:solidFill>
+                        <a:srgbClr val="CCCCCC"/>
+                      </a:solidFill>
+                      <a:prstDash val="solid"/>
+                      <a:round/>
+                      <a:headEnd type="none" w="med" len="med"/>
+                      <a:tailEnd type="none" w="med" len="med"/>
+                    </a:lnB>
+                    <a:solidFill>
+                      <a:srgbClr val="FFFFFF"/>
+                    </a:solidFill>
+                  </a:tcPr>
+                </a:tc>
+                <a:tc>
+                  <a:txBody>
+                    <a:bodyPr/>
+                    <a:lstStyle/>
+                    <a:p>
+                      <a:r>
+                        <a:rPr lang="en-US" sz="1200">
+                          <a:effectLst/>
+                        </a:rPr>
+                        <a:t>100% (16/ 16)</a:t>
+                      </a:r>
+                    </a:p>
+                  </a:txBody>
+                  <a:tcPr marL="8684" marR="8684" marT="8684" marB="8684" anchor="ctr">
+                    <a:lnL w="9525" cap="flat" cmpd="sng" algn="ctr">
+                      <a:solidFill>
+                        <a:srgbClr val="CCCCCC"/>
+                      </a:solidFill>
+                      <a:prstDash val="solid"/>
+                      <a:round/>
+                      <a:headEnd type="none" w="med" len="med"/>
+                      <a:tailEnd type="none" w="med" len="med"/>
+                    </a:lnL>
+                    <a:lnR w="9525" cap="flat" cmpd="sng" algn="ctr">
+                      <a:solidFill>
+                        <a:srgbClr val="CCCCCC"/>
+                      </a:solidFill>
+                      <a:prstDash val="solid"/>
+                      <a:round/>
+                      <a:headEnd type="none" w="med" len="med"/>
+                      <a:tailEnd type="none" w="med" len="med"/>
+                    </a:lnR>
+                    <a:lnT w="9525" cap="flat" cmpd="sng" algn="ctr">
+                      <a:solidFill>
+                        <a:srgbClr val="CCCCCC"/>
+                      </a:solidFill>
+                      <a:prstDash val="solid"/>
+                      <a:round/>
+                      <a:headEnd type="none" w="med" len="med"/>
+                      <a:tailEnd type="none" w="med" len="med"/>
+                    </a:lnT>
+                    <a:lnB w="9525" cap="flat" cmpd="sng" algn="ctr">
+                      <a:solidFill>
+                        <a:srgbClr val="CCCCCC"/>
+                      </a:solidFill>
+                      <a:prstDash val="solid"/>
+                      <a:round/>
+                      <a:headEnd type="none" w="med" len="med"/>
+                      <a:tailEnd type="none" w="med" len="med"/>
+                    </a:lnB>
+                    <a:solidFill>
+                      <a:srgbClr val="FFFFFF"/>
+                    </a:solidFill>
+                  </a:tcPr>
+                </a:tc>
+                <a:tc>
+                  <a:txBody>
+                    <a:bodyPr/>
+                    <a:lstStyle/>
+                    <a:p>
+                      <a:r>
+                        <a:rPr lang="en-US" sz="1200" dirty="0">
+                          <a:effectLst/>
+                        </a:rPr>
+                        <a:t>100% (301/ 301)</a:t>
+                      </a:r>
+                    </a:p>
+                  </a:txBody>
+                  <a:tcPr marL="8684" marR="8684" marT="8684" marB="8684" anchor="ctr">
+                    <a:lnL w="9525" cap="flat" cmpd="sng" algn="ctr">
+                      <a:solidFill>
+                        <a:srgbClr val="CCCCCC"/>
+                      </a:solidFill>
+                      <a:prstDash val="solid"/>
+                      <a:round/>
+                      <a:headEnd type="none" w="med" len="med"/>
+                      <a:tailEnd type="none" w="med" len="med"/>
+                    </a:lnL>
+                    <a:lnR w="9525" cap="flat" cmpd="sng" algn="ctr">
+                      <a:solidFill>
+                        <a:srgbClr val="CCCCCC"/>
+                      </a:solidFill>
+                      <a:prstDash val="solid"/>
+                      <a:round/>
+                      <a:headEnd type="none" w="med" len="med"/>
+                      <a:tailEnd type="none" w="med" len="med"/>
+                    </a:lnR>
+                    <a:lnT w="9525" cap="flat" cmpd="sng" algn="ctr">
+                      <a:solidFill>
+                        <a:srgbClr val="CCCCCC"/>
+                      </a:solidFill>
+                      <a:prstDash val="solid"/>
+                      <a:round/>
+                      <a:headEnd type="none" w="med" len="med"/>
+                      <a:tailEnd type="none" w="med" len="med"/>
+                    </a:lnT>
+                    <a:lnB w="9525" cap="flat" cmpd="sng" algn="ctr">
+                      <a:solidFill>
+                        <a:srgbClr val="CCCCCC"/>
+                      </a:solidFill>
+                      <a:prstDash val="solid"/>
+                      <a:round/>
+                      <a:headEnd type="none" w="med" len="med"/>
+                      <a:tailEnd type="none" w="med" len="med"/>
+                    </a:lnB>
+                    <a:solidFill>
+                      <a:srgbClr val="FFFFFF"/>
+                    </a:solidFill>
+                  </a:tcPr>
+                </a:tc>
+                <a:extLst>
+                  <a:ext uri="{0D108BD9-81ED-4DB2-BD59-A6C34878D82A}">
+                    <a16:rowId xmlns:a16="http://schemas.microsoft.com/office/drawing/2014/main" val="3184439153"/>
+                  </a:ext>
+                </a:extLst>
+              </a:tr>
+            </a:tbl>
+          </a:graphicData>
+        </a:graphic>
+      </p:graphicFrame>
+    </p:spTree>
+    <p:extLst>
+      <p:ext uri="{BB962C8B-B14F-4D97-AF65-F5344CB8AC3E}">
+        <p14:creationId xmlns:p14="http://schemas.microsoft.com/office/powerpoint/2010/main" val="3021916481"/>
+      </p:ext>
+    </p:extLst>
+  </p:cSld>
+  <p:clrMapOvr>
+    <a:masterClrMapping/>
+  </p:clrMapOvr>
+</p:sld>
+</file>
+
+<file path=ppt/slides/slide11.xml><?xml version="1.0" encoding="utf-8"?>
+<p:sld xmlns:a="http://schemas.openxmlformats.org/drawingml/2006/main" xmlns:r="http://schemas.openxmlformats.org/officeDocument/2006/relationships" xmlns:p="http://schemas.openxmlformats.org/presentationml/2006/main">
+  <p:cSld>
+    <p:spTree>
+      <p:nvGrpSpPr>
+        <p:cNvPr id="1" name=""/>
+        <p:cNvGrpSpPr/>
+        <p:nvPr/>
+      </p:nvGrpSpPr>
+      <p:grpSpPr>
+        <a:xfrm>
+          <a:off x="0" y="0"/>
+          <a:ext cx="0" cy="0"/>
+          <a:chOff x="0" y="0"/>
+          <a:chExt cx="0" cy="0"/>
+        </a:xfrm>
+      </p:grpSpPr>
+      <p:sp>
+        <p:nvSpPr>
+          <p:cNvPr id="2" name="Title 1">
+            <a:extLst>
+              <a:ext uri="{FF2B5EF4-FFF2-40B4-BE49-F238E27FC236}">
+                <a16:creationId xmlns:a16="http://schemas.microsoft.com/office/drawing/2014/main" id="{361B705D-8AD2-7542-B85C-317C11162F88}"/>
+              </a:ext>
+            </a:extLst>
+          </p:cNvPr>
+          <p:cNvSpPr>
+            <a:spLocks noGrp="1"/>
+          </p:cNvSpPr>
+          <p:nvPr>
+            <p:ph type="title"/>
+          </p:nvPr>
+        </p:nvSpPr>
+        <p:spPr/>
+        <p:txBody>
+          <a:bodyPr/>
+          <a:lstStyle/>
+          <a:p>
+            <a:r>
+              <a:rPr lang="zh-CN" altLang="en-US" dirty="0"/>
+              <a:t>项目测试情况</a:t>
+            </a:r>
+            <a:br>
+              <a:rPr lang="en-US" altLang="zh-CN" dirty="0"/>
+            </a:br>
+            <a:r>
+              <a:rPr lang="zh-CN" altLang="en-US" sz="1600" dirty="0"/>
+              <a:t>性能测试</a:t>
+            </a:r>
+            <a:endParaRPr lang="en-US" dirty="0"/>
+          </a:p>
+        </p:txBody>
+      </p:sp>
+      <p:sp>
+        <p:nvSpPr>
+          <p:cNvPr id="3" name="Rectangle 2">
+            <a:extLst>
+              <a:ext uri="{FF2B5EF4-FFF2-40B4-BE49-F238E27FC236}">
+                <a16:creationId xmlns:a16="http://schemas.microsoft.com/office/drawing/2014/main" id="{9754DF03-9EB9-4E4E-BCF4-86ED1E13C475}"/>
+              </a:ext>
+            </a:extLst>
+          </p:cNvPr>
+          <p:cNvSpPr/>
+          <p:nvPr/>
+        </p:nvSpPr>
+        <p:spPr>
+          <a:xfrm>
+            <a:off x="2231135" y="2342083"/>
+            <a:ext cx="7729727" cy="3139321"/>
+          </a:xfrm>
+          <a:prstGeom prst="rect">
+            <a:avLst/>
+          </a:prstGeom>
+        </p:spPr>
+        <p:txBody>
+          <a:bodyPr wrap="square">
+            <a:spAutoFit/>
+          </a:bodyPr>
+          <a:lstStyle/>
+          <a:p>
+            <a:pPr marL="285750" indent="-285750" algn="just">
+              <a:buFont typeface="Arial" panose="020B0604020202020204" pitchFamily="34" charset="0"/>
+              <a:buChar char="•"/>
+            </a:pPr>
+            <a:r>
+              <a:rPr lang="zh-CN" altLang="en-US" dirty="0">
+                <a:solidFill>
+                  <a:schemeClr val="tx1">
+                    <a:lumMod val="85000"/>
+                    <a:lumOff val="15000"/>
+                  </a:schemeClr>
+                </a:solidFill>
+              </a:rPr>
+              <a:t>性能测试共五类场景，分为独立场景、峰值场景、混合场景、疲劳场景和容量场景</a:t>
+            </a:r>
+            <a:endParaRPr lang="en-US" altLang="zh-CN" dirty="0">
+              <a:solidFill>
+                <a:schemeClr val="tx1">
+                  <a:lumMod val="85000"/>
+                  <a:lumOff val="15000"/>
+                </a:schemeClr>
+              </a:solidFill>
+            </a:endParaRPr>
+          </a:p>
+          <a:p>
+            <a:pPr marL="285750" indent="-285750" algn="just">
+              <a:buFont typeface="Arial" panose="020B0604020202020204" pitchFamily="34" charset="0"/>
+              <a:buChar char="•"/>
+            </a:pPr>
+            <a:endParaRPr lang="en-US" dirty="0">
+              <a:solidFill>
+                <a:schemeClr val="tx1">
+                  <a:lumMod val="85000"/>
+                  <a:lumOff val="15000"/>
+                </a:schemeClr>
+              </a:solidFill>
+            </a:endParaRPr>
+          </a:p>
+          <a:p>
+            <a:pPr marL="285750" indent="-285750" algn="just">
+              <a:buFont typeface="Arial" panose="020B0604020202020204" pitchFamily="34" charset="0"/>
+              <a:buChar char="•"/>
+            </a:pPr>
+            <a:r>
+              <a:rPr lang="en-US" dirty="0">
+                <a:solidFill>
+                  <a:schemeClr val="tx1">
+                    <a:lumMod val="85000"/>
+                    <a:lumOff val="15000"/>
+                  </a:schemeClr>
+                </a:solidFill>
+              </a:rPr>
+              <a:t>3</a:t>
+            </a:r>
+            <a:r>
+              <a:rPr lang="zh-CN" altLang="en-US" dirty="0">
+                <a:solidFill>
+                  <a:schemeClr val="tx1">
+                    <a:lumMod val="85000"/>
+                    <a:lumOff val="15000"/>
+                  </a:schemeClr>
+                </a:solidFill>
+              </a:rPr>
+              <a:t>个独立场景</a:t>
+            </a:r>
+            <a:r>
+              <a:rPr lang="en-US" dirty="0">
+                <a:solidFill>
+                  <a:schemeClr val="tx1">
+                    <a:lumMod val="85000"/>
+                    <a:lumOff val="15000"/>
+                  </a:schemeClr>
+                </a:solidFill>
+              </a:rPr>
+              <a:t>+3</a:t>
+            </a:r>
+            <a:r>
+              <a:rPr lang="zh-CN" altLang="en-US" dirty="0">
+                <a:solidFill>
+                  <a:schemeClr val="tx1">
+                    <a:lumMod val="85000"/>
+                    <a:lumOff val="15000"/>
+                  </a:schemeClr>
+                </a:solidFill>
+              </a:rPr>
+              <a:t>个混合场景</a:t>
+            </a:r>
+            <a:r>
+              <a:rPr lang="en-US" dirty="0">
+                <a:solidFill>
+                  <a:schemeClr val="tx1">
+                    <a:lumMod val="85000"/>
+                    <a:lumOff val="15000"/>
+                  </a:schemeClr>
+                </a:solidFill>
+              </a:rPr>
+              <a:t>+3</a:t>
+            </a:r>
+            <a:r>
+              <a:rPr lang="zh-CN" altLang="en-US" dirty="0">
+                <a:solidFill>
+                  <a:schemeClr val="tx1">
+                    <a:lumMod val="85000"/>
+                    <a:lumOff val="15000"/>
+                  </a:schemeClr>
+                </a:solidFill>
+              </a:rPr>
+              <a:t>个峰值场景</a:t>
+            </a:r>
+            <a:r>
+              <a:rPr lang="en-US" dirty="0">
+                <a:solidFill>
+                  <a:schemeClr val="tx1">
+                    <a:lumMod val="85000"/>
+                    <a:lumOff val="15000"/>
+                  </a:schemeClr>
+                </a:solidFill>
+              </a:rPr>
+              <a:t>+1</a:t>
+            </a:r>
+            <a:r>
+              <a:rPr lang="zh-CN" altLang="en-US" dirty="0">
+                <a:solidFill>
+                  <a:schemeClr val="tx1">
+                    <a:lumMod val="85000"/>
+                    <a:lumOff val="15000"/>
+                  </a:schemeClr>
+                </a:solidFill>
+              </a:rPr>
+              <a:t>个容量场景</a:t>
+            </a:r>
+            <a:r>
+              <a:rPr lang="en-US" dirty="0">
+                <a:solidFill>
+                  <a:schemeClr val="tx1">
+                    <a:lumMod val="85000"/>
+                    <a:lumOff val="15000"/>
+                  </a:schemeClr>
+                </a:solidFill>
+              </a:rPr>
+              <a:t>+1</a:t>
+            </a:r>
+            <a:r>
+              <a:rPr lang="zh-CN" altLang="en-US" dirty="0">
+                <a:solidFill>
+                  <a:schemeClr val="tx1">
+                    <a:lumMod val="85000"/>
+                    <a:lumOff val="15000"/>
+                  </a:schemeClr>
+                </a:solidFill>
+              </a:rPr>
+              <a:t>个疲劳场景</a:t>
+            </a:r>
+            <a:endParaRPr lang="en-US" altLang="zh-CN" dirty="0">
+              <a:solidFill>
+                <a:schemeClr val="tx1">
+                  <a:lumMod val="85000"/>
+                  <a:lumOff val="15000"/>
+                </a:schemeClr>
+              </a:solidFill>
+            </a:endParaRPr>
+          </a:p>
+          <a:p>
+            <a:pPr marL="285750" indent="-285750" algn="just">
+              <a:buFont typeface="Arial" panose="020B0604020202020204" pitchFamily="34" charset="0"/>
+              <a:buChar char="•"/>
+            </a:pPr>
+            <a:endParaRPr lang="en-US" dirty="0">
+              <a:solidFill>
+                <a:schemeClr val="tx1">
+                  <a:lumMod val="85000"/>
+                  <a:lumOff val="15000"/>
+                </a:schemeClr>
+              </a:solidFill>
+            </a:endParaRPr>
+          </a:p>
+          <a:p>
+            <a:pPr marL="285750" indent="-285750" algn="just">
+              <a:buFont typeface="Arial" panose="020B0604020202020204" pitchFamily="34" charset="0"/>
+              <a:buChar char="•"/>
+            </a:pPr>
+            <a:r>
+              <a:rPr lang="zh-CN" altLang="en-US" dirty="0">
+                <a:solidFill>
+                  <a:schemeClr val="tx1">
+                    <a:lumMod val="85000"/>
+                    <a:lumOff val="15000"/>
+                  </a:schemeClr>
+                </a:solidFill>
+              </a:rPr>
+              <a:t>场景执行采用逐步加压的方式，每个场景重复执</a:t>
+            </a:r>
+            <a:endParaRPr lang="en-US" altLang="zh-CN" dirty="0">
+              <a:solidFill>
+                <a:schemeClr val="tx1">
+                  <a:lumMod val="85000"/>
+                  <a:lumOff val="15000"/>
+                </a:schemeClr>
+              </a:solidFill>
+            </a:endParaRPr>
+          </a:p>
+          <a:p>
+            <a:pPr algn="just"/>
+            <a:r>
+              <a:rPr lang="zh-CN" altLang="en-US" dirty="0">
+                <a:solidFill>
+                  <a:schemeClr val="tx1">
+                    <a:lumMod val="85000"/>
+                    <a:lumOff val="15000"/>
+                  </a:schemeClr>
+                </a:solidFill>
+              </a:rPr>
+              <a:t>     </a:t>
+            </a:r>
+            <a:r>
+              <a:rPr lang="en-US" dirty="0">
+                <a:solidFill>
+                  <a:schemeClr val="tx1">
+                    <a:lumMod val="85000"/>
+                    <a:lumOff val="15000"/>
+                  </a:schemeClr>
+                </a:solidFill>
+              </a:rPr>
+              <a:t>3*4+3*4+3*2+1*4+1*2 = 36</a:t>
+            </a:r>
+            <a:r>
+              <a:rPr lang="zh-CN" altLang="en-US" dirty="0">
+                <a:solidFill>
+                  <a:schemeClr val="tx1">
+                    <a:lumMod val="85000"/>
+                    <a:lumOff val="15000"/>
+                  </a:schemeClr>
+                </a:solidFill>
+              </a:rPr>
+              <a:t>个场景</a:t>
+            </a:r>
+            <a:endParaRPr lang="en-US" altLang="zh-CN" dirty="0">
+              <a:solidFill>
+                <a:schemeClr val="tx1">
+                  <a:lumMod val="85000"/>
+                  <a:lumOff val="15000"/>
+                </a:schemeClr>
+              </a:solidFill>
+            </a:endParaRPr>
+          </a:p>
+          <a:p>
+            <a:pPr marL="285750" indent="-285750" algn="just">
+              <a:buFont typeface="Arial" panose="020B0604020202020204" pitchFamily="34" charset="0"/>
+              <a:buChar char="•"/>
+            </a:pPr>
+            <a:endParaRPr lang="en-US" kern="100" dirty="0">
+              <a:latin typeface="Calibri" panose="020F0502020204030204" pitchFamily="34" charset="0"/>
+              <a:ea typeface="SimSun" panose="02010600030101010101" pitchFamily="2" charset="-122"/>
+              <a:cs typeface="Times New Roman" panose="02020603050405020304" pitchFamily="18" charset="0"/>
+            </a:endParaRPr>
+          </a:p>
+          <a:p>
+            <a:pPr marL="285750" indent="-285750" algn="just">
+              <a:buFont typeface="Arial" panose="020B0604020202020204" pitchFamily="34" charset="0"/>
+              <a:buChar char="•"/>
+            </a:pPr>
+            <a:r>
+              <a:rPr lang="zh-CN" altLang="en-US" dirty="0">
+                <a:solidFill>
+                  <a:schemeClr val="tx1">
+                    <a:lumMod val="85000"/>
+                    <a:lumOff val="15000"/>
+                  </a:schemeClr>
+                </a:solidFill>
+              </a:rPr>
+              <a:t>场景执行率</a:t>
+            </a:r>
+            <a:r>
+              <a:rPr lang="en-US" dirty="0">
+                <a:solidFill>
+                  <a:schemeClr val="tx1">
+                    <a:lumMod val="85000"/>
+                    <a:lumOff val="15000"/>
+                  </a:schemeClr>
+                </a:solidFill>
+              </a:rPr>
+              <a:t>100%</a:t>
+            </a:r>
+            <a:r>
+              <a:rPr lang="zh-CN" altLang="en-US" dirty="0">
+                <a:solidFill>
+                  <a:schemeClr val="tx1">
+                    <a:lumMod val="85000"/>
+                    <a:lumOff val="15000"/>
+                  </a:schemeClr>
+                </a:solidFill>
+              </a:rPr>
+              <a:t>，缺陷率</a:t>
+            </a:r>
+            <a:r>
+              <a:rPr lang="en-US" dirty="0">
+                <a:solidFill>
+                  <a:schemeClr val="tx1">
+                    <a:lumMod val="85000"/>
+                    <a:lumOff val="15000"/>
+                  </a:schemeClr>
+                </a:solidFill>
+              </a:rPr>
+              <a:t>0%</a:t>
+            </a:r>
+          </a:p>
+          <a:p>
+            <a:pPr marL="285750" indent="-285750" algn="just">
+              <a:buFont typeface="Arial" panose="020B0604020202020204" pitchFamily="34" charset="0"/>
+              <a:buChar char="•"/>
+            </a:pPr>
+            <a:endParaRPr lang="en-US" dirty="0">
+              <a:solidFill>
+                <a:schemeClr val="tx1">
+                  <a:lumMod val="85000"/>
+                  <a:lumOff val="15000"/>
+                </a:schemeClr>
+              </a:solidFill>
+            </a:endParaRPr>
+          </a:p>
+          <a:p>
+            <a:pPr marL="285750" indent="-285750" algn="just">
+              <a:buFont typeface="Arial" panose="020B0604020202020204" pitchFamily="34" charset="0"/>
+              <a:buChar char="•"/>
+            </a:pPr>
+            <a:r>
+              <a:rPr lang="zh-CN" altLang="en-US" dirty="0">
+                <a:solidFill>
+                  <a:schemeClr val="tx1">
+                    <a:lumMod val="85000"/>
+                    <a:lumOff val="15000"/>
+                  </a:schemeClr>
+                </a:solidFill>
+              </a:rPr>
+              <a:t>可能需要在高用户量情况下增加带宽</a:t>
+            </a:r>
+            <a:endParaRPr lang="en-US" dirty="0">
+              <a:solidFill>
+                <a:schemeClr val="tx1">
+                  <a:lumMod val="85000"/>
+                  <a:lumOff val="15000"/>
+                </a:schemeClr>
+              </a:solidFill>
+            </a:endParaRPr>
+          </a:p>
+        </p:txBody>
+      </p:sp>
+    </p:spTree>
+    <p:extLst>
+      <p:ext uri="{BB962C8B-B14F-4D97-AF65-F5344CB8AC3E}">
+        <p14:creationId xmlns:p14="http://schemas.microsoft.com/office/powerpoint/2010/main" val="1762747446"/>
+      </p:ext>
+    </p:extLst>
+  </p:cSld>
+  <p:clrMapOvr>
+    <a:masterClrMapping/>
+  </p:clrMapOvr>
+</p:sld>
+</file>
+
+<file path=ppt/slides/slide12.xml><?xml version="1.0" encoding="utf-8"?>
+<p:sld xmlns:a="http://schemas.openxmlformats.org/drawingml/2006/main" xmlns:r="http://schemas.openxmlformats.org/officeDocument/2006/relationships" xmlns:p="http://schemas.openxmlformats.org/presentationml/2006/main">
+  <p:cSld>
+    <p:spTree>
+      <p:nvGrpSpPr>
+        <p:cNvPr id="1" name=""/>
+        <p:cNvGrpSpPr/>
+        <p:nvPr/>
+      </p:nvGrpSpPr>
+      <p:grpSpPr>
+        <a:xfrm>
+          <a:off x="0" y="0"/>
+          <a:ext cx="0" cy="0"/>
+          <a:chOff x="0" y="0"/>
+          <a:chExt cx="0" cy="0"/>
+        </a:xfrm>
+      </p:grpSpPr>
+      <p:sp>
+        <p:nvSpPr>
+          <p:cNvPr id="2" name="Title 1">
+            <a:extLst>
+              <a:ext uri="{FF2B5EF4-FFF2-40B4-BE49-F238E27FC236}">
+                <a16:creationId xmlns:a16="http://schemas.microsoft.com/office/drawing/2014/main" id="{361B705D-8AD2-7542-B85C-317C11162F88}"/>
+              </a:ext>
+            </a:extLst>
+          </p:cNvPr>
+          <p:cNvSpPr>
+            <a:spLocks noGrp="1"/>
+          </p:cNvSpPr>
+          <p:nvPr>
+            <p:ph type="title"/>
+          </p:nvPr>
+        </p:nvSpPr>
+        <p:spPr/>
+        <p:txBody>
+          <a:bodyPr/>
+          <a:lstStyle/>
+          <a:p>
+            <a:r>
+              <a:rPr lang="zh-CN" altLang="en-US" dirty="0"/>
+              <a:t>项目经验</a:t>
+            </a:r>
+            <a:endParaRPr lang="en-US" dirty="0"/>
+          </a:p>
+        </p:txBody>
+      </p:sp>
+      <p:sp>
+        <p:nvSpPr>
+          <p:cNvPr id="3" name="Content Placeholder 2">
+            <a:extLst>
+              <a:ext uri="{FF2B5EF4-FFF2-40B4-BE49-F238E27FC236}">
+                <a16:creationId xmlns:a16="http://schemas.microsoft.com/office/drawing/2014/main" id="{EA3595DA-3E18-3644-B59C-D0A39A7C9826}"/>
+              </a:ext>
+            </a:extLst>
+          </p:cNvPr>
+          <p:cNvSpPr>
+            <a:spLocks noGrp="1"/>
+          </p:cNvSpPr>
+          <p:nvPr>
+            <p:ph idx="1"/>
+          </p:nvPr>
+        </p:nvSpPr>
+        <p:spPr/>
+        <p:txBody>
+          <a:bodyPr/>
+          <a:lstStyle/>
+          <a:p>
+            <a:r>
+              <a:rPr lang="zh-CN" altLang="en-US" dirty="0"/>
+              <a:t>合理的需求与系统设计可以保证团队开发的高效。</a:t>
+            </a:r>
+            <a:endParaRPr lang="en-US" altLang="zh-CN" dirty="0"/>
+          </a:p>
+          <a:p>
+            <a:endParaRPr lang="en-US" altLang="zh-CN" dirty="0"/>
+          </a:p>
+          <a:p>
+            <a:r>
+              <a:rPr lang="zh-CN" altLang="en-US" dirty="0"/>
+              <a:t>合理的设计能与实际开发保持高度一致、仅在细节上有所修改。</a:t>
+            </a:r>
+            <a:endParaRPr lang="en-US" altLang="zh-CN" dirty="0"/>
+          </a:p>
+          <a:p>
+            <a:endParaRPr lang="en-US" altLang="zh-CN" dirty="0"/>
+          </a:p>
+          <a:p>
+            <a:r>
+              <a:rPr lang="zh-CN" altLang="en-US" dirty="0"/>
+              <a:t>合理的技术选型可以降低学习曲线，让团队易于上手，保证效率。</a:t>
+            </a:r>
+            <a:endParaRPr lang="en-US" altLang="zh-CN" dirty="0"/>
+          </a:p>
+          <a:p>
+            <a:endParaRPr lang="en-US" altLang="zh-CN" dirty="0"/>
+          </a:p>
+          <a:p>
+            <a:r>
+              <a:rPr lang="zh-CN" altLang="en-US" dirty="0"/>
+              <a:t>合理的代码测试与风格检查可以保证系统质量。</a:t>
+            </a:r>
+            <a:endParaRPr lang="en-US" altLang="zh-CN" dirty="0"/>
+          </a:p>
+        </p:txBody>
+      </p:sp>
+    </p:spTree>
+    <p:extLst>
+      <p:ext uri="{BB962C8B-B14F-4D97-AF65-F5344CB8AC3E}">
+        <p14:creationId xmlns:p14="http://schemas.microsoft.com/office/powerpoint/2010/main" val="3550678335"/>
+      </p:ext>
+    </p:extLst>
+  </p:cSld>
+  <p:clrMapOvr>
+    <a:masterClrMapping/>
+  </p:clrMapOvr>
+</p:sld>
+</file>
+
+<file path=ppt/slides/slide13.xml><?xml version="1.0" encoding="utf-8"?>
+<p:sld xmlns:a="http://schemas.openxmlformats.org/drawingml/2006/main" xmlns:r="http://schemas.openxmlformats.org/officeDocument/2006/relationships" xmlns:p="http://schemas.openxmlformats.org/presentationml/2006/main">
+  <p:cSld>
+    <p:spTree>
+      <p:nvGrpSpPr>
+        <p:cNvPr id="1" name=""/>
+        <p:cNvGrpSpPr/>
+        <p:nvPr/>
+      </p:nvGrpSpPr>
+      <p:grpSpPr>
+        <a:xfrm>
+          <a:off x="0" y="0"/>
+          <a:ext cx="0" cy="0"/>
+          <a:chOff x="0" y="0"/>
+          <a:chExt cx="0" cy="0"/>
+        </a:xfrm>
+      </p:grpSpPr>
+      <p:sp>
+        <p:nvSpPr>
+          <p:cNvPr id="2" name="Title 1">
+            <a:extLst>
+              <a:ext uri="{FF2B5EF4-FFF2-40B4-BE49-F238E27FC236}">
+                <a16:creationId xmlns:a16="http://schemas.microsoft.com/office/drawing/2014/main" id="{AFF87E8C-E3C4-EE43-BC13-33A64853E804}"/>
+              </a:ext>
+            </a:extLst>
+          </p:cNvPr>
+          <p:cNvSpPr>
+            <a:spLocks noGrp="1"/>
+          </p:cNvSpPr>
+          <p:nvPr>
+            <p:ph type="ctrTitle"/>
+          </p:nvPr>
+        </p:nvSpPr>
+        <p:spPr>
+          <a:xfrm>
+            <a:off x="1600200" y="2606040"/>
+            <a:ext cx="8991600" cy="1645920"/>
+          </a:xfrm>
+        </p:spPr>
+        <p:txBody>
+          <a:bodyPr/>
+          <a:lstStyle/>
+          <a:p>
+            <a:r>
+              <a:rPr lang="en-US" altLang="zh-CN" sz="2800" dirty="0" err="1"/>
+              <a:t>Achieveit</a:t>
+            </a:r>
+            <a:r>
+              <a:rPr lang="zh-CN" altLang="en-US" sz="2800" dirty="0"/>
+              <a:t>项目管理平台</a:t>
+            </a:r>
+            <a:br>
+              <a:rPr lang="en-US" altLang="zh-CN" sz="2800" dirty="0"/>
+            </a:br>
+            <a:br>
+              <a:rPr lang="en-US" altLang="zh-CN" dirty="0"/>
+            </a:br>
+            <a:r>
+              <a:rPr lang="zh-CN" altLang="en-US" sz="2400" dirty="0"/>
+              <a:t>项目演示</a:t>
+            </a:r>
+            <a:endParaRPr lang="en-US" dirty="0"/>
+          </a:p>
+        </p:txBody>
+      </p:sp>
+    </p:spTree>
+    <p:extLst>
+      <p:ext uri="{BB962C8B-B14F-4D97-AF65-F5344CB8AC3E}">
+        <p14:creationId xmlns:p14="http://schemas.microsoft.com/office/powerpoint/2010/main" val="4090885347"/>
+      </p:ext>
+    </p:extLst>
+  </p:cSld>
+  <p:clrMapOvr>
+    <a:masterClrMapping/>
+  </p:clrMapOvr>
+</p:sld>
+</file>
+
+<file path=ppt/slides/slide14.xml><?xml version="1.0" encoding="utf-8"?>
+<p:sld xmlns:a="http://schemas.openxmlformats.org/drawingml/2006/main" xmlns:r="http://schemas.openxmlformats.org/officeDocument/2006/relationships" xmlns:p="http://schemas.openxmlformats.org/presentationml/2006/main">
+  <p:cSld>
+    <p:spTree>
+      <p:nvGrpSpPr>
+        <p:cNvPr id="1" name=""/>
+        <p:cNvGrpSpPr/>
+        <p:nvPr/>
+      </p:nvGrpSpPr>
+      <p:grpSpPr>
+        <a:xfrm>
+          <a:off x="0" y="0"/>
+          <a:ext cx="0" cy="0"/>
+          <a:chOff x="0" y="0"/>
+          <a:chExt cx="0" cy="0"/>
+        </a:xfrm>
+      </p:grpSpPr>
+      <p:sp>
+        <p:nvSpPr>
+          <p:cNvPr id="2" name="Title 1">
+            <a:extLst>
+              <a:ext uri="{FF2B5EF4-FFF2-40B4-BE49-F238E27FC236}">
+                <a16:creationId xmlns:a16="http://schemas.microsoft.com/office/drawing/2014/main" id="{AFF87E8C-E3C4-EE43-BC13-33A64853E804}"/>
+              </a:ext>
+            </a:extLst>
+          </p:cNvPr>
+          <p:cNvSpPr>
+            <a:spLocks noGrp="1"/>
+          </p:cNvSpPr>
+          <p:nvPr>
+            <p:ph type="ctrTitle"/>
+          </p:nvPr>
+        </p:nvSpPr>
+        <p:spPr/>
+        <p:txBody>
+          <a:bodyPr/>
+          <a:lstStyle/>
+          <a:p>
+            <a:r>
+              <a:rPr lang="zh-CN" altLang="en-US" dirty="0"/>
+              <a:t>谢谢老师和团队的努力和帮助</a:t>
+            </a:r>
+            <a:endParaRPr lang="en-US" dirty="0"/>
+          </a:p>
+        </p:txBody>
+      </p:sp>
+      <p:sp>
+        <p:nvSpPr>
+          <p:cNvPr id="3" name="Subtitle 2">
+            <a:extLst>
+              <a:ext uri="{FF2B5EF4-FFF2-40B4-BE49-F238E27FC236}">
+                <a16:creationId xmlns:a16="http://schemas.microsoft.com/office/drawing/2014/main" id="{63116469-51B9-A444-95ED-AD087454E105}"/>
+              </a:ext>
+            </a:extLst>
+          </p:cNvPr>
+          <p:cNvSpPr>
+            <a:spLocks noGrp="1"/>
+          </p:cNvSpPr>
+          <p:nvPr>
+            <p:ph type="subTitle" idx="1"/>
+          </p:nvPr>
+        </p:nvSpPr>
+        <p:spPr/>
+        <p:txBody>
+          <a:bodyPr/>
+          <a:lstStyle/>
+          <a:p>
+            <a:r>
+              <a:rPr lang="zh-CN" altLang="en-US" dirty="0"/>
+              <a:t>软件开发实践 </a:t>
+            </a:r>
+            <a:r>
+              <a:rPr lang="en-US" altLang="zh-CN" dirty="0"/>
+              <a:t>2020.4</a:t>
+            </a:r>
+          </a:p>
+          <a:p>
+            <a:r>
+              <a:rPr lang="en-US" altLang="zh-CN" dirty="0"/>
+              <a:t>G03</a:t>
+            </a:r>
+            <a:endParaRPr lang="en-US" dirty="0"/>
+          </a:p>
+        </p:txBody>
+      </p:sp>
+    </p:spTree>
+    <p:extLst>
+      <p:ext uri="{BB962C8B-B14F-4D97-AF65-F5344CB8AC3E}">
+        <p14:creationId xmlns:p14="http://schemas.microsoft.com/office/powerpoint/2010/main" val="638192271"/>
+      </p:ext>
+    </p:extLst>
+  </p:cSld>
+  <p:clrMapOvr>
+    <a:masterClrMapping/>
+  </p:clrMapOvr>
+</p:sld>
+</file>
+
 <file path=ppt/slides/slide2.xml><?xml version="1.0" encoding="utf-8"?>
 <p:sld xmlns:a="http://schemas.openxmlformats.org/drawingml/2006/main" xmlns:r="http://schemas.openxmlformats.org/officeDocument/2006/relationships" xmlns:p="http://schemas.openxmlformats.org/presentationml/2006/main">
   <p:cSld>
@@ -3395,7 +10519,7 @@
             <p:ph idx="1"/>
             <p:extLst>
               <p:ext uri="{D42A27DB-BD31-4B8C-83A1-F6EECF244321}">
-                <p14:modId xmlns:p14="http://schemas.microsoft.com/office/powerpoint/2010/main" val="1095370430"/>
+                <p14:modId xmlns:p14="http://schemas.microsoft.com/office/powerpoint/2010/main" val="2156058026"/>
               </p:ext>
             </p:extLst>
           </p:nvPr>
@@ -3644,7 +10768,7 @@
                     <a:p>
                       <a:r>
                         <a:rPr lang="zh-CN" altLang="en-US" dirty="0"/>
-                        <a:t>苏美成</a:t>
+                        <a:t>苏美澄</a:t>
                       </a:r>
                       <a:endParaRPr lang="en-US" dirty="0"/>
                     </a:p>
@@ -3750,9 +10874,16 @@
             <p:ph idx="1"/>
           </p:nvPr>
         </p:nvSpPr>
-        <p:spPr/>
+        <p:spPr>
+          <a:xfrm>
+            <a:off x="2231136" y="2638044"/>
+            <a:ext cx="7729728" cy="3977909"/>
+          </a:xfrm>
+        </p:spPr>
         <p:txBody>
-          <a:bodyPr/>
+          <a:bodyPr>
+            <a:normAutofit/>
+          </a:bodyPr>
           <a:lstStyle/>
           <a:p>
             <a:r>
@@ -3794,6 +10925,9 @@
             <a:endParaRPr lang="en-US" altLang="zh-CN" dirty="0"/>
           </a:p>
           <a:p>
+            <a:endParaRPr lang="en-US" altLang="zh-CN" dirty="0"/>
+          </a:p>
+          <a:p>
             <a:r>
               <a:rPr lang="zh-CN" altLang="en-US" dirty="0"/>
               <a:t>后端技术：</a:t>
@@ -3826,20 +10960,24 @@
               <a:rPr lang="en-US" altLang="zh-CN" dirty="0"/>
               <a:t>boot</a:t>
             </a:r>
-          </a:p>
-          <a:p>
-            <a:r>
-              <a:rPr lang="zh-CN" altLang="en-US" dirty="0"/>
-              <a:t>前后端调试：</a:t>
-            </a:r>
-            <a:r>
-              <a:rPr lang="en-US" altLang="zh-CN" dirty="0"/>
-              <a:t>Swagger</a:t>
-            </a:r>
             <a:r>
               <a:rPr lang="zh-CN" altLang="en-US" dirty="0"/>
               <a:t> </a:t>
             </a:r>
+            <a:r>
+              <a:rPr lang="en-US" altLang="zh-CN" dirty="0"/>
+              <a:t>+</a:t>
+            </a:r>
+            <a:r>
+              <a:rPr lang="zh-CN" altLang="en-US" dirty="0"/>
+              <a:t> </a:t>
+            </a:r>
+            <a:r>
+              <a:rPr lang="en-US" altLang="zh-CN" dirty="0"/>
+              <a:t>MySQL</a:t>
+            </a:r>
+          </a:p>
+          <a:p>
             <a:endParaRPr lang="en-US" altLang="zh-CN" dirty="0"/>
           </a:p>
           <a:p>
@@ -3854,14 +10992,7 @@
             <a:endParaRPr lang="en-US" altLang="zh-CN" dirty="0"/>
           </a:p>
           <a:p>
-            <a:r>
-              <a:rPr lang="zh-CN" altLang="en-US" dirty="0"/>
-              <a:t>数据库：</a:t>
-            </a:r>
-            <a:r>
-              <a:rPr lang="en-US" altLang="zh-CN" dirty="0"/>
-              <a:t>MySQL</a:t>
-            </a:r>
+            <a:endParaRPr lang="en-US" altLang="zh-CN" dirty="0"/>
           </a:p>
           <a:p>
             <a:r>
@@ -3880,6 +11011,9 @@
               <a:rPr lang="en-US" altLang="zh-CN" dirty="0"/>
               <a:t>Nginx</a:t>
             </a:r>
+          </a:p>
+          <a:p>
+            <a:endParaRPr lang="en-US" altLang="zh-CN" dirty="0"/>
           </a:p>
           <a:p>
             <a:r>
@@ -3965,7 +11099,7 @@
             <p:ph idx="1"/>
             <p:extLst>
               <p:ext uri="{D42A27DB-BD31-4B8C-83A1-F6EECF244321}">
-                <p14:modId xmlns:p14="http://schemas.microsoft.com/office/powerpoint/2010/main" val="684106353"/>
+                <p14:modId xmlns:p14="http://schemas.microsoft.com/office/powerpoint/2010/main" val="3659598984"/>
               </p:ext>
             </p:extLst>
           </p:nvPr>
@@ -4225,7 +11359,7 @@
                     <a:p>
                       <a:r>
                         <a:rPr lang="en-US" altLang="zh-CN" dirty="0"/>
-                        <a:t>100%</a:t>
+                        <a:t>95%</a:t>
                       </a:r>
                       <a:endParaRPr lang="en-US" dirty="0"/>
                     </a:p>
@@ -4296,7 +11430,7 @@
                     <a:p>
                       <a:r>
                         <a:rPr lang="en-US" altLang="zh-CN" dirty="0"/>
-                        <a:t>98%</a:t>
+                        <a:t>95%</a:t>
                       </a:r>
                       <a:endParaRPr lang="en-US" dirty="0"/>
                     </a:p>
@@ -4327,7 +11461,7 @@
                       </a:pPr>
                       <a:r>
                         <a:rPr lang="zh-CN" altLang="en-US" dirty="0"/>
-                        <a:t>没有真实企业内部系统验证</a:t>
+                        <a:t>没有真实企业内部系统验证（邮件通知已完成）</a:t>
                       </a:r>
                       <a:endParaRPr lang="en-US" dirty="0"/>
                     </a:p>
@@ -4536,7 +11670,7 @@
                     <a:p>
                       <a:r>
                         <a:rPr lang="en-US" altLang="zh-CN" dirty="0"/>
-                        <a:t>100%</a:t>
+                        <a:t>95%</a:t>
                       </a:r>
                       <a:endParaRPr lang="en-US" dirty="0"/>
                     </a:p>
@@ -4713,6 +11847,182 @@
           <p:cNvPr id="2" name="Title 1">
             <a:extLst>
               <a:ext uri="{FF2B5EF4-FFF2-40B4-BE49-F238E27FC236}">
+                <a16:creationId xmlns:a16="http://schemas.microsoft.com/office/drawing/2014/main" id="{A042D0C3-F1EB-9240-AB4F-D60F574D1B49}"/>
+              </a:ext>
+            </a:extLst>
+          </p:cNvPr>
+          <p:cNvSpPr>
+            <a:spLocks noGrp="1"/>
+          </p:cNvSpPr>
+          <p:nvPr>
+            <p:ph type="title"/>
+          </p:nvPr>
+        </p:nvSpPr>
+        <p:spPr/>
+        <p:txBody>
+          <a:bodyPr/>
+          <a:lstStyle/>
+          <a:p>
+            <a:r>
+              <a:rPr lang="zh-CN" altLang="en-US" dirty="0"/>
+              <a:t>项目技术难点</a:t>
+            </a:r>
+            <a:endParaRPr lang="en-US" dirty="0"/>
+          </a:p>
+        </p:txBody>
+      </p:sp>
+      <p:sp>
+        <p:nvSpPr>
+          <p:cNvPr id="3" name="Content Placeholder 2">
+            <a:extLst>
+              <a:ext uri="{FF2B5EF4-FFF2-40B4-BE49-F238E27FC236}">
+                <a16:creationId xmlns:a16="http://schemas.microsoft.com/office/drawing/2014/main" id="{B061D803-8A18-BD4B-840E-A9EB7D0159C7}"/>
+              </a:ext>
+            </a:extLst>
+          </p:cNvPr>
+          <p:cNvSpPr>
+            <a:spLocks noGrp="1"/>
+          </p:cNvSpPr>
+          <p:nvPr>
+            <p:ph idx="1"/>
+          </p:nvPr>
+        </p:nvSpPr>
+        <p:spPr>
+          <a:xfrm>
+            <a:off x="2231136" y="2638044"/>
+            <a:ext cx="7729728" cy="3977909"/>
+          </a:xfrm>
+        </p:spPr>
+        <p:txBody>
+          <a:bodyPr>
+            <a:normAutofit/>
+          </a:bodyPr>
+          <a:lstStyle/>
+          <a:p>
+            <a:r>
+              <a:rPr lang="zh-CN" altLang="en-US" dirty="0"/>
+              <a:t>用户鉴权：</a:t>
+            </a:r>
+            <a:r>
+              <a:rPr lang="en-US" altLang="zh-CN" dirty="0"/>
+              <a:t>JWT</a:t>
+            </a:r>
+            <a:r>
+              <a:rPr lang="zh-CN" altLang="en-US" dirty="0"/>
+              <a:t>，用户以分配</a:t>
+            </a:r>
+            <a:r>
+              <a:rPr lang="en-US" altLang="zh-CN" dirty="0"/>
+              <a:t>Token</a:t>
+            </a:r>
+            <a:r>
+              <a:rPr lang="zh-CN" altLang="en-US" dirty="0"/>
+              <a:t>的方式登录、接口操作</a:t>
+            </a:r>
+            <a:endParaRPr lang="en-US" altLang="zh-CN" dirty="0"/>
+          </a:p>
+          <a:p>
+            <a:endParaRPr lang="en-US" altLang="zh-CN" dirty="0"/>
+          </a:p>
+          <a:p>
+            <a:r>
+              <a:rPr lang="zh-CN" altLang="en-US" dirty="0"/>
+              <a:t>用户权限：平台权限 </a:t>
+            </a:r>
+            <a:r>
+              <a:rPr lang="en-US" altLang="zh-CN" dirty="0"/>
+              <a:t>+</a:t>
+            </a:r>
+            <a:r>
+              <a:rPr lang="zh-CN" altLang="en-US" dirty="0"/>
+              <a:t> 项目内部权限</a:t>
+            </a:r>
+            <a:endParaRPr lang="en-US" altLang="zh-CN" dirty="0"/>
+          </a:p>
+          <a:p>
+            <a:endParaRPr lang="en-US" altLang="zh-CN" dirty="0"/>
+          </a:p>
+          <a:p>
+            <a:r>
+              <a:rPr lang="en-US" altLang="zh-CN" dirty="0"/>
+              <a:t>Workflow</a:t>
+            </a:r>
+            <a:r>
+              <a:rPr lang="zh-CN" altLang="en-US" dirty="0"/>
+              <a:t>工作流引擎：利用</a:t>
+            </a:r>
+            <a:r>
+              <a:rPr lang="en-US" altLang="zh-CN" dirty="0"/>
+              <a:t>Bitmap</a:t>
+            </a:r>
+            <a:r>
+              <a:rPr lang="zh-CN" altLang="en-US" dirty="0"/>
+              <a:t>，单一</a:t>
+            </a:r>
+            <a:r>
+              <a:rPr lang="en-US" altLang="zh-CN" dirty="0"/>
+              <a:t>int</a:t>
+            </a:r>
+            <a:r>
+              <a:rPr lang="zh-CN" altLang="en-US" dirty="0"/>
+              <a:t>参数可以传递</a:t>
+            </a:r>
+            <a:r>
+              <a:rPr lang="en-US" altLang="zh-CN" dirty="0"/>
+              <a:t>25+</a:t>
+            </a:r>
+            <a:r>
+              <a:rPr lang="zh-CN" altLang="en-US" dirty="0"/>
+              <a:t>的项目状态</a:t>
+            </a:r>
+            <a:endParaRPr lang="en-US" altLang="zh-CN" dirty="0"/>
+          </a:p>
+          <a:p>
+            <a:pPr marL="0" indent="0">
+              <a:buNone/>
+            </a:pPr>
+            <a:endParaRPr lang="en-US" altLang="zh-CN" dirty="0"/>
+          </a:p>
+          <a:p>
+            <a:endParaRPr lang="en-US" altLang="zh-CN" dirty="0"/>
+          </a:p>
+        </p:txBody>
+      </p:sp>
+    </p:spTree>
+    <p:extLst>
+      <p:ext uri="{BB962C8B-B14F-4D97-AF65-F5344CB8AC3E}">
+        <p14:creationId xmlns:p14="http://schemas.microsoft.com/office/powerpoint/2010/main" val="4152643779"/>
+      </p:ext>
+    </p:extLst>
+  </p:cSld>
+  <p:clrMapOvr>
+    <a:masterClrMapping/>
+  </p:clrMapOvr>
+</p:sld>
+</file>
+
+<file path=ppt/slides/slide6.xml><?xml version="1.0" encoding="utf-8"?>
+<p:sld xmlns:a="http://schemas.openxmlformats.org/drawingml/2006/main" xmlns:r="http://schemas.openxmlformats.org/officeDocument/2006/relationships" xmlns:p="http://schemas.openxmlformats.org/presentationml/2006/main">
+  <p:cSld>
+    <p:spTree>
+      <p:nvGrpSpPr>
+        <p:cNvPr id="1" name=""/>
+        <p:cNvGrpSpPr/>
+        <p:nvPr/>
+      </p:nvGrpSpPr>
+      <p:grpSpPr>
+        <a:xfrm>
+          <a:off x="0" y="0"/>
+          <a:ext cx="0" cy="0"/>
+          <a:chOff x="0" y="0"/>
+          <a:chExt cx="0" cy="0"/>
+        </a:xfrm>
+      </p:grpSpPr>
+      <p:sp>
+        <p:nvSpPr>
+          <p:cNvPr id="2" name="Title 1">
+            <a:extLst>
+              <a:ext uri="{FF2B5EF4-FFF2-40B4-BE49-F238E27FC236}">
                 <a16:creationId xmlns:a16="http://schemas.microsoft.com/office/drawing/2014/main" id="{E64C8A5C-6D42-0441-92FE-3F402BD3713E}"/>
               </a:ext>
             </a:extLst>
@@ -4731,7 +12041,7 @@
           <a:p>
             <a:r>
               <a:rPr lang="zh-CN" altLang="en-US" dirty="0"/>
-              <a:t>项目过程</a:t>
+              <a:t>项目过程与风险</a:t>
             </a:r>
             <a:endParaRPr lang="en-US" dirty="0"/>
           </a:p>
@@ -4769,7 +12079,15 @@
           <a:p>
             <a:r>
               <a:rPr lang="zh-CN" altLang="en-US" dirty="0"/>
-              <a:t>项目计划未发生大调整（开发启动时间比预期晚了一个礼拜）</a:t>
+              <a:t>项目计划未发生大调整（仅存在</a:t>
+            </a:r>
+            <a:r>
+              <a:rPr lang="en-US" altLang="zh-CN" dirty="0"/>
+              <a:t>2-3</a:t>
+            </a:r>
+            <a:r>
+              <a:rPr lang="zh-CN" altLang="en-US" dirty="0"/>
+              <a:t>天的前后波动）</a:t>
             </a:r>
             <a:endParaRPr lang="en-US" altLang="zh-CN" dirty="0"/>
           </a:p>
@@ -4783,7 +12101,7 @@
           <a:p>
             <a:r>
               <a:rPr lang="zh-CN" altLang="en-US" dirty="0"/>
-              <a:t>界面设计发生一些细微需求、适应具体技术选型和操作细节</a:t>
+              <a:t>系统设计发生一些细微需求、适应具体技术选型和操作细节</a:t>
             </a:r>
             <a:endParaRPr lang="en-US" altLang="zh-CN" dirty="0"/>
           </a:p>
@@ -4823,16 +12141,6 @@
               <a:rPr lang="zh-CN" altLang="en-US" dirty="0"/>
               <a:t> 组员时间的分配</a:t>
             </a:r>
-            <a:endParaRPr lang="en-US" altLang="zh-CN" dirty="0"/>
-          </a:p>
-          <a:p>
-            <a:r>
-              <a:rPr lang="zh-CN" altLang="en-US" dirty="0"/>
-              <a:t>软件质量：注重代码质量，规范变量命名，后端单元测试覆盖率高</a:t>
-            </a:r>
-            <a:endParaRPr lang="en-US" altLang="zh-CN" dirty="0"/>
-          </a:p>
-          <a:p>
             <a:endParaRPr lang="en-US" altLang="zh-CN" dirty="0"/>
           </a:p>
         </p:txBody>
@@ -4850,7 +12158,7 @@
 </p:sld>
 </file>
 
-<file path=ppt/slides/slide6.xml><?xml version="1.0" encoding="utf-8"?>
+<file path=ppt/slides/slide7.xml><?xml version="1.0" encoding="utf-8"?>
 <p:sld xmlns:a="http://schemas.openxmlformats.org/drawingml/2006/main" xmlns:r="http://schemas.openxmlformats.org/officeDocument/2006/relationships" xmlns:p="http://schemas.openxmlformats.org/presentationml/2006/main">
   <p:cSld>
     <p:spTree>
@@ -4888,7 +12196,11 @@
           <a:bodyPr/>
           <a:lstStyle/>
           <a:p>
-            <a:endParaRPr lang="en-US"/>
+            <a:r>
+              <a:rPr lang="zh-CN" altLang="en-US" dirty="0"/>
+              <a:t>项目软件质量</a:t>
+            </a:r>
+            <a:endParaRPr lang="en-US" dirty="0"/>
           </a:p>
         </p:txBody>
       </p:sp>
@@ -4908,12 +12220,79 @@
             <p:ph idx="1"/>
           </p:nvPr>
         </p:nvSpPr>
-        <p:spPr/>
+        <p:spPr>
+          <a:xfrm>
+            <a:off x="2231136" y="2638044"/>
+            <a:ext cx="7729728" cy="3665937"/>
+          </a:xfrm>
+        </p:spPr>
         <p:txBody>
-          <a:bodyPr/>
+          <a:bodyPr>
+            <a:normAutofit/>
+          </a:bodyPr>
           <a:lstStyle/>
           <a:p>
-            <a:endParaRPr lang="en-US"/>
+            <a:r>
+              <a:rPr lang="zh-CN" altLang="en-US" dirty="0"/>
+              <a:t>软件质量：较高、具有可维护与可拓展性</a:t>
+            </a:r>
+            <a:endParaRPr lang="en-US" altLang="zh-CN" dirty="0"/>
+          </a:p>
+          <a:p>
+            <a:endParaRPr lang="en-US" altLang="zh-CN" dirty="0"/>
+          </a:p>
+          <a:p>
+            <a:r>
+              <a:rPr lang="zh-CN" altLang="en-US" dirty="0"/>
+              <a:t>技术选型：团队成员有一定基础、老带新的模式</a:t>
+            </a:r>
+            <a:endParaRPr lang="en-US" altLang="zh-CN" dirty="0"/>
+          </a:p>
+          <a:p>
+            <a:endParaRPr lang="en-US" altLang="zh-CN" dirty="0"/>
+          </a:p>
+          <a:p>
+            <a:r>
+              <a:rPr lang="zh-CN" altLang="en-US" dirty="0"/>
+              <a:t>系统设计：模块化清晰、日志打印清晰、易于拓展与检查</a:t>
+            </a:r>
+            <a:endParaRPr lang="en-US" altLang="zh-CN" dirty="0"/>
+          </a:p>
+          <a:p>
+            <a:endParaRPr lang="en-US" altLang="zh-CN" dirty="0"/>
+          </a:p>
+          <a:p>
+            <a:r>
+              <a:rPr lang="zh-CN" altLang="en-US" dirty="0"/>
+              <a:t>代码风格：编辑器自动风格检查、成员互相检查</a:t>
+            </a:r>
+            <a:endParaRPr lang="en-US" altLang="zh-CN" dirty="0"/>
+          </a:p>
+          <a:p>
+            <a:endParaRPr lang="en-US" altLang="zh-CN" dirty="0"/>
+          </a:p>
+          <a:p>
+            <a:r>
+              <a:rPr lang="zh-CN" altLang="en-US" dirty="0"/>
+              <a:t>测试：后端单元测试覆盖率高（超过</a:t>
+            </a:r>
+            <a:r>
+              <a:rPr lang="en-US" altLang="zh-CN" dirty="0"/>
+              <a:t>95%</a:t>
+            </a:r>
+            <a:r>
+              <a:rPr lang="zh-CN" altLang="en-US" dirty="0"/>
+              <a:t>）、</a:t>
+            </a:r>
+            <a:r>
+              <a:rPr lang="en-US" altLang="zh-CN" dirty="0"/>
+              <a:t>116</a:t>
+            </a:r>
+            <a:r>
+              <a:rPr lang="zh-CN" altLang="en-US" dirty="0"/>
+              <a:t>个系统测试按计划完成</a:t>
+            </a:r>
+            <a:endParaRPr lang="en-US" altLang="zh-CN" dirty="0"/>
           </a:p>
         </p:txBody>
       </p:sp>
@@ -4921,6 +12300,675 @@
     <p:extLst>
       <p:ext uri="{BB962C8B-B14F-4D97-AF65-F5344CB8AC3E}">
         <p14:creationId xmlns:p14="http://schemas.microsoft.com/office/powerpoint/2010/main" val="4202982919"/>
+      </p:ext>
+    </p:extLst>
+  </p:cSld>
+  <p:clrMapOvr>
+    <a:masterClrMapping/>
+  </p:clrMapOvr>
+</p:sld>
+</file>
+
+<file path=ppt/slides/slide8.xml><?xml version="1.0" encoding="utf-8"?>
+<p:sld xmlns:a="http://schemas.openxmlformats.org/drawingml/2006/main" xmlns:r="http://schemas.openxmlformats.org/officeDocument/2006/relationships" xmlns:p="http://schemas.openxmlformats.org/presentationml/2006/main">
+  <p:cSld>
+    <p:spTree>
+      <p:nvGrpSpPr>
+        <p:cNvPr id="1" name=""/>
+        <p:cNvGrpSpPr/>
+        <p:nvPr/>
+      </p:nvGrpSpPr>
+      <p:grpSpPr>
+        <a:xfrm>
+          <a:off x="0" y="0"/>
+          <a:ext cx="0" cy="0"/>
+          <a:chOff x="0" y="0"/>
+          <a:chExt cx="0" cy="0"/>
+        </a:xfrm>
+      </p:grpSpPr>
+      <p:sp>
+        <p:nvSpPr>
+          <p:cNvPr id="2" name="Title 1">
+            <a:extLst>
+              <a:ext uri="{FF2B5EF4-FFF2-40B4-BE49-F238E27FC236}">
+                <a16:creationId xmlns:a16="http://schemas.microsoft.com/office/drawing/2014/main" id="{361B705D-8AD2-7542-B85C-317C11162F88}"/>
+              </a:ext>
+            </a:extLst>
+          </p:cNvPr>
+          <p:cNvSpPr>
+            <a:spLocks noGrp="1"/>
+          </p:cNvSpPr>
+          <p:nvPr>
+            <p:ph type="title"/>
+          </p:nvPr>
+        </p:nvSpPr>
+        <p:spPr/>
+        <p:txBody>
+          <a:bodyPr/>
+          <a:lstStyle/>
+          <a:p>
+            <a:r>
+              <a:rPr lang="zh-CN" altLang="en-US" dirty="0"/>
+              <a:t>开发文档管理</a:t>
+            </a:r>
+            <a:endParaRPr lang="en-US" dirty="0"/>
+          </a:p>
+        </p:txBody>
+      </p:sp>
+      <p:sp>
+        <p:nvSpPr>
+          <p:cNvPr id="5" name="Content Placeholder 2">
+            <a:extLst>
+              <a:ext uri="{FF2B5EF4-FFF2-40B4-BE49-F238E27FC236}">
+                <a16:creationId xmlns:a16="http://schemas.microsoft.com/office/drawing/2014/main" id="{D46CB1CA-B826-43C1-ABF5-DC97527DEE56}"/>
+              </a:ext>
+            </a:extLst>
+          </p:cNvPr>
+          <p:cNvSpPr>
+            <a:spLocks noGrp="1"/>
+          </p:cNvSpPr>
+          <p:nvPr>
+            <p:ph idx="1"/>
+          </p:nvPr>
+        </p:nvSpPr>
+        <p:spPr>
+          <a:xfrm>
+            <a:off x="2037778" y="2778949"/>
+            <a:ext cx="2150364" cy="478536"/>
+          </a:xfrm>
+        </p:spPr>
+        <p:txBody>
+          <a:bodyPr>
+            <a:normAutofit/>
+          </a:bodyPr>
+          <a:lstStyle/>
+          <a:p>
+            <a:r>
+              <a:rPr lang="zh-CN" altLang="en-US" dirty="0"/>
+              <a:t>静态</a:t>
+            </a:r>
+            <a:r>
+              <a:rPr lang="en-US" altLang="zh-CN" dirty="0"/>
+              <a:t>:</a:t>
+            </a:r>
+          </a:p>
+        </p:txBody>
+      </p:sp>
+      <p:sp>
+        <p:nvSpPr>
+          <p:cNvPr id="6" name="Content Placeholder 2">
+            <a:extLst>
+              <a:ext uri="{FF2B5EF4-FFF2-40B4-BE49-F238E27FC236}">
+                <a16:creationId xmlns:a16="http://schemas.microsoft.com/office/drawing/2014/main" id="{6A500238-0FC6-41AC-B713-90A9300C3E68}"/>
+              </a:ext>
+            </a:extLst>
+          </p:cNvPr>
+          <p:cNvSpPr txBox="1">
+            <a:spLocks/>
+          </p:cNvSpPr>
+          <p:nvPr/>
+        </p:nvSpPr>
+        <p:spPr>
+          <a:xfrm>
+            <a:off x="7633716" y="2815461"/>
+            <a:ext cx="2919984" cy="449959"/>
+          </a:xfrm>
+          <a:prstGeom prst="rect">
+            <a:avLst/>
+          </a:prstGeom>
+        </p:spPr>
+        <p:txBody>
+          <a:bodyPr vert="horz" lIns="91440" tIns="45720" rIns="91440" bIns="45720" rtlCol="0">
+            <a:normAutofit/>
+          </a:bodyPr>
+          <a:lstStyle>
+            <a:lvl1pPr marL="228600" indent="-228600" algn="l" defTabSz="914400" rtl="0" eaLnBrk="1" latinLnBrk="0" hangingPunct="1">
+              <a:lnSpc>
+                <a:spcPct val="100000"/>
+              </a:lnSpc>
+              <a:spcBef>
+                <a:spcPts val="1000"/>
+              </a:spcBef>
+              <a:buClr>
+                <a:schemeClr val="accent2"/>
+              </a:buClr>
+              <a:buFont typeface="Arial" panose="020B0604020202020204" pitchFamily="34" charset="0"/>
+              <a:buChar char="•"/>
+              <a:defRPr sz="1800" kern="1200">
+                <a:solidFill>
+                  <a:schemeClr val="tx1">
+                    <a:lumMod val="85000"/>
+                    <a:lumOff val="15000"/>
+                  </a:schemeClr>
+                </a:solidFill>
+                <a:latin typeface="+mn-lt"/>
+                <a:ea typeface="+mn-ea"/>
+                <a:cs typeface="+mn-cs"/>
+              </a:defRPr>
+            </a:lvl1pPr>
+            <a:lvl2pPr marL="457200" indent="-228600" algn="l" defTabSz="914400" rtl="0" eaLnBrk="1" latinLnBrk="0" hangingPunct="1">
+              <a:lnSpc>
+                <a:spcPct val="100000"/>
+              </a:lnSpc>
+              <a:spcBef>
+                <a:spcPts val="1000"/>
+              </a:spcBef>
+              <a:buClr>
+                <a:schemeClr val="accent2"/>
+              </a:buClr>
+              <a:buFont typeface="Arial" panose="020B0604020202020204" pitchFamily="34" charset="0"/>
+              <a:buChar char="•"/>
+              <a:defRPr sz="1600" kern="1200">
+                <a:solidFill>
+                  <a:schemeClr val="tx1">
+                    <a:lumMod val="85000"/>
+                    <a:lumOff val="15000"/>
+                  </a:schemeClr>
+                </a:solidFill>
+                <a:latin typeface="+mn-lt"/>
+                <a:ea typeface="+mn-ea"/>
+                <a:cs typeface="+mn-cs"/>
+              </a:defRPr>
+            </a:lvl2pPr>
+            <a:lvl3pPr marL="685800" indent="-228600" algn="l" defTabSz="914400" rtl="0" eaLnBrk="1" latinLnBrk="0" hangingPunct="1">
+              <a:lnSpc>
+                <a:spcPct val="100000"/>
+              </a:lnSpc>
+              <a:spcBef>
+                <a:spcPts val="1000"/>
+              </a:spcBef>
+              <a:buClr>
+                <a:schemeClr val="accent2"/>
+              </a:buClr>
+              <a:buFont typeface="Arial" panose="020B0604020202020204" pitchFamily="34" charset="0"/>
+              <a:buChar char="•"/>
+              <a:defRPr sz="1600" kern="1200">
+                <a:solidFill>
+                  <a:schemeClr val="tx1">
+                    <a:lumMod val="85000"/>
+                    <a:lumOff val="15000"/>
+                  </a:schemeClr>
+                </a:solidFill>
+                <a:latin typeface="+mn-lt"/>
+                <a:ea typeface="+mn-ea"/>
+                <a:cs typeface="+mn-cs"/>
+              </a:defRPr>
+            </a:lvl3pPr>
+            <a:lvl4pPr marL="914400" indent="-228600" algn="l" defTabSz="914400" rtl="0" eaLnBrk="1" latinLnBrk="0" hangingPunct="1">
+              <a:lnSpc>
+                <a:spcPct val="100000"/>
+              </a:lnSpc>
+              <a:spcBef>
+                <a:spcPts val="1000"/>
+              </a:spcBef>
+              <a:buClr>
+                <a:schemeClr val="accent2"/>
+              </a:buClr>
+              <a:buFont typeface="Arial" panose="020B0604020202020204" pitchFamily="34" charset="0"/>
+              <a:buChar char="•"/>
+              <a:defRPr sz="1600" kern="1200">
+                <a:solidFill>
+                  <a:schemeClr val="tx1">
+                    <a:lumMod val="85000"/>
+                    <a:lumOff val="15000"/>
+                  </a:schemeClr>
+                </a:solidFill>
+                <a:latin typeface="+mn-lt"/>
+                <a:ea typeface="+mn-ea"/>
+                <a:cs typeface="+mn-cs"/>
+              </a:defRPr>
+            </a:lvl4pPr>
+            <a:lvl5pPr marL="1143000" indent="-228600" algn="l" defTabSz="914400" rtl="0" eaLnBrk="1" latinLnBrk="0" hangingPunct="1">
+              <a:lnSpc>
+                <a:spcPct val="100000"/>
+              </a:lnSpc>
+              <a:spcBef>
+                <a:spcPts val="1000"/>
+              </a:spcBef>
+              <a:buClr>
+                <a:schemeClr val="accent2"/>
+              </a:buClr>
+              <a:buFont typeface="Arial" panose="020B0604020202020204" pitchFamily="34" charset="0"/>
+              <a:buChar char="•"/>
+              <a:defRPr sz="1600" kern="1200">
+                <a:solidFill>
+                  <a:schemeClr val="tx1">
+                    <a:lumMod val="85000"/>
+                    <a:lumOff val="15000"/>
+                  </a:schemeClr>
+                </a:solidFill>
+                <a:latin typeface="+mn-lt"/>
+                <a:ea typeface="+mn-ea"/>
+                <a:cs typeface="+mn-cs"/>
+              </a:defRPr>
+            </a:lvl5pPr>
+            <a:lvl6pPr marL="1312863" indent="-228600" algn="l" defTabSz="914400" rtl="0" eaLnBrk="1" latinLnBrk="0" hangingPunct="1">
+              <a:lnSpc>
+                <a:spcPct val="100000"/>
+              </a:lnSpc>
+              <a:spcBef>
+                <a:spcPts val="1000"/>
+              </a:spcBef>
+              <a:buClr>
+                <a:schemeClr val="accent2"/>
+              </a:buClr>
+              <a:buFont typeface="Arial" panose="020B0604020202020204" pitchFamily="34" charset="0"/>
+              <a:buChar char="•"/>
+              <a:defRPr sz="1600" kern="1200">
+                <a:solidFill>
+                  <a:schemeClr val="tx1"/>
+                </a:solidFill>
+                <a:latin typeface="+mn-lt"/>
+                <a:ea typeface="+mn-ea"/>
+                <a:cs typeface="+mn-cs"/>
+              </a:defRPr>
+            </a:lvl6pPr>
+            <a:lvl7pPr marL="1484313" indent="-228600" algn="l" defTabSz="914400" rtl="0" eaLnBrk="1" latinLnBrk="0" hangingPunct="1">
+              <a:lnSpc>
+                <a:spcPct val="100000"/>
+              </a:lnSpc>
+              <a:spcBef>
+                <a:spcPts val="1000"/>
+              </a:spcBef>
+              <a:buClr>
+                <a:schemeClr val="accent2"/>
+              </a:buClr>
+              <a:buFont typeface="Arial" panose="020B0604020202020204" pitchFamily="34" charset="0"/>
+              <a:buChar char="•"/>
+              <a:defRPr sz="1600" kern="1200">
+                <a:solidFill>
+                  <a:schemeClr val="tx1"/>
+                </a:solidFill>
+                <a:latin typeface="+mn-lt"/>
+                <a:ea typeface="+mn-ea"/>
+                <a:cs typeface="+mn-cs"/>
+              </a:defRPr>
+            </a:lvl7pPr>
+            <a:lvl8pPr marL="1657350" indent="-228600" algn="l" defTabSz="914400" rtl="0" eaLnBrk="1" latinLnBrk="0" hangingPunct="1">
+              <a:lnSpc>
+                <a:spcPct val="100000"/>
+              </a:lnSpc>
+              <a:spcBef>
+                <a:spcPts val="1000"/>
+              </a:spcBef>
+              <a:buClr>
+                <a:schemeClr val="accent2"/>
+              </a:buClr>
+              <a:buFont typeface="Arial" panose="020B0604020202020204" pitchFamily="34" charset="0"/>
+              <a:buChar char="•"/>
+              <a:defRPr sz="1600" kern="1200" baseline="0">
+                <a:solidFill>
+                  <a:schemeClr val="tx1"/>
+                </a:solidFill>
+                <a:latin typeface="+mn-lt"/>
+                <a:ea typeface="+mn-ea"/>
+                <a:cs typeface="+mn-cs"/>
+              </a:defRPr>
+            </a:lvl8pPr>
+            <a:lvl9pPr marL="1882775" indent="-228600" algn="l" defTabSz="914400" rtl="0" eaLnBrk="1" latinLnBrk="0" hangingPunct="1">
+              <a:lnSpc>
+                <a:spcPct val="100000"/>
+              </a:lnSpc>
+              <a:spcBef>
+                <a:spcPts val="1000"/>
+              </a:spcBef>
+              <a:buClr>
+                <a:schemeClr val="accent2"/>
+              </a:buClr>
+              <a:buFont typeface="Arial" panose="020B0604020202020204" pitchFamily="34" charset="0"/>
+              <a:buChar char="•"/>
+              <a:defRPr sz="1600" kern="1200" baseline="0">
+                <a:solidFill>
+                  <a:schemeClr val="tx1"/>
+                </a:solidFill>
+                <a:latin typeface="+mn-lt"/>
+                <a:ea typeface="+mn-ea"/>
+                <a:cs typeface="+mn-cs"/>
+              </a:defRPr>
+            </a:lvl9pPr>
+          </a:lstStyle>
+          <a:p>
+            <a:r>
+              <a:rPr lang="zh-CN" altLang="en-US" dirty="0"/>
+              <a:t>动态</a:t>
+            </a:r>
+            <a:r>
+              <a:rPr lang="en-US" altLang="zh-CN" dirty="0"/>
+              <a:t>:       Swagger UI</a:t>
+            </a:r>
+          </a:p>
+        </p:txBody>
+      </p:sp>
+      <p:pic>
+        <p:nvPicPr>
+          <p:cNvPr id="1026" name="Picture 2" descr="ProcessOn免费在线作图">
+            <a:extLst>
+              <a:ext uri="{FF2B5EF4-FFF2-40B4-BE49-F238E27FC236}">
+                <a16:creationId xmlns:a16="http://schemas.microsoft.com/office/drawing/2014/main" id="{EC216C3C-3ADF-4789-9601-94DCBF643E73}"/>
+              </a:ext>
+            </a:extLst>
+          </p:cNvPr>
+          <p:cNvPicPr>
+            <a:picLocks noChangeAspect="1" noChangeArrowheads="1"/>
+          </p:cNvPicPr>
+          <p:nvPr/>
+        </p:nvPicPr>
+        <p:blipFill>
+          <a:blip r:embed="rId2">
+            <a:extLst>
+              <a:ext uri="{28A0092B-C50C-407E-A947-70E740481C1C}">
+                <a14:useLocalDpi xmlns:a14="http://schemas.microsoft.com/office/drawing/2010/main" val="0"/>
+              </a:ext>
+            </a:extLst>
+          </a:blip>
+          <a:srcRect/>
+          <a:stretch>
+            <a:fillRect/>
+          </a:stretch>
+        </p:blipFill>
+        <p:spPr bwMode="auto">
+          <a:xfrm>
+            <a:off x="2974657" y="2813877"/>
+            <a:ext cx="1213485" cy="326386"/>
+          </a:xfrm>
+          <a:prstGeom prst="rect">
+            <a:avLst/>
+          </a:prstGeom>
+          <a:noFill/>
+          <a:extLst>
+            <a:ext uri="{909E8E84-426E-40DD-AFC4-6F175D3DCCD1}">
+              <a14:hiddenFill xmlns:a14="http://schemas.microsoft.com/office/drawing/2010/main">
+                <a:solidFill>
+                  <a:srgbClr val="FFFFFF"/>
+                </a:solidFill>
+              </a14:hiddenFill>
+            </a:ext>
+          </a:extLst>
+        </p:spPr>
+      </p:pic>
+      <p:pic>
+        <p:nvPicPr>
+          <p:cNvPr id="1028" name="Picture 4" descr="Swagger UI">
+            <a:extLst>
+              <a:ext uri="{FF2B5EF4-FFF2-40B4-BE49-F238E27FC236}">
+                <a16:creationId xmlns:a16="http://schemas.microsoft.com/office/drawing/2014/main" id="{B229D97F-86F3-44CD-9E57-772DD4A3FD83}"/>
+              </a:ext>
+            </a:extLst>
+          </p:cNvPr>
+          <p:cNvPicPr>
+            <a:picLocks noChangeAspect="1" noChangeArrowheads="1"/>
+          </p:cNvPicPr>
+          <p:nvPr/>
+        </p:nvPicPr>
+        <p:blipFill>
+          <a:blip r:embed="rId3">
+            <a:extLst>
+              <a:ext uri="{28A0092B-C50C-407E-A947-70E740481C1C}">
+                <a14:useLocalDpi xmlns:a14="http://schemas.microsoft.com/office/drawing/2010/main" val="0"/>
+              </a:ext>
+            </a:extLst>
+          </a:blip>
+          <a:srcRect/>
+          <a:stretch>
+            <a:fillRect/>
+          </a:stretch>
+        </p:blipFill>
+        <p:spPr bwMode="auto">
+          <a:xfrm>
+            <a:off x="8551545" y="2854513"/>
+            <a:ext cx="285750" cy="285750"/>
+          </a:xfrm>
+          <a:prstGeom prst="rect">
+            <a:avLst/>
+          </a:prstGeom>
+          <a:noFill/>
+          <a:extLst>
+            <a:ext uri="{909E8E84-426E-40DD-AFC4-6F175D3DCCD1}">
+              <a14:hiddenFill xmlns:a14="http://schemas.microsoft.com/office/drawing/2010/main">
+                <a:solidFill>
+                  <a:srgbClr val="FFFFFF"/>
+                </a:solidFill>
+              </a14:hiddenFill>
+            </a:ext>
+          </a:extLst>
+        </p:spPr>
+      </p:pic>
+      <p:pic>
+        <p:nvPicPr>
+          <p:cNvPr id="4" name="图片 3">
+            <a:extLst>
+              <a:ext uri="{FF2B5EF4-FFF2-40B4-BE49-F238E27FC236}">
+                <a16:creationId xmlns:a16="http://schemas.microsoft.com/office/drawing/2014/main" id="{9CEB9A48-8BB0-4EB0-B44B-D5F6E0AF78EF}"/>
+              </a:ext>
+            </a:extLst>
+          </p:cNvPr>
+          <p:cNvPicPr>
+            <a:picLocks noChangeAspect="1"/>
+          </p:cNvPicPr>
+          <p:nvPr/>
+        </p:nvPicPr>
+        <p:blipFill rotWithShape="1">
+          <a:blip r:embed="rId4"/>
+          <a:srcRect r="15481"/>
+          <a:stretch/>
+        </p:blipFill>
+        <p:spPr>
+          <a:xfrm>
+            <a:off x="536814" y="3428553"/>
+            <a:ext cx="5152291" cy="2828693"/>
+          </a:xfrm>
+          <a:prstGeom prst="rect">
+            <a:avLst/>
+          </a:prstGeom>
+          <a:ln w="19050">
+            <a:solidFill>
+              <a:schemeClr val="bg1">
+                <a:lumMod val="50000"/>
+              </a:schemeClr>
+            </a:solidFill>
+          </a:ln>
+          <a:effectLst>
+            <a:outerShdw blurRad="50800" dist="38100" dir="2700000" algn="tl" rotWithShape="0">
+              <a:prstClr val="black">
+                <a:alpha val="40000"/>
+              </a:prstClr>
+            </a:outerShdw>
+          </a:effectLst>
+        </p:spPr>
+      </p:pic>
+      <p:pic>
+        <p:nvPicPr>
+          <p:cNvPr id="8" name="图片 7">
+            <a:extLst>
+              <a:ext uri="{FF2B5EF4-FFF2-40B4-BE49-F238E27FC236}">
+                <a16:creationId xmlns:a16="http://schemas.microsoft.com/office/drawing/2014/main" id="{880EB819-CE94-47C8-BC04-2B70D1746E1F}"/>
+              </a:ext>
+            </a:extLst>
+          </p:cNvPr>
+          <p:cNvPicPr>
+            <a:picLocks noChangeAspect="1"/>
+          </p:cNvPicPr>
+          <p:nvPr/>
+        </p:nvPicPr>
+        <p:blipFill>
+          <a:blip r:embed="rId5"/>
+          <a:stretch>
+            <a:fillRect/>
+          </a:stretch>
+        </p:blipFill>
+        <p:spPr>
+          <a:xfrm>
+            <a:off x="6653180" y="3310144"/>
+            <a:ext cx="4881056" cy="3172145"/>
+          </a:xfrm>
+          <a:prstGeom prst="rect">
+            <a:avLst/>
+          </a:prstGeom>
+          <a:ln w="19050">
+            <a:solidFill>
+              <a:schemeClr val="bg1">
+                <a:lumMod val="50000"/>
+              </a:schemeClr>
+            </a:solidFill>
+          </a:ln>
+          <a:effectLst>
+            <a:outerShdw blurRad="50800" dist="38100" dir="2700000" algn="tl" rotWithShape="0">
+              <a:prstClr val="black">
+                <a:alpha val="40000"/>
+              </a:prstClr>
+            </a:outerShdw>
+          </a:effectLst>
+        </p:spPr>
+      </p:pic>
+    </p:spTree>
+    <p:extLst>
+      <p:ext uri="{BB962C8B-B14F-4D97-AF65-F5344CB8AC3E}">
+        <p14:creationId xmlns:p14="http://schemas.microsoft.com/office/powerpoint/2010/main" val="165981721"/>
+      </p:ext>
+    </p:extLst>
+  </p:cSld>
+  <p:clrMapOvr>
+    <a:masterClrMapping/>
+  </p:clrMapOvr>
+</p:sld>
+</file>
+
+<file path=ppt/slides/slide9.xml><?xml version="1.0" encoding="utf-8"?>
+<p:sld xmlns:a="http://schemas.openxmlformats.org/drawingml/2006/main" xmlns:r="http://schemas.openxmlformats.org/officeDocument/2006/relationships" xmlns:p="http://schemas.openxmlformats.org/presentationml/2006/main">
+  <p:cSld>
+    <p:spTree>
+      <p:nvGrpSpPr>
+        <p:cNvPr id="1" name=""/>
+        <p:cNvGrpSpPr/>
+        <p:nvPr/>
+      </p:nvGrpSpPr>
+      <p:grpSpPr>
+        <a:xfrm>
+          <a:off x="0" y="0"/>
+          <a:ext cx="0" cy="0"/>
+          <a:chOff x="0" y="0"/>
+          <a:chExt cx="0" cy="0"/>
+        </a:xfrm>
+      </p:grpSpPr>
+      <p:sp>
+        <p:nvSpPr>
+          <p:cNvPr id="2" name="Title 1">
+            <a:extLst>
+              <a:ext uri="{FF2B5EF4-FFF2-40B4-BE49-F238E27FC236}">
+                <a16:creationId xmlns:a16="http://schemas.microsoft.com/office/drawing/2014/main" id="{361B705D-8AD2-7542-B85C-317C11162F88}"/>
+              </a:ext>
+            </a:extLst>
+          </p:cNvPr>
+          <p:cNvSpPr>
+            <a:spLocks noGrp="1"/>
+          </p:cNvSpPr>
+          <p:nvPr>
+            <p:ph type="title"/>
+          </p:nvPr>
+        </p:nvSpPr>
+        <p:spPr/>
+        <p:txBody>
+          <a:bodyPr/>
+          <a:lstStyle/>
+          <a:p>
+            <a:r>
+              <a:rPr lang="zh-CN" altLang="en-US" dirty="0"/>
+              <a:t>项目缺陷管理</a:t>
+            </a:r>
+            <a:endParaRPr lang="en-US" dirty="0"/>
+          </a:p>
+        </p:txBody>
+      </p:sp>
+      <p:pic>
+        <p:nvPicPr>
+          <p:cNvPr id="3" name="图片 2">
+            <a:extLst>
+              <a:ext uri="{FF2B5EF4-FFF2-40B4-BE49-F238E27FC236}">
+                <a16:creationId xmlns:a16="http://schemas.microsoft.com/office/drawing/2014/main" id="{6CEC3496-4ECC-4955-8455-882FD8982058}"/>
+              </a:ext>
+            </a:extLst>
+          </p:cNvPr>
+          <p:cNvPicPr>
+            <a:picLocks noChangeAspect="1"/>
+          </p:cNvPicPr>
+          <p:nvPr/>
+        </p:nvPicPr>
+        <p:blipFill rotWithShape="1">
+          <a:blip r:embed="rId2"/>
+          <a:srcRect b="49741"/>
+          <a:stretch/>
+        </p:blipFill>
+        <p:spPr>
+          <a:xfrm>
+            <a:off x="287880" y="2989386"/>
+            <a:ext cx="5731920" cy="3064174"/>
+          </a:xfrm>
+          <a:prstGeom prst="rect">
+            <a:avLst/>
+          </a:prstGeom>
+          <a:ln w="19050">
+            <a:solidFill>
+              <a:schemeClr val="bg1">
+                <a:lumMod val="50000"/>
+              </a:schemeClr>
+            </a:solidFill>
+          </a:ln>
+          <a:effectLst>
+            <a:outerShdw blurRad="50800" dist="38100" dir="2700000" algn="tl" rotWithShape="0">
+              <a:prstClr val="black">
+                <a:alpha val="40000"/>
+              </a:prstClr>
+            </a:outerShdw>
+          </a:effectLst>
+        </p:spPr>
+      </p:pic>
+      <p:pic>
+        <p:nvPicPr>
+          <p:cNvPr id="7" name="图片 6">
+            <a:extLst>
+              <a:ext uri="{FF2B5EF4-FFF2-40B4-BE49-F238E27FC236}">
+                <a16:creationId xmlns:a16="http://schemas.microsoft.com/office/drawing/2014/main" id="{2F3188DC-1D0E-4C49-80BB-302275C04FEC}"/>
+              </a:ext>
+            </a:extLst>
+          </p:cNvPr>
+          <p:cNvPicPr>
+            <a:picLocks noChangeAspect="1"/>
+          </p:cNvPicPr>
+          <p:nvPr/>
+        </p:nvPicPr>
+        <p:blipFill rotWithShape="1">
+          <a:blip r:embed="rId2"/>
+          <a:srcRect t="50259"/>
+          <a:stretch/>
+        </p:blipFill>
+        <p:spPr>
+          <a:xfrm>
+            <a:off x="6172200" y="3020992"/>
+            <a:ext cx="5731920" cy="3032568"/>
+          </a:xfrm>
+          <a:prstGeom prst="rect">
+            <a:avLst/>
+          </a:prstGeom>
+          <a:ln w="19050">
+            <a:solidFill>
+              <a:schemeClr val="bg1">
+                <a:lumMod val="50000"/>
+              </a:schemeClr>
+            </a:solidFill>
+          </a:ln>
+          <a:effectLst>
+            <a:outerShdw blurRad="50800" dist="38100" dir="2700000" algn="tl" rotWithShape="0">
+              <a:prstClr val="black">
+                <a:alpha val="40000"/>
+              </a:prstClr>
+            </a:outerShdw>
+          </a:effectLst>
+        </p:spPr>
+      </p:pic>
+    </p:spTree>
+    <p:extLst>
+      <p:ext uri="{BB962C8B-B14F-4D97-AF65-F5344CB8AC3E}">
+        <p14:creationId xmlns:p14="http://schemas.microsoft.com/office/powerpoint/2010/main" val="3965972175"/>
       </p:ext>
     </p:extLst>
   </p:cSld>
